--- a/Documentation/DAS_Team11.pptx
+++ b/Documentation/DAS_Team11.pptx
@@ -2,28 +2,28 @@
 <file path=ppt/presentation.xml><?xml version="1.0" encoding="utf-8"?>
 <p:presentation xmlns:a="http://schemas.openxmlformats.org/drawingml/2006/main" xmlns:r="http://schemas.openxmlformats.org/officeDocument/2006/relationships" xmlns:p="http://schemas.openxmlformats.org/presentationml/2006/main">
   <p:sldMasterIdLst>
-    <p:sldMasterId id="2147483648" r:id="rId5"/>
+    <p:sldMasterId id="2147483648" r:id="rId1"/>
   </p:sldMasterIdLst>
   <p:notesMasterIdLst>
-    <p:notesMasterId r:id="rId7"/>
+    <p:notesMasterId r:id="rId16"/>
   </p:notesMasterIdLst>
   <p:sldIdLst>
-    <p:sldId id="256" r:id="rId8"/>
-    <p:sldId id="257" r:id="rId9"/>
-    <p:sldId id="258" r:id="rId10"/>
-    <p:sldId id="259" r:id="rId11"/>
-    <p:sldId id="260" r:id="rId12"/>
-    <p:sldId id="261" r:id="rId13"/>
-    <p:sldId id="262" r:id="rId14"/>
-    <p:sldId id="263" r:id="rId15"/>
-    <p:sldId id="264" r:id="rId16"/>
-    <p:sldId id="265" r:id="rId17"/>
-    <p:sldId id="266" r:id="rId18"/>
-    <p:sldId id="267" r:id="rId19"/>
-    <p:sldId id="268" r:id="rId20"/>
-    <p:sldId id="269" r:id="rId21"/>
+    <p:sldId id="256" r:id="rId2"/>
+    <p:sldId id="257" r:id="rId3"/>
+    <p:sldId id="258" r:id="rId4"/>
+    <p:sldId id="259" r:id="rId5"/>
+    <p:sldId id="260" r:id="rId6"/>
+    <p:sldId id="261" r:id="rId7"/>
+    <p:sldId id="262" r:id="rId8"/>
+    <p:sldId id="263" r:id="rId9"/>
+    <p:sldId id="264" r:id="rId10"/>
+    <p:sldId id="265" r:id="rId11"/>
+    <p:sldId id="266" r:id="rId12"/>
+    <p:sldId id="267" r:id="rId13"/>
+    <p:sldId id="268" r:id="rId14"/>
+    <p:sldId id="269" r:id="rId15"/>
   </p:sldIdLst>
-  <p:sldSz cx="9144000" cy="6858000"/>
+  <p:sldSz cx="9144000" cy="6858000" type="screen4x3"/>
   <p:notesSz cx="6858000" cy="9144000"/>
   <p:defaultTextStyle>
     <a:defPPr marL="0" marR="0" indent="0" algn="l" defTabSz="914400" rtl="0" fontAlgn="auto" latinLnBrk="1" hangingPunct="0">
@@ -41,7 +41,7 @@
       <a:buFontTx/>
       <a:buNone/>
       <a:tabLst/>
-      <a:defRPr b="0" baseline="0" cap="none" i="0" spc="0" strike="noStrike" sz="1800" u="none" kumimoji="0" normalizeH="0">
+      <a:defRPr kumimoji="0" sz="1800" b="0" i="0" u="none" strike="noStrike" cap="none" spc="0" normalizeH="0" baseline="0">
         <a:ln>
           <a:noFill/>
         </a:ln>
@@ -67,7 +67,7 @@
       <a:buFontTx/>
       <a:buNone/>
       <a:tabLst/>
-      <a:defRPr b="0" baseline="0" cap="none" i="0" spc="0" strike="noStrike" sz="1800" u="none" kumimoji="0" normalizeH="0">
+      <a:defRPr kumimoji="0" sz="1800" b="0" i="0" u="none" strike="noStrike" cap="none" spc="0" normalizeH="0" baseline="0">
         <a:ln>
           <a:noFill/>
         </a:ln>
@@ -97,7 +97,7 @@
       <a:buFontTx/>
       <a:buNone/>
       <a:tabLst/>
-      <a:defRPr b="0" baseline="0" cap="none" i="0" spc="0" strike="noStrike" sz="1800" u="none" kumimoji="0" normalizeH="0">
+      <a:defRPr kumimoji="0" sz="1800" b="0" i="0" u="none" strike="noStrike" cap="none" spc="0" normalizeH="0" baseline="0">
         <a:ln>
           <a:noFill/>
         </a:ln>
@@ -127,7 +127,7 @@
       <a:buFontTx/>
       <a:buNone/>
       <a:tabLst/>
-      <a:defRPr b="0" baseline="0" cap="none" i="0" spc="0" strike="noStrike" sz="1800" u="none" kumimoji="0" normalizeH="0">
+      <a:defRPr kumimoji="0" sz="1800" b="0" i="0" u="none" strike="noStrike" cap="none" spc="0" normalizeH="0" baseline="0">
         <a:ln>
           <a:noFill/>
         </a:ln>
@@ -157,7 +157,7 @@
       <a:buFontTx/>
       <a:buNone/>
       <a:tabLst/>
-      <a:defRPr b="0" baseline="0" cap="none" i="0" spc="0" strike="noStrike" sz="1800" u="none" kumimoji="0" normalizeH="0">
+      <a:defRPr kumimoji="0" sz="1800" b="0" i="0" u="none" strike="noStrike" cap="none" spc="0" normalizeH="0" baseline="0">
         <a:ln>
           <a:noFill/>
         </a:ln>
@@ -187,7 +187,7 @@
       <a:buFontTx/>
       <a:buNone/>
       <a:tabLst/>
-      <a:defRPr b="0" baseline="0" cap="none" i="0" spc="0" strike="noStrike" sz="1800" u="none" kumimoji="0" normalizeH="0">
+      <a:defRPr kumimoji="0" sz="1800" b="0" i="0" u="none" strike="noStrike" cap="none" spc="0" normalizeH="0" baseline="0">
         <a:ln>
           <a:noFill/>
         </a:ln>
@@ -217,7 +217,7 @@
       <a:buFontTx/>
       <a:buNone/>
       <a:tabLst/>
-      <a:defRPr b="0" baseline="0" cap="none" i="0" spc="0" strike="noStrike" sz="1800" u="none" kumimoji="0" normalizeH="0">
+      <a:defRPr kumimoji="0" sz="1800" b="0" i="0" u="none" strike="noStrike" cap="none" spc="0" normalizeH="0" baseline="0">
         <a:ln>
           <a:noFill/>
         </a:ln>
@@ -247,7 +247,7 @@
       <a:buFontTx/>
       <a:buNone/>
       <a:tabLst/>
-      <a:defRPr b="0" baseline="0" cap="none" i="0" spc="0" strike="noStrike" sz="1800" u="none" kumimoji="0" normalizeH="0">
+      <a:defRPr kumimoji="0" sz="1800" b="0" i="0" u="none" strike="noStrike" cap="none" spc="0" normalizeH="0" baseline="0">
         <a:ln>
           <a:noFill/>
         </a:ln>
@@ -277,7 +277,7 @@
       <a:buFontTx/>
       <a:buNone/>
       <a:tabLst/>
-      <a:defRPr b="0" baseline="0" cap="none" i="0" spc="0" strike="noStrike" sz="1800" u="none" kumimoji="0" normalizeH="0">
+      <a:defRPr kumimoji="0" sz="1800" b="0" i="0" u="none" strike="noStrike" cap="none" spc="0" normalizeH="0" baseline="0">
         <a:ln>
           <a:noFill/>
         </a:ln>
@@ -307,7 +307,7 @@
       <a:buFontTx/>
       <a:buNone/>
       <a:tabLst/>
-      <a:defRPr b="0" baseline="0" cap="none" i="0" spc="0" strike="noStrike" sz="1800" u="none" kumimoji="0" normalizeH="0">
+      <a:defRPr kumimoji="0" sz="1800" b="0" i="0" u="none" strike="noStrike" cap="none" spc="0" normalizeH="0" baseline="0">
         <a:ln>
           <a:noFill/>
         </a:ln>
@@ -326,13 +326,14 @@
 </p:presentation>
 </file>
 
-<file path=ppt/commentAuthors.xml><?xml version="1.0" encoding="utf-8"?>
-<p:cmAuthorLst xmlns:a="http://schemas.openxmlformats.org/drawingml/2006/main" xmlns:r="http://schemas.openxmlformats.org/officeDocument/2006/relationships" xmlns:p="http://schemas.openxmlformats.org/presentationml/2006/main"/>
-</file>
-
 <file path=ppt/notesMasters/notesMaster1.xml><?xml version="1.0" encoding="utf-8"?>
 <p:notesMaster xmlns:a="http://schemas.openxmlformats.org/drawingml/2006/main" xmlns:r="http://schemas.openxmlformats.org/officeDocument/2006/relationships" xmlns:p="http://schemas.openxmlformats.org/presentationml/2006/main">
   <p:cSld>
+    <p:bg>
+      <p:bgRef idx="1001">
+        <a:schemeClr val="bg1"/>
+      </p:bgRef>
+    </p:bg>
     <p:spTree>
       <p:nvGrpSpPr>
         <p:cNvPr id="1" name=""/>
@@ -350,7 +351,9 @@
       <p:sp>
         <p:nvSpPr>
           <p:cNvPr id="224" name="Shape 224"/>
-          <p:cNvSpPr/>
+          <p:cNvSpPr>
+            <a:spLocks noGrp="1" noRot="1" noChangeAspect="1"/>
+          </p:cNvSpPr>
           <p:nvPr>
             <p:ph type="sldImg"/>
           </p:nvPr>
@@ -368,14 +371,16 @@
           <a:bodyPr/>
           <a:lstStyle/>
           <a:p>
-            <a:pPr/>
+            <a:endParaRPr/>
           </a:p>
         </p:txBody>
       </p:sp>
       <p:sp>
         <p:nvSpPr>
           <p:cNvPr id="225" name="Shape 225"/>
-          <p:cNvSpPr/>
+          <p:cNvSpPr>
+            <a:spLocks noGrp="1"/>
+          </p:cNvSpPr>
           <p:nvPr>
             <p:ph type="body" sz="quarter" idx="1"/>
           </p:nvPr>
@@ -393,7 +398,7 @@
           <a:bodyPr/>
           <a:lstStyle/>
           <a:p>
-            <a:pPr/>
+            <a:endParaRPr/>
           </a:p>
         </p:txBody>
       </p:sp>
@@ -478,7 +483,7 @@
 </file>
 
 <file path=ppt/slideLayouts/slideLayout1.xml><?xml version="1.0" encoding="utf-8"?>
-<p:sldLayout xmlns:a="http://schemas.openxmlformats.org/drawingml/2006/main" xmlns:r="http://schemas.openxmlformats.org/officeDocument/2006/relationships" xmlns:p="http://schemas.openxmlformats.org/presentationml/2006/main" type="title" showMasterSp="1" showMasterPhAnim="1">
+<p:sldLayout xmlns:a="http://schemas.openxmlformats.org/drawingml/2006/main" xmlns:r="http://schemas.openxmlformats.org/officeDocument/2006/relationships" xmlns:p="http://schemas.openxmlformats.org/presentationml/2006/main" type="title">
   <p:cSld name="Title Slide">
     <p:spTree>
       <p:nvGrpSpPr>
@@ -497,7 +502,9 @@
       <p:sp>
         <p:nvSpPr>
           <p:cNvPr id="11" name="Title Text"/>
-          <p:cNvSpPr txBox="1"/>
+          <p:cNvSpPr txBox="1">
+            <a:spLocks noGrp="1"/>
+          </p:cNvSpPr>
           <p:nvPr>
             <p:ph type="title"/>
           </p:nvPr>
@@ -515,7 +522,6 @@
           <a:bodyPr/>
           <a:lstStyle/>
           <a:p>
-            <a:pPr/>
             <a:r>
               <a:t>Title Text</a:t>
             </a:r>
@@ -525,7 +531,9 @@
       <p:sp>
         <p:nvSpPr>
           <p:cNvPr id="12" name="Body Level One…"/>
-          <p:cNvSpPr txBox="1"/>
+          <p:cNvSpPr txBox="1">
+            <a:spLocks noGrp="1"/>
+          </p:cNvSpPr>
           <p:nvPr>
             <p:ph type="body" sz="quarter" idx="1"/>
           </p:nvPr>
@@ -594,7 +602,6 @@
             </a:lvl5pPr>
           </a:lstStyle>
           <a:p>
-            <a:pPr/>
             <a:r>
               <a:t>Body Level One</a:t>
             </a:r>
@@ -628,7 +635,9 @@
       <p:sp>
         <p:nvSpPr>
           <p:cNvPr id="13" name="Slide Number"/>
-          <p:cNvSpPr txBox="1"/>
+          <p:cNvSpPr txBox="1">
+            <a:spLocks noGrp="1"/>
+          </p:cNvSpPr>
           <p:nvPr>
             <p:ph type="sldNum" sz="quarter" idx="2"/>
           </p:nvPr>
@@ -642,8 +651,12 @@
           <a:bodyPr/>
           <a:lstStyle/>
           <a:p>
-            <a:pPr/>
-            <a:fld id="{86CB4B4D-7CA3-9044-876B-883B54F8677D}" type="slidenum"/>
+            <a:fld id="{86CB4B4D-7CA3-9044-876B-883B54F8677D}" type="slidenum">
+              <a:rPr/>
+              <a:pPr/>
+              <a:t>‹#›</a:t>
+            </a:fld>
+            <a:endParaRPr/>
           </a:p>
         </p:txBody>
       </p:sp>
@@ -652,12 +665,12 @@
   <p:clrMapOvr>
     <a:masterClrMapping/>
   </p:clrMapOvr>
-  <p:transition xmlns:p14="http://schemas.microsoft.com/office/powerpoint/2010/main" spd="med" advClick="1"/>
+  <p:transition spd="med"/>
 </p:sldLayout>
 </file>
 
 <file path=ppt/slideLayouts/slideLayout10.xml><?xml version="1.0" encoding="utf-8"?>
-<p:sldLayout xmlns:a="http://schemas.openxmlformats.org/drawingml/2006/main" xmlns:r="http://schemas.openxmlformats.org/officeDocument/2006/relationships" xmlns:p="http://schemas.openxmlformats.org/presentationml/2006/main" type="tx" showMasterSp="1" showMasterPhAnim="1">
+<p:sldLayout xmlns:a="http://schemas.openxmlformats.org/drawingml/2006/main" xmlns:r="http://schemas.openxmlformats.org/officeDocument/2006/relationships" xmlns:p="http://schemas.openxmlformats.org/presentationml/2006/main" type="tx">
   <p:cSld name="Title and Vertical Text">
     <p:spTree>
       <p:nvGrpSpPr>
@@ -676,7 +689,9 @@
       <p:sp>
         <p:nvSpPr>
           <p:cNvPr id="92" name="Title Text"/>
-          <p:cNvSpPr txBox="1"/>
+          <p:cNvSpPr txBox="1">
+            <a:spLocks noGrp="1"/>
+          </p:cNvSpPr>
           <p:nvPr>
             <p:ph type="title"/>
           </p:nvPr>
@@ -690,7 +705,6 @@
           <a:bodyPr/>
           <a:lstStyle/>
           <a:p>
-            <a:pPr/>
             <a:r>
               <a:t>Title Text</a:t>
             </a:r>
@@ -700,7 +714,9 @@
       <p:sp>
         <p:nvSpPr>
           <p:cNvPr id="93" name="Body Level One…"/>
-          <p:cNvSpPr txBox="1"/>
+          <p:cNvSpPr txBox="1">
+            <a:spLocks noGrp="1"/>
+          </p:cNvSpPr>
           <p:nvPr>
             <p:ph type="body" idx="1"/>
           </p:nvPr>
@@ -714,7 +730,6 @@
           <a:bodyPr/>
           <a:lstStyle/>
           <a:p>
-            <a:pPr/>
             <a:r>
               <a:t>Body Level One</a:t>
             </a:r>
@@ -748,7 +763,9 @@
       <p:sp>
         <p:nvSpPr>
           <p:cNvPr id="94" name="Slide Number"/>
-          <p:cNvSpPr txBox="1"/>
+          <p:cNvSpPr txBox="1">
+            <a:spLocks noGrp="1"/>
+          </p:cNvSpPr>
           <p:nvPr>
             <p:ph type="sldNum" sz="quarter" idx="2"/>
           </p:nvPr>
@@ -762,8 +779,12 @@
           <a:bodyPr/>
           <a:lstStyle/>
           <a:p>
-            <a:pPr/>
-            <a:fld id="{86CB4B4D-7CA3-9044-876B-883B54F8677D}" type="slidenum"/>
+            <a:fld id="{86CB4B4D-7CA3-9044-876B-883B54F8677D}" type="slidenum">
+              <a:rPr/>
+              <a:pPr/>
+              <a:t>‹#›</a:t>
+            </a:fld>
+            <a:endParaRPr/>
           </a:p>
         </p:txBody>
       </p:sp>
@@ -772,12 +793,12 @@
   <p:clrMapOvr>
     <a:masterClrMapping/>
   </p:clrMapOvr>
-  <p:transition xmlns:p14="http://schemas.microsoft.com/office/powerpoint/2010/main" spd="med" advClick="1"/>
+  <p:transition spd="med"/>
 </p:sldLayout>
 </file>
 
 <file path=ppt/slideLayouts/slideLayout11.xml><?xml version="1.0" encoding="utf-8"?>
-<p:sldLayout xmlns:a="http://schemas.openxmlformats.org/drawingml/2006/main" xmlns:r="http://schemas.openxmlformats.org/officeDocument/2006/relationships" xmlns:p="http://schemas.openxmlformats.org/presentationml/2006/main" type="tx" showMasterSp="1" showMasterPhAnim="1">
+<p:sldLayout xmlns:a="http://schemas.openxmlformats.org/drawingml/2006/main" xmlns:r="http://schemas.openxmlformats.org/officeDocument/2006/relationships" xmlns:p="http://schemas.openxmlformats.org/presentationml/2006/main" type="tx">
   <p:cSld name="Vertical Title and Text">
     <p:spTree>
       <p:nvGrpSpPr>
@@ -796,7 +817,9 @@
       <p:sp>
         <p:nvSpPr>
           <p:cNvPr id="101" name="Title Text"/>
-          <p:cNvSpPr txBox="1"/>
+          <p:cNvSpPr txBox="1">
+            <a:spLocks noGrp="1"/>
+          </p:cNvSpPr>
           <p:nvPr>
             <p:ph type="title"/>
           </p:nvPr>
@@ -814,7 +837,6 @@
           <a:bodyPr/>
           <a:lstStyle/>
           <a:p>
-            <a:pPr/>
             <a:r>
               <a:t>Title Text</a:t>
             </a:r>
@@ -824,7 +846,9 @@
       <p:sp>
         <p:nvSpPr>
           <p:cNvPr id="102" name="Body Level One…"/>
-          <p:cNvSpPr txBox="1"/>
+          <p:cNvSpPr txBox="1">
+            <a:spLocks noGrp="1"/>
+          </p:cNvSpPr>
           <p:nvPr>
             <p:ph type="body" idx="1"/>
           </p:nvPr>
@@ -842,7 +866,6 @@
           <a:bodyPr/>
           <a:lstStyle/>
           <a:p>
-            <a:pPr/>
             <a:r>
               <a:t>Body Level One</a:t>
             </a:r>
@@ -876,7 +899,9 @@
       <p:sp>
         <p:nvSpPr>
           <p:cNvPr id="103" name="Slide Number"/>
-          <p:cNvSpPr txBox="1"/>
+          <p:cNvSpPr txBox="1">
+            <a:spLocks noGrp="1"/>
+          </p:cNvSpPr>
           <p:nvPr>
             <p:ph type="sldNum" sz="quarter" idx="2"/>
           </p:nvPr>
@@ -890,8 +915,12 @@
           <a:bodyPr/>
           <a:lstStyle/>
           <a:p>
-            <a:pPr/>
-            <a:fld id="{86CB4B4D-7CA3-9044-876B-883B54F8677D}" type="slidenum"/>
+            <a:fld id="{86CB4B4D-7CA3-9044-876B-883B54F8677D}" type="slidenum">
+              <a:rPr/>
+              <a:pPr/>
+              <a:t>‹#›</a:t>
+            </a:fld>
+            <a:endParaRPr/>
           </a:p>
         </p:txBody>
       </p:sp>
@@ -900,12 +929,12 @@
   <p:clrMapOvr>
     <a:masterClrMapping/>
   </p:clrMapOvr>
-  <p:transition xmlns:p14="http://schemas.microsoft.com/office/powerpoint/2010/main" spd="med" advClick="1"/>
+  <p:transition spd="med"/>
 </p:sldLayout>
 </file>
 
 <file path=ppt/slideLayouts/slideLayout12.xml><?xml version="1.0" encoding="utf-8"?>
-<p:sldLayout xmlns:a="http://schemas.openxmlformats.org/drawingml/2006/main" xmlns:r="http://schemas.openxmlformats.org/officeDocument/2006/relationships" xmlns:p="http://schemas.openxmlformats.org/presentationml/2006/main" type="tx" showMasterSp="1" showMasterPhAnim="1">
+<p:sldLayout xmlns:a="http://schemas.openxmlformats.org/drawingml/2006/main" xmlns:r="http://schemas.openxmlformats.org/officeDocument/2006/relationships" xmlns:p="http://schemas.openxmlformats.org/presentationml/2006/main" type="tx">
   <p:cSld name="Custom Layout">
     <p:spTree>
       <p:nvGrpSpPr>
@@ -924,7 +953,9 @@
       <p:sp>
         <p:nvSpPr>
           <p:cNvPr id="110" name="Title Text"/>
-          <p:cNvSpPr txBox="1"/>
+          <p:cNvSpPr txBox="1">
+            <a:spLocks noGrp="1"/>
+          </p:cNvSpPr>
           <p:nvPr>
             <p:ph type="title"/>
           </p:nvPr>
@@ -938,7 +969,6 @@
           <a:bodyPr/>
           <a:lstStyle/>
           <a:p>
-            <a:pPr/>
             <a:r>
               <a:t>Title Text</a:t>
             </a:r>
@@ -948,7 +978,9 @@
       <p:sp>
         <p:nvSpPr>
           <p:cNvPr id="111" name="Slide Number"/>
-          <p:cNvSpPr txBox="1"/>
+          <p:cNvSpPr txBox="1">
+            <a:spLocks noGrp="1"/>
+          </p:cNvSpPr>
           <p:nvPr>
             <p:ph type="sldNum" sz="quarter" idx="2"/>
           </p:nvPr>
@@ -962,8 +994,12 @@
           <a:bodyPr/>
           <a:lstStyle/>
           <a:p>
-            <a:pPr/>
-            <a:fld id="{86CB4B4D-7CA3-9044-876B-883B54F8677D}" type="slidenum"/>
+            <a:fld id="{86CB4B4D-7CA3-9044-876B-883B54F8677D}" type="slidenum">
+              <a:rPr/>
+              <a:pPr/>
+              <a:t>‹#›</a:t>
+            </a:fld>
+            <a:endParaRPr/>
           </a:p>
         </p:txBody>
       </p:sp>
@@ -972,12 +1008,12 @@
   <p:clrMapOvr>
     <a:masterClrMapping/>
   </p:clrMapOvr>
-  <p:transition xmlns:p14="http://schemas.microsoft.com/office/powerpoint/2010/main" spd="med" advClick="1"/>
+  <p:transition spd="med"/>
 </p:sldLayout>
 </file>
 
 <file path=ppt/slideLayouts/slideLayout13.xml><?xml version="1.0" encoding="utf-8"?>
-<p:sldLayout xmlns:a="http://schemas.openxmlformats.org/drawingml/2006/main" xmlns:r="http://schemas.openxmlformats.org/officeDocument/2006/relationships" xmlns:p="http://schemas.openxmlformats.org/presentationml/2006/main" type="tx" showMasterSp="1" showMasterPhAnim="1">
+<p:sldLayout xmlns:a="http://schemas.openxmlformats.org/drawingml/2006/main" xmlns:r="http://schemas.openxmlformats.org/officeDocument/2006/relationships" xmlns:p="http://schemas.openxmlformats.org/presentationml/2006/main" type="tx">
   <p:cSld name="1_Custom Layout">
     <p:spTree>
       <p:nvGrpSpPr>
@@ -996,7 +1032,9 @@
       <p:sp>
         <p:nvSpPr>
           <p:cNvPr id="118" name="Title Text"/>
-          <p:cNvSpPr txBox="1"/>
+          <p:cNvSpPr txBox="1">
+            <a:spLocks noGrp="1"/>
+          </p:cNvSpPr>
           <p:nvPr>
             <p:ph type="title"/>
           </p:nvPr>
@@ -1010,7 +1048,6 @@
           <a:bodyPr/>
           <a:lstStyle/>
           <a:p>
-            <a:pPr/>
             <a:r>
               <a:t>Title Text</a:t>
             </a:r>
@@ -1020,7 +1057,9 @@
       <p:sp>
         <p:nvSpPr>
           <p:cNvPr id="119" name="Slide Number"/>
-          <p:cNvSpPr txBox="1"/>
+          <p:cNvSpPr txBox="1">
+            <a:spLocks noGrp="1"/>
+          </p:cNvSpPr>
           <p:nvPr>
             <p:ph type="sldNum" sz="quarter" idx="2"/>
           </p:nvPr>
@@ -1034,8 +1073,12 @@
           <a:bodyPr/>
           <a:lstStyle/>
           <a:p>
-            <a:pPr/>
-            <a:fld id="{86CB4B4D-7CA3-9044-876B-883B54F8677D}" type="slidenum"/>
+            <a:fld id="{86CB4B4D-7CA3-9044-876B-883B54F8677D}" type="slidenum">
+              <a:rPr/>
+              <a:pPr/>
+              <a:t>‹#›</a:t>
+            </a:fld>
+            <a:endParaRPr/>
           </a:p>
         </p:txBody>
       </p:sp>
@@ -1044,22 +1087,23 @@
   <p:clrMapOvr>
     <a:masterClrMapping/>
   </p:clrMapOvr>
-  <p:transition xmlns:p14="http://schemas.microsoft.com/office/powerpoint/2010/main" spd="med" advClick="1"/>
+  <p:transition spd="med"/>
 </p:sldLayout>
 </file>
 
 <file path=ppt/slideLayouts/slideLayout14.xml><?xml version="1.0" encoding="utf-8"?>
-<p:sldLayout xmlns:a="http://schemas.openxmlformats.org/drawingml/2006/main" xmlns:r="http://schemas.openxmlformats.org/officeDocument/2006/relationships" xmlns:p="http://schemas.openxmlformats.org/presentationml/2006/main" type="tx" showMasterSp="1" showMasterPhAnim="1">
+<p:sldLayout xmlns:a="http://schemas.openxmlformats.org/drawingml/2006/main" xmlns:r="http://schemas.openxmlformats.org/officeDocument/2006/relationships" xmlns:p="http://schemas.openxmlformats.org/presentationml/2006/main" type="tx">
   <p:cSld name="Title Slide">
     <p:bg>
       <p:bgPr>
         <a:blipFill rotWithShape="1">
-          <a:blip r:embed="rId2"/>
-          <a:srcRect l="0" t="0" r="0" b="0"/>
+          <a:blip r:embed="rId2" cstate="print"/>
+          <a:srcRect/>
           <a:stretch>
             <a:fillRect/>
           </a:stretch>
         </a:blipFill>
+        <a:effectLst/>
       </p:bgPr>
     </p:bg>
     <p:spTree>
@@ -1079,7 +1123,9 @@
       <p:sp>
         <p:nvSpPr>
           <p:cNvPr id="126" name="Title Text"/>
-          <p:cNvSpPr txBox="1"/>
+          <p:cNvSpPr txBox="1">
+            <a:spLocks noGrp="1"/>
+          </p:cNvSpPr>
           <p:nvPr>
             <p:ph type="title"/>
           </p:nvPr>
@@ -1106,7 +1152,6 @@
             </a:lvl1pPr>
           </a:lstStyle>
           <a:p>
-            <a:pPr/>
             <a:r>
               <a:t>Title Text</a:t>
             </a:r>
@@ -1116,7 +1161,9 @@
       <p:sp>
         <p:nvSpPr>
           <p:cNvPr id="127" name="Body Level One…"/>
-          <p:cNvSpPr txBox="1"/>
+          <p:cNvSpPr txBox="1">
+            <a:spLocks noGrp="1"/>
+          </p:cNvSpPr>
           <p:nvPr>
             <p:ph type="body" sz="quarter" idx="1"/>
           </p:nvPr>
@@ -1205,7 +1252,6 @@
             </a:lvl5pPr>
           </a:lstStyle>
           <a:p>
-            <a:pPr/>
             <a:r>
               <a:t>Body Level One</a:t>
             </a:r>
@@ -1239,7 +1285,9 @@
       <p:sp>
         <p:nvSpPr>
           <p:cNvPr id="128" name="Slide Number"/>
-          <p:cNvSpPr txBox="1"/>
+          <p:cNvSpPr txBox="1">
+            <a:spLocks noGrp="1"/>
+          </p:cNvSpPr>
           <p:nvPr>
             <p:ph type="sldNum" sz="quarter" idx="2"/>
           </p:nvPr>
@@ -1253,8 +1301,12 @@
           <a:bodyPr/>
           <a:lstStyle/>
           <a:p>
-            <a:pPr/>
-            <a:fld id="{86CB4B4D-7CA3-9044-876B-883B54F8677D}" type="slidenum"/>
+            <a:fld id="{86CB4B4D-7CA3-9044-876B-883B54F8677D}" type="slidenum">
+              <a:rPr/>
+              <a:pPr/>
+              <a:t>‹#›</a:t>
+            </a:fld>
+            <a:endParaRPr/>
           </a:p>
         </p:txBody>
       </p:sp>
@@ -1263,22 +1315,23 @@
   <p:clrMapOvr>
     <a:masterClrMapping/>
   </p:clrMapOvr>
-  <p:transition xmlns:p14="http://schemas.microsoft.com/office/powerpoint/2010/main" spd="med" advClick="1"/>
+  <p:transition spd="med"/>
 </p:sldLayout>
 </file>
 
 <file path=ppt/slideLayouts/slideLayout15.xml><?xml version="1.0" encoding="utf-8"?>
-<p:sldLayout xmlns:a="http://schemas.openxmlformats.org/drawingml/2006/main" xmlns:r="http://schemas.openxmlformats.org/officeDocument/2006/relationships" xmlns:p="http://schemas.openxmlformats.org/presentationml/2006/main" type="tx" showMasterSp="1" showMasterPhAnim="1">
+<p:sldLayout xmlns:a="http://schemas.openxmlformats.org/drawingml/2006/main" xmlns:r="http://schemas.openxmlformats.org/officeDocument/2006/relationships" xmlns:p="http://schemas.openxmlformats.org/presentationml/2006/main" type="tx">
   <p:cSld name="Title and Content">
     <p:bg>
       <p:bgPr>
         <a:blipFill rotWithShape="1">
-          <a:blip r:embed="rId2"/>
-          <a:srcRect l="0" t="0" r="0" b="0"/>
+          <a:blip r:embed="rId2" cstate="print"/>
+          <a:srcRect/>
           <a:stretch>
             <a:fillRect/>
           </a:stretch>
         </a:blipFill>
+        <a:effectLst/>
       </p:bgPr>
     </p:bg>
     <p:spTree>
@@ -1298,7 +1351,9 @@
       <p:sp>
         <p:nvSpPr>
           <p:cNvPr id="135" name="Title Text"/>
-          <p:cNvSpPr txBox="1"/>
+          <p:cNvSpPr txBox="1">
+            <a:spLocks noGrp="1"/>
+          </p:cNvSpPr>
           <p:nvPr>
             <p:ph type="title"/>
           </p:nvPr>
@@ -1321,7 +1376,6 @@
             </a:lvl1pPr>
           </a:lstStyle>
           <a:p>
-            <a:pPr/>
             <a:r>
               <a:t>Title Text</a:t>
             </a:r>
@@ -1331,7 +1385,9 @@
       <p:sp>
         <p:nvSpPr>
           <p:cNvPr id="136" name="Body Level One…"/>
-          <p:cNvSpPr txBox="1"/>
+          <p:cNvSpPr txBox="1">
+            <a:spLocks noGrp="1"/>
+          </p:cNvSpPr>
           <p:nvPr>
             <p:ph type="body" idx="1"/>
           </p:nvPr>
@@ -1386,7 +1442,6 @@
             </a:lvl5pPr>
           </a:lstStyle>
           <a:p>
-            <a:pPr/>
             <a:r>
               <a:t>Body Level One</a:t>
             </a:r>
@@ -1420,7 +1475,9 @@
       <p:sp>
         <p:nvSpPr>
           <p:cNvPr id="137" name="Slide Number"/>
-          <p:cNvSpPr txBox="1"/>
+          <p:cNvSpPr txBox="1">
+            <a:spLocks noGrp="1"/>
+          </p:cNvSpPr>
           <p:nvPr>
             <p:ph type="sldNum" sz="quarter" idx="2"/>
           </p:nvPr>
@@ -1434,8 +1491,12 @@
           <a:bodyPr/>
           <a:lstStyle/>
           <a:p>
-            <a:pPr/>
-            <a:fld id="{86CB4B4D-7CA3-9044-876B-883B54F8677D}" type="slidenum"/>
+            <a:fld id="{86CB4B4D-7CA3-9044-876B-883B54F8677D}" type="slidenum">
+              <a:rPr/>
+              <a:pPr/>
+              <a:t>‹#›</a:t>
+            </a:fld>
+            <a:endParaRPr/>
           </a:p>
         </p:txBody>
       </p:sp>
@@ -1444,22 +1505,23 @@
   <p:clrMapOvr>
     <a:masterClrMapping/>
   </p:clrMapOvr>
-  <p:transition xmlns:p14="http://schemas.microsoft.com/office/powerpoint/2010/main" spd="med" advClick="1"/>
+  <p:transition spd="med"/>
 </p:sldLayout>
 </file>
 
 <file path=ppt/slideLayouts/slideLayout16.xml><?xml version="1.0" encoding="utf-8"?>
-<p:sldLayout xmlns:a="http://schemas.openxmlformats.org/drawingml/2006/main" xmlns:r="http://schemas.openxmlformats.org/officeDocument/2006/relationships" xmlns:p="http://schemas.openxmlformats.org/presentationml/2006/main" type="tx" showMasterSp="1" showMasterPhAnim="1">
+<p:sldLayout xmlns:a="http://schemas.openxmlformats.org/drawingml/2006/main" xmlns:r="http://schemas.openxmlformats.org/officeDocument/2006/relationships" xmlns:p="http://schemas.openxmlformats.org/presentationml/2006/main" type="tx">
   <p:cSld name="Section Header">
     <p:bg>
       <p:bgPr>
         <a:blipFill rotWithShape="1">
-          <a:blip r:embed="rId2"/>
-          <a:srcRect l="0" t="0" r="0" b="0"/>
+          <a:blip r:embed="rId2" cstate="print"/>
+          <a:srcRect/>
           <a:stretch>
             <a:fillRect/>
           </a:stretch>
         </a:blipFill>
+        <a:effectLst/>
       </p:bgPr>
     </p:bg>
     <p:spTree>
@@ -1479,7 +1541,9 @@
       <p:sp>
         <p:nvSpPr>
           <p:cNvPr id="144" name="Title Text"/>
-          <p:cNvSpPr txBox="1"/>
+          <p:cNvSpPr txBox="1">
+            <a:spLocks noGrp="1"/>
+          </p:cNvSpPr>
           <p:nvPr>
             <p:ph type="title"/>
           </p:nvPr>
@@ -1497,7 +1561,7 @@
           <a:bodyPr anchor="t"/>
           <a:lstStyle>
             <a:lvl1pPr algn="l">
-              <a:defRPr b="1" cap="all" sz="4000">
+              <a:defRPr sz="4000" b="1" cap="all">
                 <a:latin typeface="+mn-lt"/>
                 <a:ea typeface="+mn-ea"/>
                 <a:cs typeface="+mn-cs"/>
@@ -1506,7 +1570,6 @@
             </a:lvl1pPr>
           </a:lstStyle>
           <a:p>
-            <a:pPr/>
             <a:r>
               <a:t>Title Text</a:t>
             </a:r>
@@ -1516,7 +1579,9 @@
       <p:sp>
         <p:nvSpPr>
           <p:cNvPr id="145" name="Body Level One…"/>
-          <p:cNvSpPr txBox="1"/>
+          <p:cNvSpPr txBox="1">
+            <a:spLocks noGrp="1"/>
+          </p:cNvSpPr>
           <p:nvPr>
             <p:ph type="body" sz="quarter" idx="1"/>
           </p:nvPr>
@@ -1620,7 +1685,6 @@
             </a:lvl5pPr>
           </a:lstStyle>
           <a:p>
-            <a:pPr/>
             <a:r>
               <a:t>Body Level One</a:t>
             </a:r>
@@ -1654,7 +1718,9 @@
       <p:sp>
         <p:nvSpPr>
           <p:cNvPr id="146" name="Slide Number"/>
-          <p:cNvSpPr txBox="1"/>
+          <p:cNvSpPr txBox="1">
+            <a:spLocks noGrp="1"/>
+          </p:cNvSpPr>
           <p:nvPr>
             <p:ph type="sldNum" sz="quarter" idx="2"/>
           </p:nvPr>
@@ -1668,8 +1734,12 @@
           <a:bodyPr/>
           <a:lstStyle/>
           <a:p>
-            <a:pPr/>
-            <a:fld id="{86CB4B4D-7CA3-9044-876B-883B54F8677D}" type="slidenum"/>
+            <a:fld id="{86CB4B4D-7CA3-9044-876B-883B54F8677D}" type="slidenum">
+              <a:rPr/>
+              <a:pPr/>
+              <a:t>‹#›</a:t>
+            </a:fld>
+            <a:endParaRPr/>
           </a:p>
         </p:txBody>
       </p:sp>
@@ -1678,22 +1748,23 @@
   <p:clrMapOvr>
     <a:masterClrMapping/>
   </p:clrMapOvr>
-  <p:transition xmlns:p14="http://schemas.microsoft.com/office/powerpoint/2010/main" spd="med" advClick="1"/>
+  <p:transition spd="med"/>
 </p:sldLayout>
 </file>
 
 <file path=ppt/slideLayouts/slideLayout17.xml><?xml version="1.0" encoding="utf-8"?>
-<p:sldLayout xmlns:a="http://schemas.openxmlformats.org/drawingml/2006/main" xmlns:r="http://schemas.openxmlformats.org/officeDocument/2006/relationships" xmlns:p="http://schemas.openxmlformats.org/presentationml/2006/main" type="tx" showMasterSp="1" showMasterPhAnim="1">
+<p:sldLayout xmlns:a="http://schemas.openxmlformats.org/drawingml/2006/main" xmlns:r="http://schemas.openxmlformats.org/officeDocument/2006/relationships" xmlns:p="http://schemas.openxmlformats.org/presentationml/2006/main" type="tx">
   <p:cSld name="Two Content">
     <p:bg>
       <p:bgPr>
         <a:blipFill rotWithShape="1">
-          <a:blip r:embed="rId2"/>
-          <a:srcRect l="0" t="0" r="0" b="0"/>
+          <a:blip r:embed="rId2" cstate="print"/>
+          <a:srcRect/>
           <a:stretch>
             <a:fillRect/>
           </a:stretch>
         </a:blipFill>
+        <a:effectLst/>
       </p:bgPr>
     </p:bg>
     <p:spTree>
@@ -1713,7 +1784,9 @@
       <p:sp>
         <p:nvSpPr>
           <p:cNvPr id="153" name="Title Text"/>
-          <p:cNvSpPr txBox="1"/>
+          <p:cNvSpPr txBox="1">
+            <a:spLocks noGrp="1"/>
+          </p:cNvSpPr>
           <p:nvPr>
             <p:ph type="title"/>
           </p:nvPr>
@@ -1736,7 +1809,6 @@
             </a:lvl1pPr>
           </a:lstStyle>
           <a:p>
-            <a:pPr/>
             <a:r>
               <a:t>Title Text</a:t>
             </a:r>
@@ -1746,7 +1818,9 @@
       <p:sp>
         <p:nvSpPr>
           <p:cNvPr id="154" name="Body Level One…"/>
-          <p:cNvSpPr txBox="1"/>
+          <p:cNvSpPr txBox="1">
+            <a:spLocks noGrp="1"/>
+          </p:cNvSpPr>
           <p:nvPr>
             <p:ph type="body" sz="half" idx="1"/>
           </p:nvPr>
@@ -1820,7 +1894,6 @@
             </a:lvl5pPr>
           </a:lstStyle>
           <a:p>
-            <a:pPr/>
             <a:r>
               <a:t>Body Level One</a:t>
             </a:r>
@@ -1854,7 +1927,9 @@
       <p:sp>
         <p:nvSpPr>
           <p:cNvPr id="155" name="Slide Number"/>
-          <p:cNvSpPr txBox="1"/>
+          <p:cNvSpPr txBox="1">
+            <a:spLocks noGrp="1"/>
+          </p:cNvSpPr>
           <p:nvPr>
             <p:ph type="sldNum" sz="quarter" idx="2"/>
           </p:nvPr>
@@ -1868,8 +1943,12 @@
           <a:bodyPr/>
           <a:lstStyle/>
           <a:p>
-            <a:pPr/>
-            <a:fld id="{86CB4B4D-7CA3-9044-876B-883B54F8677D}" type="slidenum"/>
+            <a:fld id="{86CB4B4D-7CA3-9044-876B-883B54F8677D}" type="slidenum">
+              <a:rPr/>
+              <a:pPr/>
+              <a:t>‹#›</a:t>
+            </a:fld>
+            <a:endParaRPr/>
           </a:p>
         </p:txBody>
       </p:sp>
@@ -1878,22 +1957,23 @@
   <p:clrMapOvr>
     <a:masterClrMapping/>
   </p:clrMapOvr>
-  <p:transition xmlns:p14="http://schemas.microsoft.com/office/powerpoint/2010/main" spd="med" advClick="1"/>
+  <p:transition spd="med"/>
 </p:sldLayout>
 </file>
 
 <file path=ppt/slideLayouts/slideLayout18.xml><?xml version="1.0" encoding="utf-8"?>
-<p:sldLayout xmlns:a="http://schemas.openxmlformats.org/drawingml/2006/main" xmlns:r="http://schemas.openxmlformats.org/officeDocument/2006/relationships" xmlns:p="http://schemas.openxmlformats.org/presentationml/2006/main" type="tx" showMasterSp="1" showMasterPhAnim="1">
+<p:sldLayout xmlns:a="http://schemas.openxmlformats.org/drawingml/2006/main" xmlns:r="http://schemas.openxmlformats.org/officeDocument/2006/relationships" xmlns:p="http://schemas.openxmlformats.org/presentationml/2006/main" type="tx">
   <p:cSld name="Comparison">
     <p:bg>
       <p:bgPr>
         <a:blipFill rotWithShape="1">
-          <a:blip r:embed="rId2"/>
-          <a:srcRect l="0" t="0" r="0" b="0"/>
+          <a:blip r:embed="rId2" cstate="print"/>
+          <a:srcRect/>
           <a:stretch>
             <a:fillRect/>
           </a:stretch>
         </a:blipFill>
+        <a:effectLst/>
       </p:bgPr>
     </p:bg>
     <p:spTree>
@@ -1913,7 +1993,9 @@
       <p:sp>
         <p:nvSpPr>
           <p:cNvPr id="162" name="Title Text"/>
-          <p:cNvSpPr txBox="1"/>
+          <p:cNvSpPr txBox="1">
+            <a:spLocks noGrp="1"/>
+          </p:cNvSpPr>
           <p:nvPr>
             <p:ph type="title"/>
           </p:nvPr>
@@ -1936,7 +2018,6 @@
             </a:lvl1pPr>
           </a:lstStyle>
           <a:p>
-            <a:pPr/>
             <a:r>
               <a:t>Title Text</a:t>
             </a:r>
@@ -1946,7 +2027,9 @@
       <p:sp>
         <p:nvSpPr>
           <p:cNvPr id="163" name="Body Level One…"/>
-          <p:cNvSpPr txBox="1"/>
+          <p:cNvSpPr txBox="1">
+            <a:spLocks noGrp="1"/>
+          </p:cNvSpPr>
           <p:nvPr>
             <p:ph type="body" sz="quarter" idx="1"/>
           </p:nvPr>
@@ -1970,7 +2053,7 @@
               <a:buSzTx/>
               <a:buFontTx/>
               <a:buNone/>
-              <a:defRPr b="1" sz="2400">
+              <a:defRPr sz="2400" b="1">
                 <a:latin typeface="+mn-lt"/>
                 <a:ea typeface="+mn-ea"/>
                 <a:cs typeface="+mn-cs"/>
@@ -1984,7 +2067,7 @@
               <a:buSzTx/>
               <a:buFontTx/>
               <a:buNone/>
-              <a:defRPr b="1" sz="2400">
+              <a:defRPr sz="2400" b="1">
                 <a:latin typeface="+mn-lt"/>
                 <a:ea typeface="+mn-ea"/>
                 <a:cs typeface="+mn-cs"/>
@@ -1998,7 +2081,7 @@
               <a:buSzTx/>
               <a:buFontTx/>
               <a:buNone/>
-              <a:defRPr b="1" sz="2400">
+              <a:defRPr sz="2400" b="1">
                 <a:latin typeface="+mn-lt"/>
                 <a:ea typeface="+mn-ea"/>
                 <a:cs typeface="+mn-cs"/>
@@ -2012,7 +2095,7 @@
               <a:buSzTx/>
               <a:buFontTx/>
               <a:buNone/>
-              <a:defRPr b="1" sz="2400">
+              <a:defRPr sz="2400" b="1">
                 <a:latin typeface="+mn-lt"/>
                 <a:ea typeface="+mn-ea"/>
                 <a:cs typeface="+mn-cs"/>
@@ -2026,7 +2109,7 @@
               <a:buSzTx/>
               <a:buFontTx/>
               <a:buNone/>
-              <a:defRPr b="1" sz="2400">
+              <a:defRPr sz="2400" b="1">
                 <a:latin typeface="+mn-lt"/>
                 <a:ea typeface="+mn-ea"/>
                 <a:cs typeface="+mn-cs"/>
@@ -2035,7 +2118,6 @@
             </a:lvl5pPr>
           </a:lstStyle>
           <a:p>
-            <a:pPr/>
             <a:r>
               <a:t>Body Level One</a:t>
             </a:r>
@@ -2069,7 +2151,9 @@
       <p:sp>
         <p:nvSpPr>
           <p:cNvPr id="164" name="Text Placeholder 4"/>
-          <p:cNvSpPr/>
+          <p:cNvSpPr>
+            <a:spLocks noGrp="1"/>
+          </p:cNvSpPr>
           <p:nvPr>
             <p:ph type="body" sz="quarter" idx="13"/>
           </p:nvPr>
@@ -2094,20 +2178,23 @@
               <a:buSzTx/>
               <a:buFontTx/>
               <a:buNone/>
-              <a:defRPr b="1" sz="2400">
+              <a:defRPr sz="2400" b="1">
                 <a:latin typeface="+mn-lt"/>
                 <a:ea typeface="+mn-ea"/>
                 <a:cs typeface="+mn-cs"/>
                 <a:sym typeface="Calibri"/>
               </a:defRPr>
             </a:pPr>
+            <a:endParaRPr/>
           </a:p>
         </p:txBody>
       </p:sp>
       <p:sp>
         <p:nvSpPr>
           <p:cNvPr id="165" name="Slide Number"/>
-          <p:cNvSpPr txBox="1"/>
+          <p:cNvSpPr txBox="1">
+            <a:spLocks noGrp="1"/>
+          </p:cNvSpPr>
           <p:nvPr>
             <p:ph type="sldNum" sz="quarter" idx="2"/>
           </p:nvPr>
@@ -2121,8 +2208,12 @@
           <a:bodyPr/>
           <a:lstStyle/>
           <a:p>
-            <a:pPr/>
-            <a:fld id="{86CB4B4D-7CA3-9044-876B-883B54F8677D}" type="slidenum"/>
+            <a:fld id="{86CB4B4D-7CA3-9044-876B-883B54F8677D}" type="slidenum">
+              <a:rPr/>
+              <a:pPr/>
+              <a:t>‹#›</a:t>
+            </a:fld>
+            <a:endParaRPr/>
           </a:p>
         </p:txBody>
       </p:sp>
@@ -2131,22 +2222,23 @@
   <p:clrMapOvr>
     <a:masterClrMapping/>
   </p:clrMapOvr>
-  <p:transition xmlns:p14="http://schemas.microsoft.com/office/powerpoint/2010/main" spd="med" advClick="1"/>
+  <p:transition spd="med"/>
 </p:sldLayout>
 </file>
 
 <file path=ppt/slideLayouts/slideLayout19.xml><?xml version="1.0" encoding="utf-8"?>
-<p:sldLayout xmlns:a="http://schemas.openxmlformats.org/drawingml/2006/main" xmlns:r="http://schemas.openxmlformats.org/officeDocument/2006/relationships" xmlns:p="http://schemas.openxmlformats.org/presentationml/2006/main" type="tx" showMasterSp="1" showMasterPhAnim="1">
+<p:sldLayout xmlns:a="http://schemas.openxmlformats.org/drawingml/2006/main" xmlns:r="http://schemas.openxmlformats.org/officeDocument/2006/relationships" xmlns:p="http://schemas.openxmlformats.org/presentationml/2006/main" type="tx">
   <p:cSld name="Title Only">
     <p:bg>
       <p:bgPr>
         <a:blipFill rotWithShape="1">
-          <a:blip r:embed="rId2"/>
-          <a:srcRect l="0" t="0" r="0" b="0"/>
+          <a:blip r:embed="rId2" cstate="print"/>
+          <a:srcRect/>
           <a:stretch>
             <a:fillRect/>
           </a:stretch>
         </a:blipFill>
+        <a:effectLst/>
       </p:bgPr>
     </p:bg>
     <p:spTree>
@@ -2166,7 +2258,9 @@
       <p:sp>
         <p:nvSpPr>
           <p:cNvPr id="172" name="Title Text"/>
-          <p:cNvSpPr txBox="1"/>
+          <p:cNvSpPr txBox="1">
+            <a:spLocks noGrp="1"/>
+          </p:cNvSpPr>
           <p:nvPr>
             <p:ph type="title"/>
           </p:nvPr>
@@ -2189,7 +2283,6 @@
             </a:lvl1pPr>
           </a:lstStyle>
           <a:p>
-            <a:pPr/>
             <a:r>
               <a:t>Title Text</a:t>
             </a:r>
@@ -2199,7 +2292,9 @@
       <p:sp>
         <p:nvSpPr>
           <p:cNvPr id="173" name="Slide Number"/>
-          <p:cNvSpPr txBox="1"/>
+          <p:cNvSpPr txBox="1">
+            <a:spLocks noGrp="1"/>
+          </p:cNvSpPr>
           <p:nvPr>
             <p:ph type="sldNum" sz="quarter" idx="2"/>
           </p:nvPr>
@@ -2213,8 +2308,12 @@
           <a:bodyPr/>
           <a:lstStyle/>
           <a:p>
-            <a:pPr/>
-            <a:fld id="{86CB4B4D-7CA3-9044-876B-883B54F8677D}" type="slidenum"/>
+            <a:fld id="{86CB4B4D-7CA3-9044-876B-883B54F8677D}" type="slidenum">
+              <a:rPr/>
+              <a:pPr/>
+              <a:t>‹#›</a:t>
+            </a:fld>
+            <a:endParaRPr/>
           </a:p>
         </p:txBody>
       </p:sp>
@@ -2223,12 +2322,12 @@
   <p:clrMapOvr>
     <a:masterClrMapping/>
   </p:clrMapOvr>
-  <p:transition xmlns:p14="http://schemas.microsoft.com/office/powerpoint/2010/main" spd="med" advClick="1"/>
+  <p:transition spd="med"/>
 </p:sldLayout>
 </file>
 
 <file path=ppt/slideLayouts/slideLayout2.xml><?xml version="1.0" encoding="utf-8"?>
-<p:sldLayout xmlns:a="http://schemas.openxmlformats.org/drawingml/2006/main" xmlns:r="http://schemas.openxmlformats.org/officeDocument/2006/relationships" xmlns:p="http://schemas.openxmlformats.org/presentationml/2006/main" type="tx" showMasterSp="1" showMasterPhAnim="1">
+<p:sldLayout xmlns:a="http://schemas.openxmlformats.org/drawingml/2006/main" xmlns:r="http://schemas.openxmlformats.org/officeDocument/2006/relationships" xmlns:p="http://schemas.openxmlformats.org/presentationml/2006/main" type="tx">
   <p:cSld name="Title and Content">
     <p:spTree>
       <p:nvGrpSpPr>
@@ -2247,7 +2346,9 @@
       <p:sp>
         <p:nvSpPr>
           <p:cNvPr id="20" name="Title Text"/>
-          <p:cNvSpPr txBox="1"/>
+          <p:cNvSpPr txBox="1">
+            <a:spLocks noGrp="1"/>
+          </p:cNvSpPr>
           <p:nvPr>
             <p:ph type="title"/>
           </p:nvPr>
@@ -2261,7 +2362,6 @@
           <a:bodyPr/>
           <a:lstStyle/>
           <a:p>
-            <a:pPr/>
             <a:r>
               <a:t>Title Text</a:t>
             </a:r>
@@ -2271,7 +2371,9 @@
       <p:sp>
         <p:nvSpPr>
           <p:cNvPr id="21" name="Body Level One…"/>
-          <p:cNvSpPr txBox="1"/>
+          <p:cNvSpPr txBox="1">
+            <a:spLocks noGrp="1"/>
+          </p:cNvSpPr>
           <p:nvPr>
             <p:ph type="body" idx="1"/>
           </p:nvPr>
@@ -2285,7 +2387,6 @@
           <a:bodyPr/>
           <a:lstStyle/>
           <a:p>
-            <a:pPr/>
             <a:r>
               <a:t>Body Level One</a:t>
             </a:r>
@@ -2319,7 +2420,9 @@
       <p:sp>
         <p:nvSpPr>
           <p:cNvPr id="22" name="Slide Number"/>
-          <p:cNvSpPr txBox="1"/>
+          <p:cNvSpPr txBox="1">
+            <a:spLocks noGrp="1"/>
+          </p:cNvSpPr>
           <p:nvPr>
             <p:ph type="sldNum" sz="quarter" idx="2"/>
           </p:nvPr>
@@ -2333,8 +2436,12 @@
           <a:bodyPr/>
           <a:lstStyle/>
           <a:p>
-            <a:pPr/>
-            <a:fld id="{86CB4B4D-7CA3-9044-876B-883B54F8677D}" type="slidenum"/>
+            <a:fld id="{86CB4B4D-7CA3-9044-876B-883B54F8677D}" type="slidenum">
+              <a:rPr/>
+              <a:pPr/>
+              <a:t>‹#›</a:t>
+            </a:fld>
+            <a:endParaRPr/>
           </a:p>
         </p:txBody>
       </p:sp>
@@ -2343,22 +2450,23 @@
   <p:clrMapOvr>
     <a:masterClrMapping/>
   </p:clrMapOvr>
-  <p:transition xmlns:p14="http://schemas.microsoft.com/office/powerpoint/2010/main" spd="med" advClick="1"/>
+  <p:transition spd="med"/>
 </p:sldLayout>
 </file>
 
 <file path=ppt/slideLayouts/slideLayout20.xml><?xml version="1.0" encoding="utf-8"?>
-<p:sldLayout xmlns:a="http://schemas.openxmlformats.org/drawingml/2006/main" xmlns:r="http://schemas.openxmlformats.org/officeDocument/2006/relationships" xmlns:p="http://schemas.openxmlformats.org/presentationml/2006/main" type="tx" showMasterSp="1" showMasterPhAnim="1">
+<p:sldLayout xmlns:a="http://schemas.openxmlformats.org/drawingml/2006/main" xmlns:r="http://schemas.openxmlformats.org/officeDocument/2006/relationships" xmlns:p="http://schemas.openxmlformats.org/presentationml/2006/main" type="tx">
   <p:cSld name="Blank">
     <p:bg>
       <p:bgPr>
         <a:blipFill rotWithShape="1">
-          <a:blip r:embed="rId2"/>
-          <a:srcRect l="0" t="0" r="0" b="0"/>
+          <a:blip r:embed="rId2" cstate="print"/>
+          <a:srcRect/>
           <a:stretch>
             <a:fillRect/>
           </a:stretch>
         </a:blipFill>
+        <a:effectLst/>
       </p:bgPr>
     </p:bg>
     <p:spTree>
@@ -2378,7 +2486,9 @@
       <p:sp>
         <p:nvSpPr>
           <p:cNvPr id="180" name="Slide Number"/>
-          <p:cNvSpPr txBox="1"/>
+          <p:cNvSpPr txBox="1">
+            <a:spLocks noGrp="1"/>
+          </p:cNvSpPr>
           <p:nvPr>
             <p:ph type="sldNum" sz="quarter" idx="2"/>
           </p:nvPr>
@@ -2392,8 +2502,12 @@
           <a:bodyPr/>
           <a:lstStyle/>
           <a:p>
-            <a:pPr/>
-            <a:fld id="{86CB4B4D-7CA3-9044-876B-883B54F8677D}" type="slidenum"/>
+            <a:fld id="{86CB4B4D-7CA3-9044-876B-883B54F8677D}" type="slidenum">
+              <a:rPr/>
+              <a:pPr/>
+              <a:t>‹#›</a:t>
+            </a:fld>
+            <a:endParaRPr/>
           </a:p>
         </p:txBody>
       </p:sp>
@@ -2402,22 +2516,23 @@
   <p:clrMapOvr>
     <a:masterClrMapping/>
   </p:clrMapOvr>
-  <p:transition xmlns:p14="http://schemas.microsoft.com/office/powerpoint/2010/main" spd="med" advClick="1"/>
+  <p:transition spd="med"/>
 </p:sldLayout>
 </file>
 
 <file path=ppt/slideLayouts/slideLayout21.xml><?xml version="1.0" encoding="utf-8"?>
-<p:sldLayout xmlns:a="http://schemas.openxmlformats.org/drawingml/2006/main" xmlns:r="http://schemas.openxmlformats.org/officeDocument/2006/relationships" xmlns:p="http://schemas.openxmlformats.org/presentationml/2006/main" type="tx" showMasterSp="1" showMasterPhAnim="1">
+<p:sldLayout xmlns:a="http://schemas.openxmlformats.org/drawingml/2006/main" xmlns:r="http://schemas.openxmlformats.org/officeDocument/2006/relationships" xmlns:p="http://schemas.openxmlformats.org/presentationml/2006/main" type="tx">
   <p:cSld name="Content with Caption">
     <p:bg>
       <p:bgPr>
         <a:blipFill rotWithShape="1">
-          <a:blip r:embed="rId2"/>
-          <a:srcRect l="0" t="0" r="0" b="0"/>
+          <a:blip r:embed="rId2" cstate="print"/>
+          <a:srcRect/>
           <a:stretch>
             <a:fillRect/>
           </a:stretch>
         </a:blipFill>
+        <a:effectLst/>
       </p:bgPr>
     </p:bg>
     <p:spTree>
@@ -2437,7 +2552,9 @@
       <p:sp>
         <p:nvSpPr>
           <p:cNvPr id="187" name="Title Text"/>
-          <p:cNvSpPr txBox="1"/>
+          <p:cNvSpPr txBox="1">
+            <a:spLocks noGrp="1"/>
+          </p:cNvSpPr>
           <p:nvPr>
             <p:ph type="title"/>
           </p:nvPr>
@@ -2455,7 +2572,7 @@
           <a:bodyPr anchor="b"/>
           <a:lstStyle>
             <a:lvl1pPr algn="l">
-              <a:defRPr b="1" sz="2000">
+              <a:defRPr sz="2000" b="1">
                 <a:latin typeface="+mn-lt"/>
                 <a:ea typeface="+mn-ea"/>
                 <a:cs typeface="+mn-cs"/>
@@ -2464,7 +2581,6 @@
             </a:lvl1pPr>
           </a:lstStyle>
           <a:p>
-            <a:pPr/>
             <a:r>
               <a:t>Title Text</a:t>
             </a:r>
@@ -2474,7 +2590,9 @@
       <p:sp>
         <p:nvSpPr>
           <p:cNvPr id="188" name="Body Level One…"/>
-          <p:cNvSpPr txBox="1"/>
+          <p:cNvSpPr txBox="1">
+            <a:spLocks noGrp="1"/>
+          </p:cNvSpPr>
           <p:nvPr>
             <p:ph type="body" idx="1"/>
           </p:nvPr>
@@ -2533,7 +2651,6 @@
             </a:lvl5pPr>
           </a:lstStyle>
           <a:p>
-            <a:pPr/>
             <a:r>
               <a:t>Body Level One</a:t>
             </a:r>
@@ -2567,7 +2684,9 @@
       <p:sp>
         <p:nvSpPr>
           <p:cNvPr id="189" name="Text Placeholder 3"/>
-          <p:cNvSpPr/>
+          <p:cNvSpPr>
+            <a:spLocks noGrp="1"/>
+          </p:cNvSpPr>
           <p:nvPr>
             <p:ph type="body" sz="half" idx="13"/>
           </p:nvPr>
@@ -2599,13 +2718,16 @@
                 <a:sym typeface="Calibri"/>
               </a:defRPr>
             </a:pPr>
+            <a:endParaRPr/>
           </a:p>
         </p:txBody>
       </p:sp>
       <p:sp>
         <p:nvSpPr>
           <p:cNvPr id="190" name="Slide Number"/>
-          <p:cNvSpPr txBox="1"/>
+          <p:cNvSpPr txBox="1">
+            <a:spLocks noGrp="1"/>
+          </p:cNvSpPr>
           <p:nvPr>
             <p:ph type="sldNum" sz="quarter" idx="2"/>
           </p:nvPr>
@@ -2619,8 +2741,12 @@
           <a:bodyPr/>
           <a:lstStyle/>
           <a:p>
-            <a:pPr/>
-            <a:fld id="{86CB4B4D-7CA3-9044-876B-883B54F8677D}" type="slidenum"/>
+            <a:fld id="{86CB4B4D-7CA3-9044-876B-883B54F8677D}" type="slidenum">
+              <a:rPr/>
+              <a:pPr/>
+              <a:t>‹#›</a:t>
+            </a:fld>
+            <a:endParaRPr/>
           </a:p>
         </p:txBody>
       </p:sp>
@@ -2629,22 +2755,23 @@
   <p:clrMapOvr>
     <a:masterClrMapping/>
   </p:clrMapOvr>
-  <p:transition xmlns:p14="http://schemas.microsoft.com/office/powerpoint/2010/main" spd="med" advClick="1"/>
+  <p:transition spd="med"/>
 </p:sldLayout>
 </file>
 
 <file path=ppt/slideLayouts/slideLayout22.xml><?xml version="1.0" encoding="utf-8"?>
-<p:sldLayout xmlns:a="http://schemas.openxmlformats.org/drawingml/2006/main" xmlns:r="http://schemas.openxmlformats.org/officeDocument/2006/relationships" xmlns:p="http://schemas.openxmlformats.org/presentationml/2006/main" type="tx" showMasterSp="1" showMasterPhAnim="1">
+<p:sldLayout xmlns:a="http://schemas.openxmlformats.org/drawingml/2006/main" xmlns:r="http://schemas.openxmlformats.org/officeDocument/2006/relationships" xmlns:p="http://schemas.openxmlformats.org/presentationml/2006/main" type="tx">
   <p:cSld name="Picture with Caption">
     <p:bg>
       <p:bgPr>
         <a:blipFill rotWithShape="1">
-          <a:blip r:embed="rId2"/>
-          <a:srcRect l="0" t="0" r="0" b="0"/>
+          <a:blip r:embed="rId2" cstate="print"/>
+          <a:srcRect/>
           <a:stretch>
             <a:fillRect/>
           </a:stretch>
         </a:blipFill>
+        <a:effectLst/>
       </p:bgPr>
     </p:bg>
     <p:spTree>
@@ -2664,7 +2791,9 @@
       <p:sp>
         <p:nvSpPr>
           <p:cNvPr id="197" name="Title Text"/>
-          <p:cNvSpPr txBox="1"/>
+          <p:cNvSpPr txBox="1">
+            <a:spLocks noGrp="1"/>
+          </p:cNvSpPr>
           <p:nvPr>
             <p:ph type="title"/>
           </p:nvPr>
@@ -2682,7 +2811,7 @@
           <a:bodyPr anchor="b"/>
           <a:lstStyle>
             <a:lvl1pPr algn="l">
-              <a:defRPr b="1" sz="2000">
+              <a:defRPr sz="2000" b="1">
                 <a:latin typeface="+mn-lt"/>
                 <a:ea typeface="+mn-ea"/>
                 <a:cs typeface="+mn-cs"/>
@@ -2691,7 +2820,6 @@
             </a:lvl1pPr>
           </a:lstStyle>
           <a:p>
-            <a:pPr/>
             <a:r>
               <a:t>Title Text</a:t>
             </a:r>
@@ -2701,7 +2829,9 @@
       <p:sp>
         <p:nvSpPr>
           <p:cNvPr id="198" name="Picture Placeholder 2"/>
-          <p:cNvSpPr/>
+          <p:cNvSpPr>
+            <a:spLocks noGrp="1"/>
+          </p:cNvSpPr>
           <p:nvPr>
             <p:ph type="pic" sz="half" idx="13"/>
           </p:nvPr>
@@ -2721,14 +2851,16 @@
           </a:bodyPr>
           <a:lstStyle/>
           <a:p>
-            <a:pPr/>
+            <a:endParaRPr/>
           </a:p>
         </p:txBody>
       </p:sp>
       <p:sp>
         <p:nvSpPr>
           <p:cNvPr id="199" name="Body Level One…"/>
-          <p:cNvSpPr txBox="1"/>
+          <p:cNvSpPr txBox="1">
+            <a:spLocks noGrp="1"/>
+          </p:cNvSpPr>
           <p:nvPr>
             <p:ph type="body" sz="quarter" idx="1"/>
           </p:nvPr>
@@ -2817,7 +2949,6 @@
             </a:lvl5pPr>
           </a:lstStyle>
           <a:p>
-            <a:pPr/>
             <a:r>
               <a:t>Body Level One</a:t>
             </a:r>
@@ -2851,7 +2982,9 @@
       <p:sp>
         <p:nvSpPr>
           <p:cNvPr id="200" name="Slide Number"/>
-          <p:cNvSpPr txBox="1"/>
+          <p:cNvSpPr txBox="1">
+            <a:spLocks noGrp="1"/>
+          </p:cNvSpPr>
           <p:nvPr>
             <p:ph type="sldNum" sz="quarter" idx="2"/>
           </p:nvPr>
@@ -2865,8 +2998,12 @@
           <a:bodyPr/>
           <a:lstStyle/>
           <a:p>
-            <a:pPr/>
-            <a:fld id="{86CB4B4D-7CA3-9044-876B-883B54F8677D}" type="slidenum"/>
+            <a:fld id="{86CB4B4D-7CA3-9044-876B-883B54F8677D}" type="slidenum">
+              <a:rPr/>
+              <a:pPr/>
+              <a:t>‹#›</a:t>
+            </a:fld>
+            <a:endParaRPr/>
           </a:p>
         </p:txBody>
       </p:sp>
@@ -2875,22 +3012,23 @@
   <p:clrMapOvr>
     <a:masterClrMapping/>
   </p:clrMapOvr>
-  <p:transition xmlns:p14="http://schemas.microsoft.com/office/powerpoint/2010/main" spd="med" advClick="1"/>
+  <p:transition spd="med"/>
 </p:sldLayout>
 </file>
 
 <file path=ppt/slideLayouts/slideLayout23.xml><?xml version="1.0" encoding="utf-8"?>
-<p:sldLayout xmlns:a="http://schemas.openxmlformats.org/drawingml/2006/main" xmlns:r="http://schemas.openxmlformats.org/officeDocument/2006/relationships" xmlns:p="http://schemas.openxmlformats.org/presentationml/2006/main" type="tx" showMasterSp="1" showMasterPhAnim="1">
+<p:sldLayout xmlns:a="http://schemas.openxmlformats.org/drawingml/2006/main" xmlns:r="http://schemas.openxmlformats.org/officeDocument/2006/relationships" xmlns:p="http://schemas.openxmlformats.org/presentationml/2006/main" type="tx">
   <p:cSld name="Title and Vertical Text">
     <p:bg>
       <p:bgPr>
         <a:blipFill rotWithShape="1">
-          <a:blip r:embed="rId2"/>
-          <a:srcRect l="0" t="0" r="0" b="0"/>
+          <a:blip r:embed="rId2" cstate="print"/>
+          <a:srcRect/>
           <a:stretch>
             <a:fillRect/>
           </a:stretch>
         </a:blipFill>
+        <a:effectLst/>
       </p:bgPr>
     </p:bg>
     <p:spTree>
@@ -2910,7 +3048,9 @@
       <p:sp>
         <p:nvSpPr>
           <p:cNvPr id="207" name="Title Text"/>
-          <p:cNvSpPr txBox="1"/>
+          <p:cNvSpPr txBox="1">
+            <a:spLocks noGrp="1"/>
+          </p:cNvSpPr>
           <p:nvPr>
             <p:ph type="title"/>
           </p:nvPr>
@@ -2933,7 +3073,6 @@
             </a:lvl1pPr>
           </a:lstStyle>
           <a:p>
-            <a:pPr/>
             <a:r>
               <a:t>Title Text</a:t>
             </a:r>
@@ -2943,7 +3082,9 @@
       <p:sp>
         <p:nvSpPr>
           <p:cNvPr id="208" name="Body Level One…"/>
-          <p:cNvSpPr txBox="1"/>
+          <p:cNvSpPr txBox="1">
+            <a:spLocks noGrp="1"/>
+          </p:cNvSpPr>
           <p:nvPr>
             <p:ph type="body" idx="1"/>
           </p:nvPr>
@@ -2998,7 +3139,6 @@
             </a:lvl5pPr>
           </a:lstStyle>
           <a:p>
-            <a:pPr/>
             <a:r>
               <a:t>Body Level One</a:t>
             </a:r>
@@ -3032,7 +3172,9 @@
       <p:sp>
         <p:nvSpPr>
           <p:cNvPr id="209" name="Slide Number"/>
-          <p:cNvSpPr txBox="1"/>
+          <p:cNvSpPr txBox="1">
+            <a:spLocks noGrp="1"/>
+          </p:cNvSpPr>
           <p:nvPr>
             <p:ph type="sldNum" sz="quarter" idx="2"/>
           </p:nvPr>
@@ -3046,8 +3188,12 @@
           <a:bodyPr/>
           <a:lstStyle/>
           <a:p>
-            <a:pPr/>
-            <a:fld id="{86CB4B4D-7CA3-9044-876B-883B54F8677D}" type="slidenum"/>
+            <a:fld id="{86CB4B4D-7CA3-9044-876B-883B54F8677D}" type="slidenum">
+              <a:rPr/>
+              <a:pPr/>
+              <a:t>‹#›</a:t>
+            </a:fld>
+            <a:endParaRPr/>
           </a:p>
         </p:txBody>
       </p:sp>
@@ -3056,22 +3202,23 @@
   <p:clrMapOvr>
     <a:masterClrMapping/>
   </p:clrMapOvr>
-  <p:transition xmlns:p14="http://schemas.microsoft.com/office/powerpoint/2010/main" spd="med" advClick="1"/>
+  <p:transition spd="med"/>
 </p:sldLayout>
 </file>
 
 <file path=ppt/slideLayouts/slideLayout24.xml><?xml version="1.0" encoding="utf-8"?>
-<p:sldLayout xmlns:a="http://schemas.openxmlformats.org/drawingml/2006/main" xmlns:r="http://schemas.openxmlformats.org/officeDocument/2006/relationships" xmlns:p="http://schemas.openxmlformats.org/presentationml/2006/main" type="tx" showMasterSp="1" showMasterPhAnim="1">
+<p:sldLayout xmlns:a="http://schemas.openxmlformats.org/drawingml/2006/main" xmlns:r="http://schemas.openxmlformats.org/officeDocument/2006/relationships" xmlns:p="http://schemas.openxmlformats.org/presentationml/2006/main" type="tx">
   <p:cSld name="Vertical Title and Text">
     <p:bg>
       <p:bgPr>
         <a:blipFill rotWithShape="1">
-          <a:blip r:embed="rId2"/>
-          <a:srcRect l="0" t="0" r="0" b="0"/>
+          <a:blip r:embed="rId2" cstate="print"/>
+          <a:srcRect/>
           <a:stretch>
             <a:fillRect/>
           </a:stretch>
         </a:blipFill>
+        <a:effectLst/>
       </p:bgPr>
     </p:bg>
     <p:spTree>
@@ -3091,7 +3238,9 @@
       <p:sp>
         <p:nvSpPr>
           <p:cNvPr id="216" name="Title Text"/>
-          <p:cNvSpPr txBox="1"/>
+          <p:cNvSpPr txBox="1">
+            <a:spLocks noGrp="1"/>
+          </p:cNvSpPr>
           <p:nvPr>
             <p:ph type="title"/>
           </p:nvPr>
@@ -3118,7 +3267,6 @@
             </a:lvl1pPr>
           </a:lstStyle>
           <a:p>
-            <a:pPr/>
             <a:r>
               <a:t>Title Text</a:t>
             </a:r>
@@ -3128,7 +3276,9 @@
       <p:sp>
         <p:nvSpPr>
           <p:cNvPr id="217" name="Body Level One…"/>
-          <p:cNvSpPr txBox="1"/>
+          <p:cNvSpPr txBox="1">
+            <a:spLocks noGrp="1"/>
+          </p:cNvSpPr>
           <p:nvPr>
             <p:ph type="body" idx="1"/>
           </p:nvPr>
@@ -3187,7 +3337,6 @@
             </a:lvl5pPr>
           </a:lstStyle>
           <a:p>
-            <a:pPr/>
             <a:r>
               <a:t>Body Level One</a:t>
             </a:r>
@@ -3221,7 +3370,9 @@
       <p:sp>
         <p:nvSpPr>
           <p:cNvPr id="218" name="Slide Number"/>
-          <p:cNvSpPr txBox="1"/>
+          <p:cNvSpPr txBox="1">
+            <a:spLocks noGrp="1"/>
+          </p:cNvSpPr>
           <p:nvPr>
             <p:ph type="sldNum" sz="quarter" idx="2"/>
           </p:nvPr>
@@ -3235,8 +3386,12 @@
           <a:bodyPr/>
           <a:lstStyle/>
           <a:p>
-            <a:pPr/>
-            <a:fld id="{86CB4B4D-7CA3-9044-876B-883B54F8677D}" type="slidenum"/>
+            <a:fld id="{86CB4B4D-7CA3-9044-876B-883B54F8677D}" type="slidenum">
+              <a:rPr/>
+              <a:pPr/>
+              <a:t>‹#›</a:t>
+            </a:fld>
+            <a:endParaRPr/>
           </a:p>
         </p:txBody>
       </p:sp>
@@ -3245,12 +3400,12 @@
   <p:clrMapOvr>
     <a:masterClrMapping/>
   </p:clrMapOvr>
-  <p:transition xmlns:p14="http://schemas.microsoft.com/office/powerpoint/2010/main" spd="med" advClick="1"/>
+  <p:transition spd="med"/>
 </p:sldLayout>
 </file>
 
 <file path=ppt/slideLayouts/slideLayout3.xml><?xml version="1.0" encoding="utf-8"?>
-<p:sldLayout xmlns:a="http://schemas.openxmlformats.org/drawingml/2006/main" xmlns:r="http://schemas.openxmlformats.org/officeDocument/2006/relationships" xmlns:p="http://schemas.openxmlformats.org/presentationml/2006/main" type="tx" showMasterSp="1" showMasterPhAnim="1">
+<p:sldLayout xmlns:a="http://schemas.openxmlformats.org/drawingml/2006/main" xmlns:r="http://schemas.openxmlformats.org/officeDocument/2006/relationships" xmlns:p="http://schemas.openxmlformats.org/presentationml/2006/main" type="tx">
   <p:cSld name="Section Header">
     <p:spTree>
       <p:nvGrpSpPr>
@@ -3269,7 +3424,9 @@
       <p:sp>
         <p:nvSpPr>
           <p:cNvPr id="29" name="Title Text"/>
-          <p:cNvSpPr txBox="1"/>
+          <p:cNvSpPr txBox="1">
+            <a:spLocks noGrp="1"/>
+          </p:cNvSpPr>
           <p:nvPr>
             <p:ph type="title"/>
           </p:nvPr>
@@ -3287,11 +3444,10 @@
           <a:bodyPr anchor="t"/>
           <a:lstStyle>
             <a:lvl1pPr algn="l">
-              <a:defRPr b="1" cap="all" sz="4000"/>
+              <a:defRPr sz="4000" b="1" cap="all"/>
             </a:lvl1pPr>
           </a:lstStyle>
           <a:p>
-            <a:pPr/>
             <a:r>
               <a:t>Title Text</a:t>
             </a:r>
@@ -3301,7 +3457,9 @@
       <p:sp>
         <p:nvSpPr>
           <p:cNvPr id="30" name="Body Level One…"/>
-          <p:cNvSpPr txBox="1"/>
+          <p:cNvSpPr txBox="1">
+            <a:spLocks noGrp="1"/>
+          </p:cNvSpPr>
           <p:nvPr>
             <p:ph type="body" sz="quarter" idx="1"/>
           </p:nvPr>
@@ -3385,7 +3543,6 @@
             </a:lvl5pPr>
           </a:lstStyle>
           <a:p>
-            <a:pPr/>
             <a:r>
               <a:t>Body Level One</a:t>
             </a:r>
@@ -3419,7 +3576,9 @@
       <p:sp>
         <p:nvSpPr>
           <p:cNvPr id="31" name="Slide Number"/>
-          <p:cNvSpPr txBox="1"/>
+          <p:cNvSpPr txBox="1">
+            <a:spLocks noGrp="1"/>
+          </p:cNvSpPr>
           <p:nvPr>
             <p:ph type="sldNum" sz="quarter" idx="2"/>
           </p:nvPr>
@@ -3433,8 +3592,12 @@
           <a:bodyPr/>
           <a:lstStyle/>
           <a:p>
-            <a:pPr/>
-            <a:fld id="{86CB4B4D-7CA3-9044-876B-883B54F8677D}" type="slidenum"/>
+            <a:fld id="{86CB4B4D-7CA3-9044-876B-883B54F8677D}" type="slidenum">
+              <a:rPr/>
+              <a:pPr/>
+              <a:t>‹#›</a:t>
+            </a:fld>
+            <a:endParaRPr/>
           </a:p>
         </p:txBody>
       </p:sp>
@@ -3443,12 +3606,12 @@
   <p:clrMapOvr>
     <a:masterClrMapping/>
   </p:clrMapOvr>
-  <p:transition xmlns:p14="http://schemas.microsoft.com/office/powerpoint/2010/main" spd="med" advClick="1"/>
+  <p:transition spd="med"/>
 </p:sldLayout>
 </file>
 
 <file path=ppt/slideLayouts/slideLayout4.xml><?xml version="1.0" encoding="utf-8"?>
-<p:sldLayout xmlns:a="http://schemas.openxmlformats.org/drawingml/2006/main" xmlns:r="http://schemas.openxmlformats.org/officeDocument/2006/relationships" xmlns:p="http://schemas.openxmlformats.org/presentationml/2006/main" type="tx" showMasterSp="1" showMasterPhAnim="1">
+<p:sldLayout xmlns:a="http://schemas.openxmlformats.org/drawingml/2006/main" xmlns:r="http://schemas.openxmlformats.org/officeDocument/2006/relationships" xmlns:p="http://schemas.openxmlformats.org/presentationml/2006/main" type="tx">
   <p:cSld name="Two Content">
     <p:spTree>
       <p:nvGrpSpPr>
@@ -3467,7 +3630,9 @@
       <p:sp>
         <p:nvSpPr>
           <p:cNvPr id="38" name="Title Text"/>
-          <p:cNvSpPr txBox="1"/>
+          <p:cNvSpPr txBox="1">
+            <a:spLocks noGrp="1"/>
+          </p:cNvSpPr>
           <p:nvPr>
             <p:ph type="title"/>
           </p:nvPr>
@@ -3481,7 +3646,6 @@
           <a:bodyPr/>
           <a:lstStyle/>
           <a:p>
-            <a:pPr/>
             <a:r>
               <a:t>Title Text</a:t>
             </a:r>
@@ -3491,7 +3655,9 @@
       <p:sp>
         <p:nvSpPr>
           <p:cNvPr id="39" name="Body Level One…"/>
-          <p:cNvSpPr txBox="1"/>
+          <p:cNvSpPr txBox="1">
+            <a:spLocks noGrp="1"/>
+          </p:cNvSpPr>
           <p:nvPr>
             <p:ph type="body" sz="half" idx="1"/>
           </p:nvPr>
@@ -3540,7 +3706,6 @@
             </a:lvl5pPr>
           </a:lstStyle>
           <a:p>
-            <a:pPr/>
             <a:r>
               <a:t>Body Level One</a:t>
             </a:r>
@@ -3574,7 +3739,9 @@
       <p:sp>
         <p:nvSpPr>
           <p:cNvPr id="40" name="Slide Number"/>
-          <p:cNvSpPr txBox="1"/>
+          <p:cNvSpPr txBox="1">
+            <a:spLocks noGrp="1"/>
+          </p:cNvSpPr>
           <p:nvPr>
             <p:ph type="sldNum" sz="quarter" idx="2"/>
           </p:nvPr>
@@ -3588,8 +3755,12 @@
           <a:bodyPr/>
           <a:lstStyle/>
           <a:p>
-            <a:pPr/>
-            <a:fld id="{86CB4B4D-7CA3-9044-876B-883B54F8677D}" type="slidenum"/>
+            <a:fld id="{86CB4B4D-7CA3-9044-876B-883B54F8677D}" type="slidenum">
+              <a:rPr/>
+              <a:pPr/>
+              <a:t>‹#›</a:t>
+            </a:fld>
+            <a:endParaRPr/>
           </a:p>
         </p:txBody>
       </p:sp>
@@ -3598,12 +3769,12 @@
   <p:clrMapOvr>
     <a:masterClrMapping/>
   </p:clrMapOvr>
-  <p:transition xmlns:p14="http://schemas.microsoft.com/office/powerpoint/2010/main" spd="med" advClick="1"/>
+  <p:transition spd="med"/>
 </p:sldLayout>
 </file>
 
 <file path=ppt/slideLayouts/slideLayout5.xml><?xml version="1.0" encoding="utf-8"?>
-<p:sldLayout xmlns:a="http://schemas.openxmlformats.org/drawingml/2006/main" xmlns:r="http://schemas.openxmlformats.org/officeDocument/2006/relationships" xmlns:p="http://schemas.openxmlformats.org/presentationml/2006/main" type="tx" showMasterSp="1" showMasterPhAnim="1">
+<p:sldLayout xmlns:a="http://schemas.openxmlformats.org/drawingml/2006/main" xmlns:r="http://schemas.openxmlformats.org/officeDocument/2006/relationships" xmlns:p="http://schemas.openxmlformats.org/presentationml/2006/main" type="tx">
   <p:cSld name="Comparison">
     <p:spTree>
       <p:nvGrpSpPr>
@@ -3622,7 +3793,9 @@
       <p:sp>
         <p:nvSpPr>
           <p:cNvPr id="47" name="Title Text"/>
-          <p:cNvSpPr txBox="1"/>
+          <p:cNvSpPr txBox="1">
+            <a:spLocks noGrp="1"/>
+          </p:cNvSpPr>
           <p:nvPr>
             <p:ph type="title"/>
           </p:nvPr>
@@ -3636,7 +3809,6 @@
           <a:bodyPr/>
           <a:lstStyle/>
           <a:p>
-            <a:pPr/>
             <a:r>
               <a:t>Title Text</a:t>
             </a:r>
@@ -3646,7 +3818,9 @@
       <p:sp>
         <p:nvSpPr>
           <p:cNvPr id="48" name="Body Level One…"/>
-          <p:cNvSpPr txBox="1"/>
+          <p:cNvSpPr txBox="1">
+            <a:spLocks noGrp="1"/>
+          </p:cNvSpPr>
           <p:nvPr>
             <p:ph type="body" sz="quarter" idx="1"/>
           </p:nvPr>
@@ -3670,7 +3844,7 @@
               <a:buSzTx/>
               <a:buFontTx/>
               <a:buNone/>
-              <a:defRPr b="1" sz="2400"/>
+              <a:defRPr sz="2400" b="1"/>
             </a:lvl1pPr>
             <a:lvl2pPr marL="0" indent="457200">
               <a:spcBef>
@@ -3679,7 +3853,7 @@
               <a:buSzTx/>
               <a:buFontTx/>
               <a:buNone/>
-              <a:defRPr b="1" sz="2400"/>
+              <a:defRPr sz="2400" b="1"/>
             </a:lvl2pPr>
             <a:lvl3pPr marL="0" indent="914400">
               <a:spcBef>
@@ -3688,7 +3862,7 @@
               <a:buSzTx/>
               <a:buFontTx/>
               <a:buNone/>
-              <a:defRPr b="1" sz="2400"/>
+              <a:defRPr sz="2400" b="1"/>
             </a:lvl3pPr>
             <a:lvl4pPr marL="0" indent="1371600">
               <a:spcBef>
@@ -3697,7 +3871,7 @@
               <a:buSzTx/>
               <a:buFontTx/>
               <a:buNone/>
-              <a:defRPr b="1" sz="2400"/>
+              <a:defRPr sz="2400" b="1"/>
             </a:lvl4pPr>
             <a:lvl5pPr marL="0" indent="1828800">
               <a:spcBef>
@@ -3706,11 +3880,10 @@
               <a:buSzTx/>
               <a:buFontTx/>
               <a:buNone/>
-              <a:defRPr b="1" sz="2400"/>
+              <a:defRPr sz="2400" b="1"/>
             </a:lvl5pPr>
           </a:lstStyle>
           <a:p>
-            <a:pPr/>
             <a:r>
               <a:t>Body Level One</a:t>
             </a:r>
@@ -3744,7 +3917,9 @@
       <p:sp>
         <p:nvSpPr>
           <p:cNvPr id="49" name="Text Placeholder 4"/>
-          <p:cNvSpPr/>
+          <p:cNvSpPr>
+            <a:spLocks noGrp="1"/>
+          </p:cNvSpPr>
           <p:nvPr>
             <p:ph type="body" sz="quarter" idx="13"/>
           </p:nvPr>
@@ -3769,15 +3944,18 @@
               <a:buSzTx/>
               <a:buFontTx/>
               <a:buNone/>
-              <a:defRPr b="1" sz="2400"/>
+              <a:defRPr sz="2400" b="1"/>
             </a:pPr>
+            <a:endParaRPr/>
           </a:p>
         </p:txBody>
       </p:sp>
       <p:sp>
         <p:nvSpPr>
           <p:cNvPr id="50" name="Slide Number"/>
-          <p:cNvSpPr txBox="1"/>
+          <p:cNvSpPr txBox="1">
+            <a:spLocks noGrp="1"/>
+          </p:cNvSpPr>
           <p:nvPr>
             <p:ph type="sldNum" sz="quarter" idx="2"/>
           </p:nvPr>
@@ -3791,8 +3969,12 @@
           <a:bodyPr/>
           <a:lstStyle/>
           <a:p>
-            <a:pPr/>
-            <a:fld id="{86CB4B4D-7CA3-9044-876B-883B54F8677D}" type="slidenum"/>
+            <a:fld id="{86CB4B4D-7CA3-9044-876B-883B54F8677D}" type="slidenum">
+              <a:rPr/>
+              <a:pPr/>
+              <a:t>‹#›</a:t>
+            </a:fld>
+            <a:endParaRPr/>
           </a:p>
         </p:txBody>
       </p:sp>
@@ -3801,12 +3983,12 @@
   <p:clrMapOvr>
     <a:masterClrMapping/>
   </p:clrMapOvr>
-  <p:transition xmlns:p14="http://schemas.microsoft.com/office/powerpoint/2010/main" spd="med" advClick="1"/>
+  <p:transition spd="med"/>
 </p:sldLayout>
 </file>
 
 <file path=ppt/slideLayouts/slideLayout6.xml><?xml version="1.0" encoding="utf-8"?>
-<p:sldLayout xmlns:a="http://schemas.openxmlformats.org/drawingml/2006/main" xmlns:r="http://schemas.openxmlformats.org/officeDocument/2006/relationships" xmlns:p="http://schemas.openxmlformats.org/presentationml/2006/main" type="tx" showMasterSp="1" showMasterPhAnim="1">
+<p:sldLayout xmlns:a="http://schemas.openxmlformats.org/drawingml/2006/main" xmlns:r="http://schemas.openxmlformats.org/officeDocument/2006/relationships" xmlns:p="http://schemas.openxmlformats.org/presentationml/2006/main" type="tx">
   <p:cSld name="Title Only">
     <p:spTree>
       <p:nvGrpSpPr>
@@ -3825,7 +4007,9 @@
       <p:sp>
         <p:nvSpPr>
           <p:cNvPr id="57" name="Title Text"/>
-          <p:cNvSpPr txBox="1"/>
+          <p:cNvSpPr txBox="1">
+            <a:spLocks noGrp="1"/>
+          </p:cNvSpPr>
           <p:nvPr>
             <p:ph type="title"/>
           </p:nvPr>
@@ -3839,7 +4023,6 @@
           <a:bodyPr/>
           <a:lstStyle/>
           <a:p>
-            <a:pPr/>
             <a:r>
               <a:t>Title Text</a:t>
             </a:r>
@@ -3849,7 +4032,9 @@
       <p:sp>
         <p:nvSpPr>
           <p:cNvPr id="58" name="Slide Number"/>
-          <p:cNvSpPr txBox="1"/>
+          <p:cNvSpPr txBox="1">
+            <a:spLocks noGrp="1"/>
+          </p:cNvSpPr>
           <p:nvPr>
             <p:ph type="sldNum" sz="quarter" idx="2"/>
           </p:nvPr>
@@ -3863,8 +4048,12 @@
           <a:bodyPr/>
           <a:lstStyle/>
           <a:p>
-            <a:pPr/>
-            <a:fld id="{86CB4B4D-7CA3-9044-876B-883B54F8677D}" type="slidenum"/>
+            <a:fld id="{86CB4B4D-7CA3-9044-876B-883B54F8677D}" type="slidenum">
+              <a:rPr/>
+              <a:pPr/>
+              <a:t>‹#›</a:t>
+            </a:fld>
+            <a:endParaRPr/>
           </a:p>
         </p:txBody>
       </p:sp>
@@ -3873,12 +4062,12 @@
   <p:clrMapOvr>
     <a:masterClrMapping/>
   </p:clrMapOvr>
-  <p:transition xmlns:p14="http://schemas.microsoft.com/office/powerpoint/2010/main" spd="med" advClick="1"/>
+  <p:transition spd="med"/>
 </p:sldLayout>
 </file>
 
 <file path=ppt/slideLayouts/slideLayout7.xml><?xml version="1.0" encoding="utf-8"?>
-<p:sldLayout xmlns:a="http://schemas.openxmlformats.org/drawingml/2006/main" xmlns:r="http://schemas.openxmlformats.org/officeDocument/2006/relationships" xmlns:p="http://schemas.openxmlformats.org/presentationml/2006/main" type="tx" showMasterSp="1" showMasterPhAnim="1">
+<p:sldLayout xmlns:a="http://schemas.openxmlformats.org/drawingml/2006/main" xmlns:r="http://schemas.openxmlformats.org/officeDocument/2006/relationships" xmlns:p="http://schemas.openxmlformats.org/presentationml/2006/main" type="tx">
   <p:cSld name="Blank">
     <p:spTree>
       <p:nvGrpSpPr>
@@ -3897,7 +4086,9 @@
       <p:sp>
         <p:nvSpPr>
           <p:cNvPr id="65" name="Slide Number"/>
-          <p:cNvSpPr txBox="1"/>
+          <p:cNvSpPr txBox="1">
+            <a:spLocks noGrp="1"/>
+          </p:cNvSpPr>
           <p:nvPr>
             <p:ph type="sldNum" sz="quarter" idx="2"/>
           </p:nvPr>
@@ -3911,8 +4102,12 @@
           <a:bodyPr/>
           <a:lstStyle/>
           <a:p>
-            <a:pPr/>
-            <a:fld id="{86CB4B4D-7CA3-9044-876B-883B54F8677D}" type="slidenum"/>
+            <a:fld id="{86CB4B4D-7CA3-9044-876B-883B54F8677D}" type="slidenum">
+              <a:rPr/>
+              <a:pPr/>
+              <a:t>‹#›</a:t>
+            </a:fld>
+            <a:endParaRPr/>
           </a:p>
         </p:txBody>
       </p:sp>
@@ -3921,12 +4116,12 @@
   <p:clrMapOvr>
     <a:masterClrMapping/>
   </p:clrMapOvr>
-  <p:transition xmlns:p14="http://schemas.microsoft.com/office/powerpoint/2010/main" spd="med" advClick="1"/>
+  <p:transition spd="med"/>
 </p:sldLayout>
 </file>
 
 <file path=ppt/slideLayouts/slideLayout8.xml><?xml version="1.0" encoding="utf-8"?>
-<p:sldLayout xmlns:a="http://schemas.openxmlformats.org/drawingml/2006/main" xmlns:r="http://schemas.openxmlformats.org/officeDocument/2006/relationships" xmlns:p="http://schemas.openxmlformats.org/presentationml/2006/main" type="tx" showMasterSp="1" showMasterPhAnim="1">
+<p:sldLayout xmlns:a="http://schemas.openxmlformats.org/drawingml/2006/main" xmlns:r="http://schemas.openxmlformats.org/officeDocument/2006/relationships" xmlns:p="http://schemas.openxmlformats.org/presentationml/2006/main" type="tx">
   <p:cSld name="Content with Caption">
     <p:spTree>
       <p:nvGrpSpPr>
@@ -3945,7 +4140,9 @@
       <p:sp>
         <p:nvSpPr>
           <p:cNvPr id="72" name="Title Text"/>
-          <p:cNvSpPr txBox="1"/>
+          <p:cNvSpPr txBox="1">
+            <a:spLocks noGrp="1"/>
+          </p:cNvSpPr>
           <p:nvPr>
             <p:ph type="title"/>
           </p:nvPr>
@@ -3963,11 +4160,10 @@
           <a:bodyPr anchor="b"/>
           <a:lstStyle>
             <a:lvl1pPr algn="l">
-              <a:defRPr b="1" sz="2000"/>
+              <a:defRPr sz="2000" b="1"/>
             </a:lvl1pPr>
           </a:lstStyle>
           <a:p>
-            <a:pPr/>
             <a:r>
               <a:t>Title Text</a:t>
             </a:r>
@@ -3977,7 +4173,9 @@
       <p:sp>
         <p:nvSpPr>
           <p:cNvPr id="73" name="Body Level One…"/>
-          <p:cNvSpPr txBox="1"/>
+          <p:cNvSpPr txBox="1">
+            <a:spLocks noGrp="1"/>
+          </p:cNvSpPr>
           <p:nvPr>
             <p:ph type="body" idx="1"/>
           </p:nvPr>
@@ -3995,7 +4193,6 @@
           <a:bodyPr/>
           <a:lstStyle/>
           <a:p>
-            <a:pPr/>
             <a:r>
               <a:t>Body Level One</a:t>
             </a:r>
@@ -4029,7 +4226,9 @@
       <p:sp>
         <p:nvSpPr>
           <p:cNvPr id="74" name="Text Placeholder 3"/>
-          <p:cNvSpPr/>
+          <p:cNvSpPr>
+            <a:spLocks noGrp="1"/>
+          </p:cNvSpPr>
           <p:nvPr>
             <p:ph type="body" sz="half" idx="13"/>
           </p:nvPr>
@@ -4056,13 +4255,16 @@
               <a:buNone/>
               <a:defRPr sz="1400"/>
             </a:pPr>
+            <a:endParaRPr/>
           </a:p>
         </p:txBody>
       </p:sp>
       <p:sp>
         <p:nvSpPr>
           <p:cNvPr id="75" name="Slide Number"/>
-          <p:cNvSpPr txBox="1"/>
+          <p:cNvSpPr txBox="1">
+            <a:spLocks noGrp="1"/>
+          </p:cNvSpPr>
           <p:nvPr>
             <p:ph type="sldNum" sz="quarter" idx="2"/>
           </p:nvPr>
@@ -4076,8 +4278,12 @@
           <a:bodyPr/>
           <a:lstStyle/>
           <a:p>
-            <a:pPr/>
-            <a:fld id="{86CB4B4D-7CA3-9044-876B-883B54F8677D}" type="slidenum"/>
+            <a:fld id="{86CB4B4D-7CA3-9044-876B-883B54F8677D}" type="slidenum">
+              <a:rPr/>
+              <a:pPr/>
+              <a:t>‹#›</a:t>
+            </a:fld>
+            <a:endParaRPr/>
           </a:p>
         </p:txBody>
       </p:sp>
@@ -4086,12 +4292,12 @@
   <p:clrMapOvr>
     <a:masterClrMapping/>
   </p:clrMapOvr>
-  <p:transition xmlns:p14="http://schemas.microsoft.com/office/powerpoint/2010/main" spd="med" advClick="1"/>
+  <p:transition spd="med"/>
 </p:sldLayout>
 </file>
 
 <file path=ppt/slideLayouts/slideLayout9.xml><?xml version="1.0" encoding="utf-8"?>
-<p:sldLayout xmlns:a="http://schemas.openxmlformats.org/drawingml/2006/main" xmlns:r="http://schemas.openxmlformats.org/officeDocument/2006/relationships" xmlns:p="http://schemas.openxmlformats.org/presentationml/2006/main" type="tx" showMasterSp="1" showMasterPhAnim="1">
+<p:sldLayout xmlns:a="http://schemas.openxmlformats.org/drawingml/2006/main" xmlns:r="http://schemas.openxmlformats.org/officeDocument/2006/relationships" xmlns:p="http://schemas.openxmlformats.org/presentationml/2006/main" type="tx">
   <p:cSld name="Picture with Caption">
     <p:spTree>
       <p:nvGrpSpPr>
@@ -4110,7 +4316,9 @@
       <p:sp>
         <p:nvSpPr>
           <p:cNvPr id="82" name="Title Text"/>
-          <p:cNvSpPr txBox="1"/>
+          <p:cNvSpPr txBox="1">
+            <a:spLocks noGrp="1"/>
+          </p:cNvSpPr>
           <p:nvPr>
             <p:ph type="title"/>
           </p:nvPr>
@@ -4128,11 +4336,10 @@
           <a:bodyPr anchor="b"/>
           <a:lstStyle>
             <a:lvl1pPr algn="l">
-              <a:defRPr b="1" sz="2000"/>
+              <a:defRPr sz="2000" b="1"/>
             </a:lvl1pPr>
           </a:lstStyle>
           <a:p>
-            <a:pPr/>
             <a:r>
               <a:t>Title Text</a:t>
             </a:r>
@@ -4142,7 +4349,9 @@
       <p:sp>
         <p:nvSpPr>
           <p:cNvPr id="83" name="Picture Placeholder 2"/>
-          <p:cNvSpPr/>
+          <p:cNvSpPr>
+            <a:spLocks noGrp="1"/>
+          </p:cNvSpPr>
           <p:nvPr>
             <p:ph type="pic" sz="half" idx="13"/>
           </p:nvPr>
@@ -4162,14 +4371,16 @@
           </a:bodyPr>
           <a:lstStyle/>
           <a:p>
-            <a:pPr/>
+            <a:endParaRPr/>
           </a:p>
         </p:txBody>
       </p:sp>
       <p:sp>
         <p:nvSpPr>
           <p:cNvPr id="84" name="Body Level One…"/>
-          <p:cNvSpPr txBox="1"/>
+          <p:cNvSpPr txBox="1">
+            <a:spLocks noGrp="1"/>
+          </p:cNvSpPr>
           <p:nvPr>
             <p:ph type="body" sz="quarter" idx="1"/>
           </p:nvPr>
@@ -4233,7 +4444,6 @@
             </a:lvl5pPr>
           </a:lstStyle>
           <a:p>
-            <a:pPr/>
             <a:r>
               <a:t>Body Level One</a:t>
             </a:r>
@@ -4267,7 +4477,9 @@
       <p:sp>
         <p:nvSpPr>
           <p:cNvPr id="85" name="Slide Number"/>
-          <p:cNvSpPr txBox="1"/>
+          <p:cNvSpPr txBox="1">
+            <a:spLocks noGrp="1"/>
+          </p:cNvSpPr>
           <p:nvPr>
             <p:ph type="sldNum" sz="quarter" idx="2"/>
           </p:nvPr>
@@ -4281,8 +4493,12 @@
           <a:bodyPr/>
           <a:lstStyle/>
           <a:p>
-            <a:pPr/>
-            <a:fld id="{86CB4B4D-7CA3-9044-876B-883B54F8677D}" type="slidenum"/>
+            <a:fld id="{86CB4B4D-7CA3-9044-876B-883B54F8677D}" type="slidenum">
+              <a:rPr/>
+              <a:pPr/>
+              <a:t>‹#›</a:t>
+            </a:fld>
+            <a:endParaRPr/>
           </a:p>
         </p:txBody>
       </p:sp>
@@ -4291,7 +4507,7 @@
   <p:clrMapOvr>
     <a:masterClrMapping/>
   </p:clrMapOvr>
-  <p:transition xmlns:p14="http://schemas.microsoft.com/office/powerpoint/2010/main" spd="med" advClick="1"/>
+  <p:transition spd="med"/>
 </p:sldLayout>
 </file>
 
@@ -4301,12 +4517,13 @@
     <p:bg>
       <p:bgPr>
         <a:blipFill rotWithShape="1">
-          <a:blip r:embed="rId2"/>
-          <a:srcRect l="0" t="0" r="0" b="0"/>
+          <a:blip r:embed="rId26" cstate="print"/>
+          <a:srcRect/>
           <a:stretch>
             <a:fillRect/>
           </a:stretch>
         </a:blipFill>
+        <a:effectLst/>
       </p:bgPr>
     </p:bg>
     <p:spTree>
@@ -4326,7 +4543,9 @@
       <p:sp>
         <p:nvSpPr>
           <p:cNvPr id="2" name="Title Text"/>
-          <p:cNvSpPr txBox="1"/>
+          <p:cNvSpPr txBox="1">
+            <a:spLocks noGrp="1"/>
+          </p:cNvSpPr>
           <p:nvPr>
             <p:ph type="title"/>
           </p:nvPr>
@@ -4344,17 +4563,16 @@
           </a:ln>
           <a:extLst>
             <a:ext uri="{C572A759-6A51-4108-AA02-DFA0A04FC94B}">
-              <ma14:wrappingTextBoxFlag xmlns:ma14="http://schemas.microsoft.com/office/mac/drawingml/2011/main" val="1"/>
+              <ma14:wrappingTextBoxFlag xmlns:ma14="http://schemas.microsoft.com/office/mac/drawingml/2011/main" xmlns="" val="1"/>
             </a:ext>
           </a:extLst>
         </p:spPr>
         <p:txBody>
           <a:bodyPr lIns="45719" rIns="45719" anchor="ctr">
-            <a:normAutofit fontScale="100000" lnSpcReduction="0"/>
+            <a:normAutofit/>
           </a:bodyPr>
           <a:lstStyle/>
           <a:p>
-            <a:pPr/>
             <a:r>
               <a:t>Title Text</a:t>
             </a:r>
@@ -4364,7 +4582,9 @@
       <p:sp>
         <p:nvSpPr>
           <p:cNvPr id="3" name="Body Level One…"/>
-          <p:cNvSpPr txBox="1"/>
+          <p:cNvSpPr txBox="1">
+            <a:spLocks noGrp="1"/>
+          </p:cNvSpPr>
           <p:nvPr>
             <p:ph type="body" idx="1"/>
           </p:nvPr>
@@ -4382,17 +4602,16 @@
           </a:ln>
           <a:extLst>
             <a:ext uri="{C572A759-6A51-4108-AA02-DFA0A04FC94B}">
-              <ma14:wrappingTextBoxFlag xmlns:ma14="http://schemas.microsoft.com/office/mac/drawingml/2011/main" val="1"/>
+              <ma14:wrappingTextBoxFlag xmlns:ma14="http://schemas.microsoft.com/office/mac/drawingml/2011/main" xmlns="" val="1"/>
             </a:ext>
           </a:extLst>
         </p:spPr>
         <p:txBody>
           <a:bodyPr lIns="45719" rIns="45719">
-            <a:normAutofit fontScale="100000" lnSpcReduction="0"/>
+            <a:normAutofit/>
           </a:bodyPr>
           <a:lstStyle/>
           <a:p>
-            <a:pPr/>
             <a:r>
               <a:t>Body Level One</a:t>
             </a:r>
@@ -4426,7 +4645,9 @@
       <p:sp>
         <p:nvSpPr>
           <p:cNvPr id="4" name="Slide Number"/>
-          <p:cNvSpPr txBox="1"/>
+          <p:cNvSpPr txBox="1">
+            <a:spLocks noGrp="1"/>
+          </p:cNvSpPr>
           <p:nvPr>
             <p:ph type="sldNum" sz="quarter" idx="2"/>
           </p:nvPr>
@@ -4457,8 +4678,12 @@
             </a:lvl1pPr>
           </a:lstStyle>
           <a:p>
-            <a:pPr/>
-            <a:fld id="{86CB4B4D-7CA3-9044-876B-883B54F8677D}" type="slidenum"/>
+            <a:fld id="{86CB4B4D-7CA3-9044-876B-883B54F8677D}" type="slidenum">
+              <a:rPr/>
+              <a:pPr/>
+              <a:t>‹#›</a:t>
+            </a:fld>
+            <a:endParaRPr/>
           </a:p>
         </p:txBody>
       </p:sp>
@@ -4466,32 +4691,32 @@
   </p:cSld>
   <p:clrMap bg1="lt1" tx1="dk1" bg2="lt2" tx2="dk2" accent1="accent1" accent2="accent2" accent3="accent3" accent4="accent4" accent5="accent5" accent6="accent6" hlink="hlink" folHlink="folHlink"/>
   <p:sldLayoutIdLst>
-    <p:sldLayoutId id="2147483649" r:id="rId3"/>
-    <p:sldLayoutId id="2147483650" r:id="rId4"/>
-    <p:sldLayoutId id="2147483651" r:id="rId5"/>
-    <p:sldLayoutId id="2147483652" r:id="rId6"/>
-    <p:sldLayoutId id="2147483653" r:id="rId7"/>
-    <p:sldLayoutId id="2147483654" r:id="rId8"/>
-    <p:sldLayoutId id="2147483655" r:id="rId9"/>
-    <p:sldLayoutId id="2147483656" r:id="rId10"/>
-    <p:sldLayoutId id="2147483657" r:id="rId11"/>
-    <p:sldLayoutId id="2147483658" r:id="rId12"/>
-    <p:sldLayoutId id="2147483659" r:id="rId13"/>
-    <p:sldLayoutId id="2147483660" r:id="rId14"/>
-    <p:sldLayoutId id="2147483661" r:id="rId15"/>
-    <p:sldLayoutId id="2147483662" r:id="rId16"/>
-    <p:sldLayoutId id="2147483663" r:id="rId17"/>
-    <p:sldLayoutId id="2147483664" r:id="rId18"/>
-    <p:sldLayoutId id="2147483665" r:id="rId19"/>
-    <p:sldLayoutId id="2147483666" r:id="rId20"/>
-    <p:sldLayoutId id="2147483667" r:id="rId21"/>
-    <p:sldLayoutId id="2147483668" r:id="rId22"/>
-    <p:sldLayoutId id="2147483669" r:id="rId23"/>
-    <p:sldLayoutId id="2147483670" r:id="rId24"/>
-    <p:sldLayoutId id="2147483671" r:id="rId25"/>
-    <p:sldLayoutId id="2147483672" r:id="rId26"/>
+    <p:sldLayoutId id="2147483649" r:id="rId1"/>
+    <p:sldLayoutId id="2147483650" r:id="rId2"/>
+    <p:sldLayoutId id="2147483651" r:id="rId3"/>
+    <p:sldLayoutId id="2147483652" r:id="rId4"/>
+    <p:sldLayoutId id="2147483653" r:id="rId5"/>
+    <p:sldLayoutId id="2147483654" r:id="rId6"/>
+    <p:sldLayoutId id="2147483655" r:id="rId7"/>
+    <p:sldLayoutId id="2147483656" r:id="rId8"/>
+    <p:sldLayoutId id="2147483657" r:id="rId9"/>
+    <p:sldLayoutId id="2147483658" r:id="rId10"/>
+    <p:sldLayoutId id="2147483659" r:id="rId11"/>
+    <p:sldLayoutId id="2147483660" r:id="rId12"/>
+    <p:sldLayoutId id="2147483661" r:id="rId13"/>
+    <p:sldLayoutId id="2147483662" r:id="rId14"/>
+    <p:sldLayoutId id="2147483663" r:id="rId15"/>
+    <p:sldLayoutId id="2147483664" r:id="rId16"/>
+    <p:sldLayoutId id="2147483665" r:id="rId17"/>
+    <p:sldLayoutId id="2147483666" r:id="rId18"/>
+    <p:sldLayoutId id="2147483667" r:id="rId19"/>
+    <p:sldLayoutId id="2147483668" r:id="rId20"/>
+    <p:sldLayoutId id="2147483669" r:id="rId21"/>
+    <p:sldLayoutId id="2147483670" r:id="rId22"/>
+    <p:sldLayoutId id="2147483671" r:id="rId23"/>
+    <p:sldLayoutId id="2147483672" r:id="rId24"/>
   </p:sldLayoutIdLst>
-  <p:transition xmlns:p14="http://schemas.microsoft.com/office/powerpoint/2010/main" spd="med" advClick="1"/>
+  <p:transition spd="med"/>
   <p:txStyles>
     <p:titleStyle>
       <a:lvl1pPr marL="0" marR="0" indent="0" algn="ctr" defTabSz="457200" rtl="0" latinLnBrk="0">
@@ -4509,7 +4734,7 @@
         <a:buFontTx/>
         <a:buNone/>
         <a:tabLst/>
-        <a:defRPr b="0" baseline="0" cap="none" i="0" spc="0" strike="noStrike" sz="4400" u="none">
+        <a:defRPr sz="4400" b="0" i="0" u="none" strike="noStrike" cap="none" spc="0" baseline="0">
           <a:ln>
             <a:noFill/>
           </a:ln>
@@ -4538,7 +4763,7 @@
         <a:buFontTx/>
         <a:buNone/>
         <a:tabLst/>
-        <a:defRPr b="0" baseline="0" cap="none" i="0" spc="0" strike="noStrike" sz="4400" u="none">
+        <a:defRPr sz="4400" b="0" i="0" u="none" strike="noStrike" cap="none" spc="0" baseline="0">
           <a:ln>
             <a:noFill/>
           </a:ln>
@@ -4567,7 +4792,7 @@
         <a:buFontTx/>
         <a:buNone/>
         <a:tabLst/>
-        <a:defRPr b="0" baseline="0" cap="none" i="0" spc="0" strike="noStrike" sz="4400" u="none">
+        <a:defRPr sz="4400" b="0" i="0" u="none" strike="noStrike" cap="none" spc="0" baseline="0">
           <a:ln>
             <a:noFill/>
           </a:ln>
@@ -4596,7 +4821,7 @@
         <a:buFontTx/>
         <a:buNone/>
         <a:tabLst/>
-        <a:defRPr b="0" baseline="0" cap="none" i="0" spc="0" strike="noStrike" sz="4400" u="none">
+        <a:defRPr sz="4400" b="0" i="0" u="none" strike="noStrike" cap="none" spc="0" baseline="0">
           <a:ln>
             <a:noFill/>
           </a:ln>
@@ -4625,7 +4850,7 @@
         <a:buFontTx/>
         <a:buNone/>
         <a:tabLst/>
-        <a:defRPr b="0" baseline="0" cap="none" i="0" spc="0" strike="noStrike" sz="4400" u="none">
+        <a:defRPr sz="4400" b="0" i="0" u="none" strike="noStrike" cap="none" spc="0" baseline="0">
           <a:ln>
             <a:noFill/>
           </a:ln>
@@ -4654,7 +4879,7 @@
         <a:buFontTx/>
         <a:buNone/>
         <a:tabLst/>
-        <a:defRPr b="0" baseline="0" cap="none" i="0" spc="0" strike="noStrike" sz="4400" u="none">
+        <a:defRPr sz="4400" b="0" i="0" u="none" strike="noStrike" cap="none" spc="0" baseline="0">
           <a:ln>
             <a:noFill/>
           </a:ln>
@@ -4683,7 +4908,7 @@
         <a:buFontTx/>
         <a:buNone/>
         <a:tabLst/>
-        <a:defRPr b="0" baseline="0" cap="none" i="0" spc="0" strike="noStrike" sz="4400" u="none">
+        <a:defRPr sz="4400" b="0" i="0" u="none" strike="noStrike" cap="none" spc="0" baseline="0">
           <a:ln>
             <a:noFill/>
           </a:ln>
@@ -4712,7 +4937,7 @@
         <a:buFontTx/>
         <a:buNone/>
         <a:tabLst/>
-        <a:defRPr b="0" baseline="0" cap="none" i="0" spc="0" strike="noStrike" sz="4400" u="none">
+        <a:defRPr sz="4400" b="0" i="0" u="none" strike="noStrike" cap="none" spc="0" baseline="0">
           <a:ln>
             <a:noFill/>
           </a:ln>
@@ -4741,7 +4966,7 @@
         <a:buFontTx/>
         <a:buNone/>
         <a:tabLst/>
-        <a:defRPr b="0" baseline="0" cap="none" i="0" spc="0" strike="noStrike" sz="4400" u="none">
+        <a:defRPr sz="4400" b="0" i="0" u="none" strike="noStrike" cap="none" spc="0" baseline="0">
           <a:ln>
             <a:noFill/>
           </a:ln>
@@ -4772,7 +4997,7 @@
         <a:buFont typeface="Arial"/>
         <a:buChar char="•"/>
         <a:tabLst/>
-        <a:defRPr b="0" baseline="0" cap="none" i="0" spc="0" strike="noStrike" sz="3200" u="none">
+        <a:defRPr sz="3200" b="0" i="0" u="none" strike="noStrike" cap="none" spc="0" baseline="0">
           <a:ln>
             <a:noFill/>
           </a:ln>
@@ -4801,7 +5026,7 @@
         <a:buFont typeface="Arial"/>
         <a:buChar char="–"/>
         <a:tabLst/>
-        <a:defRPr b="0" baseline="0" cap="none" i="0" spc="0" strike="noStrike" sz="3200" u="none">
+        <a:defRPr sz="3200" b="0" i="0" u="none" strike="noStrike" cap="none" spc="0" baseline="0">
           <a:ln>
             <a:noFill/>
           </a:ln>
@@ -4830,7 +5055,7 @@
         <a:buFont typeface="Arial"/>
         <a:buChar char="•"/>
         <a:tabLst/>
-        <a:defRPr b="0" baseline="0" cap="none" i="0" spc="0" strike="noStrike" sz="3200" u="none">
+        <a:defRPr sz="3200" b="0" i="0" u="none" strike="noStrike" cap="none" spc="0" baseline="0">
           <a:ln>
             <a:noFill/>
           </a:ln>
@@ -4859,7 +5084,7 @@
         <a:buFont typeface="Arial"/>
         <a:buChar char="–"/>
         <a:tabLst/>
-        <a:defRPr b="0" baseline="0" cap="none" i="0" spc="0" strike="noStrike" sz="3200" u="none">
+        <a:defRPr sz="3200" b="0" i="0" u="none" strike="noStrike" cap="none" spc="0" baseline="0">
           <a:ln>
             <a:noFill/>
           </a:ln>
@@ -4888,7 +5113,7 @@
         <a:buFont typeface="Arial"/>
         <a:buChar char="»"/>
         <a:tabLst/>
-        <a:defRPr b="0" baseline="0" cap="none" i="0" spc="0" strike="noStrike" sz="3200" u="none">
+        <a:defRPr sz="3200" b="0" i="0" u="none" strike="noStrike" cap="none" spc="0" baseline="0">
           <a:ln>
             <a:noFill/>
           </a:ln>
@@ -4917,7 +5142,7 @@
         <a:buFont typeface="Arial"/>
         <a:buChar char="•"/>
         <a:tabLst/>
-        <a:defRPr b="0" baseline="0" cap="none" i="0" spc="0" strike="noStrike" sz="3200" u="none">
+        <a:defRPr sz="3200" b="0" i="0" u="none" strike="noStrike" cap="none" spc="0" baseline="0">
           <a:ln>
             <a:noFill/>
           </a:ln>
@@ -4946,7 +5171,7 @@
         <a:buFont typeface="Arial"/>
         <a:buChar char="•"/>
         <a:tabLst/>
-        <a:defRPr b="0" baseline="0" cap="none" i="0" spc="0" strike="noStrike" sz="3200" u="none">
+        <a:defRPr sz="3200" b="0" i="0" u="none" strike="noStrike" cap="none" spc="0" baseline="0">
           <a:ln>
             <a:noFill/>
           </a:ln>
@@ -4975,7 +5200,7 @@
         <a:buFont typeface="Arial"/>
         <a:buChar char="•"/>
         <a:tabLst/>
-        <a:defRPr b="0" baseline="0" cap="none" i="0" spc="0" strike="noStrike" sz="3200" u="none">
+        <a:defRPr sz="3200" b="0" i="0" u="none" strike="noStrike" cap="none" spc="0" baseline="0">
           <a:ln>
             <a:noFill/>
           </a:ln>
@@ -5004,7 +5229,7 @@
         <a:buFont typeface="Arial"/>
         <a:buChar char="•"/>
         <a:tabLst/>
-        <a:defRPr b="0" baseline="0" cap="none" i="0" spc="0" strike="noStrike" sz="3200" u="none">
+        <a:defRPr sz="3200" b="0" i="0" u="none" strike="noStrike" cap="none" spc="0" baseline="0">
           <a:ln>
             <a:noFill/>
           </a:ln>
@@ -5035,7 +5260,7 @@
         <a:buFontTx/>
         <a:buNone/>
         <a:tabLst/>
-        <a:defRPr b="0" baseline="0" cap="none" i="0" spc="0" strike="noStrike" sz="1200" u="none">
+        <a:defRPr sz="1200" b="0" i="0" u="none" strike="noStrike" cap="none" spc="0" baseline="0">
           <a:ln>
             <a:noFill/>
           </a:ln>
@@ -5064,7 +5289,7 @@
         <a:buFontTx/>
         <a:buNone/>
         <a:tabLst/>
-        <a:defRPr b="0" baseline="0" cap="none" i="0" spc="0" strike="noStrike" sz="1200" u="none">
+        <a:defRPr sz="1200" b="0" i="0" u="none" strike="noStrike" cap="none" spc="0" baseline="0">
           <a:ln>
             <a:noFill/>
           </a:ln>
@@ -5093,7 +5318,7 @@
         <a:buFontTx/>
         <a:buNone/>
         <a:tabLst/>
-        <a:defRPr b="0" baseline="0" cap="none" i="0" spc="0" strike="noStrike" sz="1200" u="none">
+        <a:defRPr sz="1200" b="0" i="0" u="none" strike="noStrike" cap="none" spc="0" baseline="0">
           <a:ln>
             <a:noFill/>
           </a:ln>
@@ -5122,7 +5347,7 @@
         <a:buFontTx/>
         <a:buNone/>
         <a:tabLst/>
-        <a:defRPr b="0" baseline="0" cap="none" i="0" spc="0" strike="noStrike" sz="1200" u="none">
+        <a:defRPr sz="1200" b="0" i="0" u="none" strike="noStrike" cap="none" spc="0" baseline="0">
           <a:ln>
             <a:noFill/>
           </a:ln>
@@ -5151,7 +5376,7 @@
         <a:buFontTx/>
         <a:buNone/>
         <a:tabLst/>
-        <a:defRPr b="0" baseline="0" cap="none" i="0" spc="0" strike="noStrike" sz="1200" u="none">
+        <a:defRPr sz="1200" b="0" i="0" u="none" strike="noStrike" cap="none" spc="0" baseline="0">
           <a:ln>
             <a:noFill/>
           </a:ln>
@@ -5180,7 +5405,7 @@
         <a:buFontTx/>
         <a:buNone/>
         <a:tabLst/>
-        <a:defRPr b="0" baseline="0" cap="none" i="0" spc="0" strike="noStrike" sz="1200" u="none">
+        <a:defRPr sz="1200" b="0" i="0" u="none" strike="noStrike" cap="none" spc="0" baseline="0">
           <a:ln>
             <a:noFill/>
           </a:ln>
@@ -5209,7 +5434,7 @@
         <a:buFontTx/>
         <a:buNone/>
         <a:tabLst/>
-        <a:defRPr b="0" baseline="0" cap="none" i="0" spc="0" strike="noStrike" sz="1200" u="none">
+        <a:defRPr sz="1200" b="0" i="0" u="none" strike="noStrike" cap="none" spc="0" baseline="0">
           <a:ln>
             <a:noFill/>
           </a:ln>
@@ -5238,7 +5463,7 @@
         <a:buFontTx/>
         <a:buNone/>
         <a:tabLst/>
-        <a:defRPr b="0" baseline="0" cap="none" i="0" spc="0" strike="noStrike" sz="1200" u="none">
+        <a:defRPr sz="1200" b="0" i="0" u="none" strike="noStrike" cap="none" spc="0" baseline="0">
           <a:ln>
             <a:noFill/>
           </a:ln>
@@ -5267,7 +5492,7 @@
         <a:buFontTx/>
         <a:buNone/>
         <a:tabLst/>
-        <a:defRPr b="0" baseline="0" cap="none" i="0" spc="0" strike="noStrike" sz="1200" u="none">
+        <a:defRPr sz="1200" b="0" i="0" u="none" strike="noStrike" cap="none" spc="0" baseline="0">
           <a:ln>
             <a:noFill/>
           </a:ln>
@@ -5287,17 +5512,18 @@
 </file>
 
 <file path=ppt/slides/slide1.xml><?xml version="1.0" encoding="utf-8"?>
-<p:sld xmlns:a="http://schemas.openxmlformats.org/drawingml/2006/main" xmlns:r="http://schemas.openxmlformats.org/officeDocument/2006/relationships" xmlns:p="http://schemas.openxmlformats.org/presentationml/2006/main" showMasterSp="1" showMasterPhAnim="1">
+<p:sld xmlns:a="http://schemas.openxmlformats.org/drawingml/2006/main" xmlns:r="http://schemas.openxmlformats.org/officeDocument/2006/relationships" xmlns:p="http://schemas.openxmlformats.org/presentationml/2006/main">
   <p:cSld>
     <p:bg>
       <p:bgPr>
         <a:blipFill rotWithShape="1">
-          <a:blip r:embed="rId2"/>
-          <a:srcRect l="0" t="0" r="0" b="0"/>
+          <a:blip r:embed="rId2" cstate="print"/>
+          <a:srcRect/>
           <a:stretch>
             <a:fillRect/>
           </a:stretch>
         </a:blipFill>
+        <a:effectLst/>
       </p:bgPr>
     </p:bg>
     <p:spTree>
@@ -5317,7 +5543,9 @@
       <p:sp>
         <p:nvSpPr>
           <p:cNvPr id="227" name="Title 4"/>
-          <p:cNvSpPr txBox="1"/>
+          <p:cNvSpPr txBox="1">
+            <a:spLocks noGrp="1"/>
+          </p:cNvSpPr>
           <p:nvPr>
             <p:ph type="ctrTitle"/>
           </p:nvPr>
@@ -5343,10 +5571,14 @@
               </a:defRPr>
             </a:pPr>
             <a:r>
+              <a:rPr dirty="0"/>
               <a:t>Dynamically Adaptable Software </a:t>
             </a:r>
-            <a:br/>
-            <a:r>
+            <a:br>
+              <a:rPr dirty="0"/>
+            </a:br>
+            <a:r>
+              <a:rPr dirty="0"/>
               <a:t>Is All About Modeling Contextual Variability and Avoiding Failures</a:t>
             </a:r>
           </a:p>
@@ -5355,7 +5587,9 @@
       <p:sp>
         <p:nvSpPr>
           <p:cNvPr id="228" name="Subtitle 5"/>
-          <p:cNvSpPr txBox="1"/>
+          <p:cNvSpPr txBox="1">
+            <a:spLocks noGrp="1"/>
+          </p:cNvSpPr>
           <p:nvPr>
             <p:ph type="subTitle" sz="quarter" idx="1"/>
           </p:nvPr>
@@ -5383,6 +5617,7 @@
                 </a:solidFill>
               </a:defRPr>
             </a:pPr>
+            <a:endParaRPr dirty="0"/>
           </a:p>
           <a:p>
             <a:pPr lvl="1" indent="384047" algn="l" defTabSz="384047">
@@ -5396,12 +5631,21 @@
               </a:defRPr>
             </a:pPr>
             <a:r>
-              <a:t>Presented by  : Team 11</a:t>
-            </a:r>
-            <a:endParaRPr sz="2351"/>
-          </a:p>
-          <a:p>
-            <a:pPr lvl="1" marL="624077" indent="-240029" algn="l" defTabSz="384047">
+              <a:rPr dirty="0"/>
+              <a:t>Presented </a:t>
+            </a:r>
+            <a:r>
+              <a:rPr dirty="0" smtClean="0"/>
+              <a:t>by: </a:t>
+            </a:r>
+            <a:r>
+              <a:rPr dirty="0"/>
+              <a:t>Team 11</a:t>
+            </a:r>
+            <a:endParaRPr sz="2351" dirty="0"/>
+          </a:p>
+          <a:p>
+            <a:pPr marL="624077" lvl="1" indent="-240029" algn="l" defTabSz="384047">
               <a:spcBef>
                 <a:spcPts val="300"/>
               </a:spcBef>
@@ -5415,11 +5659,17 @@
               </a:defRPr>
             </a:pPr>
             <a:r>
-              <a:t>Cameron L’Ecuyer</a:t>
-            </a:r>
-          </a:p>
-          <a:p>
-            <a:pPr lvl="1" marL="624077" indent="-240029" algn="l" defTabSz="384047">
+              <a:rPr dirty="0"/>
+              <a:t>Cameron </a:t>
+            </a:r>
+            <a:r>
+              <a:rPr dirty="0" err="1"/>
+              <a:t>L’Ecuyer</a:t>
+            </a:r>
+            <a:endParaRPr dirty="0"/>
+          </a:p>
+          <a:p>
+            <a:pPr marL="624077" lvl="1" indent="-240029" algn="l" defTabSz="384047">
               <a:spcBef>
                 <a:spcPts val="300"/>
               </a:spcBef>
@@ -5433,12 +5683,21 @@
               </a:defRPr>
             </a:pPr>
             <a:r>
-              <a:t>Ruthvic Punyamurtula</a:t>
-            </a:r>
-            <a:endParaRPr sz="2351"/>
-          </a:p>
-          <a:p>
-            <a:pPr lvl="1" marL="624077" indent="-240029" algn="l" defTabSz="384047">
+              <a:rPr dirty="0" err="1"/>
+              <a:t>Ruthvic</a:t>
+            </a:r>
+            <a:r>
+              <a:rPr dirty="0"/>
+              <a:t> </a:t>
+            </a:r>
+            <a:r>
+              <a:rPr dirty="0" err="1"/>
+              <a:t>Punyamurtula</a:t>
+            </a:r>
+            <a:endParaRPr sz="2351" dirty="0"/>
+          </a:p>
+          <a:p>
+            <a:pPr marL="624077" lvl="1" indent="-240029" algn="l" defTabSz="384047">
               <a:spcBef>
                 <a:spcPts val="300"/>
               </a:spcBef>
@@ -5452,12 +5711,21 @@
               </a:defRPr>
             </a:pPr>
             <a:r>
-              <a:t>Sneha Mishra</a:t>
-            </a:r>
-            <a:endParaRPr sz="2351"/>
-          </a:p>
-          <a:p>
-            <a:pPr lvl="1" marL="624077" indent="-240029" algn="l" defTabSz="384047">
+              <a:rPr dirty="0" err="1"/>
+              <a:t>Sneha</a:t>
+            </a:r>
+            <a:r>
+              <a:rPr dirty="0"/>
+              <a:t> </a:t>
+            </a:r>
+            <a:r>
+              <a:rPr dirty="0" err="1"/>
+              <a:t>Mishra</a:t>
+            </a:r>
+            <a:endParaRPr sz="2351" dirty="0"/>
+          </a:p>
+          <a:p>
+            <a:pPr marL="624077" lvl="1" indent="-240029" algn="l" defTabSz="384047">
               <a:spcBef>
                 <a:spcPts val="300"/>
               </a:spcBef>
@@ -5471,8 +5739,18 @@
               </a:defRPr>
             </a:pPr>
             <a:r>
-              <a:t>Navya Pillala</a:t>
-            </a:r>
+              <a:rPr dirty="0" err="1"/>
+              <a:t>Navya</a:t>
+            </a:r>
+            <a:r>
+              <a:rPr dirty="0"/>
+              <a:t> </a:t>
+            </a:r>
+            <a:r>
+              <a:rPr dirty="0" err="1"/>
+              <a:t>Pillala</a:t>
+            </a:r>
+            <a:endParaRPr dirty="0"/>
           </a:p>
         </p:txBody>
       </p:sp>
@@ -5481,12 +5759,12 @@
   <p:clrMapOvr>
     <a:masterClrMapping/>
   </p:clrMapOvr>
-  <p:transition xmlns:p14="http://schemas.microsoft.com/office/powerpoint/2010/main" spd="med" advClick="1"/>
+  <p:transition spd="med"/>
 </p:sld>
 </file>
 
 <file path=ppt/slides/slide10.xml><?xml version="1.0" encoding="utf-8"?>
-<p:sld xmlns:a="http://schemas.openxmlformats.org/drawingml/2006/main" xmlns:r="http://schemas.openxmlformats.org/officeDocument/2006/relationships" xmlns:p="http://schemas.openxmlformats.org/presentationml/2006/main" showMasterSp="1" showMasterPhAnim="1">
+<p:sld xmlns:a="http://schemas.openxmlformats.org/drawingml/2006/main" xmlns:r="http://schemas.openxmlformats.org/officeDocument/2006/relationships" xmlns:p="http://schemas.openxmlformats.org/presentationml/2006/main">
   <p:cSld>
     <p:spTree>
       <p:nvGrpSpPr>
@@ -5505,7 +5783,9 @@
       <p:sp>
         <p:nvSpPr>
           <p:cNvPr id="256" name="Model Checking with eCFM"/>
-          <p:cNvSpPr txBox="1"/>
+          <p:cNvSpPr txBox="1">
+            <a:spLocks noGrp="1"/>
+          </p:cNvSpPr>
           <p:nvPr>
             <p:ph type="title"/>
           </p:nvPr>
@@ -5519,7 +5799,6 @@
           <a:bodyPr/>
           <a:lstStyle/>
           <a:p>
-            <a:pPr/>
             <a:r>
               <a:t>Model Checking with eCFM </a:t>
             </a:r>
@@ -5530,7 +5809,9 @@
       <p:sp>
         <p:nvSpPr>
           <p:cNvPr id="257" name="What is Model Checking?"/>
-          <p:cNvSpPr txBox="1"/>
+          <p:cNvSpPr txBox="1">
+            <a:spLocks noGrp="1"/>
+          </p:cNvSpPr>
           <p:nvPr>
             <p:ph type="body" idx="1"/>
           </p:nvPr>
@@ -5562,7 +5843,6 @@
             </a:lvl1pPr>
           </a:lstStyle>
           <a:p>
-            <a:pPr/>
             <a:r>
               <a:t>What is Model Checking?</a:t>
             </a:r>
@@ -5588,7 +5868,7 @@
           </a:ln>
           <a:extLst>
             <a:ext uri="{C572A759-6A51-4108-AA02-DFA0A04FC94B}">
-              <ma14:wrappingTextBoxFlag xmlns:ma14="http://schemas.microsoft.com/office/mac/drawingml/2011/main" val="1"/>
+              <ma14:wrappingTextBoxFlag xmlns:ma14="http://schemas.microsoft.com/office/mac/drawingml/2011/main" xmlns="" val="1"/>
             </a:ext>
           </a:extLst>
         </p:spPr>
@@ -5607,7 +5887,6 @@
             </a:lvl1pPr>
           </a:lstStyle>
           <a:p>
-            <a:pPr/>
             <a:r>
               <a:t>This kind of model??</a:t>
             </a:r>
@@ -5633,7 +5912,7 @@
           </a:ln>
           <a:extLst>
             <a:ext uri="{C572A759-6A51-4108-AA02-DFA0A04FC94B}">
-              <ma14:wrappingTextBoxFlag xmlns:ma14="http://schemas.microsoft.com/office/mac/drawingml/2011/main" val="1"/>
+              <ma14:wrappingTextBoxFlag xmlns:ma14="http://schemas.microsoft.com/office/mac/drawingml/2011/main" xmlns="" val="1"/>
             </a:ext>
           </a:extLst>
         </p:spPr>
@@ -5652,7 +5931,6 @@
             </a:lvl1pPr>
           </a:lstStyle>
           <a:p>
-            <a:pPr/>
             <a:r>
               <a:t>Unfortunately, no….</a:t>
             </a:r>
@@ -5668,7 +5946,7 @@
           <p:nvPr/>
         </p:nvPicPr>
         <p:blipFill>
-          <a:blip r:embed="rId2">
+          <a:blip r:embed="rId2" cstate="print">
             <a:extLst/>
           </a:blip>
           <a:stretch>
@@ -5693,12 +5971,12 @@
   <p:clrMapOvr>
     <a:masterClrMapping/>
   </p:clrMapOvr>
-  <p:transition xmlns:p14="http://schemas.microsoft.com/office/powerpoint/2010/main" spd="med" advClick="1"/>
+  <p:transition spd="med"/>
 </p:sld>
 </file>
 
 <file path=ppt/slides/slide11.xml><?xml version="1.0" encoding="utf-8"?>
-<p:sld xmlns:a="http://schemas.openxmlformats.org/drawingml/2006/main" xmlns:r="http://schemas.openxmlformats.org/officeDocument/2006/relationships" xmlns:p="http://schemas.openxmlformats.org/presentationml/2006/main" showMasterSp="1" showMasterPhAnim="1">
+<p:sld xmlns:a="http://schemas.openxmlformats.org/drawingml/2006/main" xmlns:r="http://schemas.openxmlformats.org/officeDocument/2006/relationships" xmlns:p="http://schemas.openxmlformats.org/presentationml/2006/main">
   <p:cSld>
     <p:spTree>
       <p:nvGrpSpPr>
@@ -5717,7 +5995,9 @@
       <p:sp>
         <p:nvSpPr>
           <p:cNvPr id="262" name="Model Checking with eCFM"/>
-          <p:cNvSpPr txBox="1"/>
+          <p:cNvSpPr txBox="1">
+            <a:spLocks noGrp="1"/>
+          </p:cNvSpPr>
           <p:nvPr>
             <p:ph type="title"/>
           </p:nvPr>
@@ -5731,7 +6011,6 @@
           <a:bodyPr/>
           <a:lstStyle/>
           <a:p>
-            <a:pPr/>
             <a:r>
               <a:t>Model Checking with eCFM </a:t>
             </a:r>
@@ -5742,7 +6021,9 @@
       <p:sp>
         <p:nvSpPr>
           <p:cNvPr id="263" name="Engineers created a context evolution model.…"/>
-          <p:cNvSpPr txBox="1"/>
+          <p:cNvSpPr txBox="1">
+            <a:spLocks noGrp="1"/>
+          </p:cNvSpPr>
           <p:nvPr>
             <p:ph type="body" idx="1"/>
           </p:nvPr>
@@ -5756,19 +6037,16 @@
           <a:bodyPr/>
           <a:lstStyle/>
           <a:p>
-            <a:pPr/>
             <a:r>
               <a:t>Engineers created a context evolution model.</a:t>
             </a:r>
           </a:p>
           <a:p>
-            <a:pPr/>
             <a:r>
               <a:t>Engineers use the information obtained from the DAS domain analysis to specify an eCFM model. </a:t>
             </a:r>
           </a:p>
           <a:p>
-            <a:pPr/>
             <a:r>
               <a:t>Engineers check the behavioral properties against the DAS’s adaptive behavior.</a:t>
             </a:r>
@@ -5780,12 +6058,12 @@
   <p:clrMapOvr>
     <a:masterClrMapping/>
   </p:clrMapOvr>
-  <p:transition xmlns:p14="http://schemas.microsoft.com/office/powerpoint/2010/main" spd="med" advClick="1"/>
+  <p:transition spd="med"/>
 </p:sld>
 </file>
 
 <file path=ppt/slides/slide12.xml><?xml version="1.0" encoding="utf-8"?>
-<p:sld xmlns:a="http://schemas.openxmlformats.org/drawingml/2006/main" xmlns:r="http://schemas.openxmlformats.org/officeDocument/2006/relationships" xmlns:p="http://schemas.openxmlformats.org/presentationml/2006/main" showMasterSp="1" showMasterPhAnim="1">
+<p:sld xmlns:a="http://schemas.openxmlformats.org/drawingml/2006/main" xmlns:r="http://schemas.openxmlformats.org/officeDocument/2006/relationships" xmlns:p="http://schemas.openxmlformats.org/presentationml/2006/main">
   <p:cSld>
     <p:spTree>
       <p:nvGrpSpPr>
@@ -5804,7 +6082,9 @@
       <p:sp>
         <p:nvSpPr>
           <p:cNvPr id="265" name="DAS behavioral properties in context of eCFM."/>
-          <p:cNvSpPr txBox="1"/>
+          <p:cNvSpPr txBox="1">
+            <a:spLocks noGrp="1"/>
+          </p:cNvSpPr>
           <p:nvPr>
             <p:ph type="title"/>
           </p:nvPr>
@@ -5822,7 +6102,6 @@
             </a:lvl1pPr>
           </a:lstStyle>
           <a:p>
-            <a:pPr/>
             <a:r>
               <a:t>DAS behavioral properties in context of eCFM.  </a:t>
             </a:r>
@@ -5833,7 +6112,9 @@
       <p:sp>
         <p:nvSpPr>
           <p:cNvPr id="266" name="Configuration correctness - specifies that each DAS configuration at run time should conform to eCFM rules.…"/>
-          <p:cNvSpPr txBox="1"/>
+          <p:cNvSpPr txBox="1">
+            <a:spLocks noGrp="1"/>
+          </p:cNvSpPr>
           <p:nvPr>
             <p:ph type="body" idx="1"/>
           </p:nvPr>
@@ -5848,12 +6129,14 @@
           </a:prstGeom>
         </p:spPr>
         <p:txBody>
-          <a:bodyPr/>
+          <a:bodyPr>
+            <a:normAutofit lnSpcReduction="10000"/>
+          </a:bodyPr>
           <a:lstStyle/>
           <a:p>
             <a:pPr marL="423511" indent="-423511" defTabSz="452627">
               <a:buFontTx/>
-              <a:buAutoNum type="arabicPeriod" startAt="1"/>
+              <a:buAutoNum type="arabicPeriod"/>
               <a:defRPr sz="3168"/>
             </a:pPr>
             <a:r>
@@ -5867,7 +6150,7 @@
           <a:p>
             <a:pPr marL="423511" indent="-423511" defTabSz="452627">
               <a:buFontTx/>
-              <a:buAutoNum type="arabicPeriod" startAt="1"/>
+              <a:buAutoNum type="arabicPeriod"/>
               <a:defRPr sz="3168"/>
             </a:pPr>
             <a:r>
@@ -5881,7 +6164,7 @@
           <a:p>
             <a:pPr marL="423511" indent="-423511" defTabSz="452627">
               <a:buFontTx/>
-              <a:buAutoNum type="arabicPeriod" startAt="1"/>
+              <a:buAutoNum type="arabicPeriod"/>
               <a:defRPr sz="3168"/>
             </a:pPr>
             <a:r>
@@ -5899,12 +6182,12 @@
   <p:clrMapOvr>
     <a:masterClrMapping/>
   </p:clrMapOvr>
-  <p:transition xmlns:p14="http://schemas.microsoft.com/office/powerpoint/2010/main" spd="med" advClick="1"/>
+  <p:transition spd="med"/>
 </p:sld>
 </file>
 
 <file path=ppt/slides/slide13.xml><?xml version="1.0" encoding="utf-8"?>
-<p:sld xmlns:a="http://schemas.openxmlformats.org/drawingml/2006/main" xmlns:r="http://schemas.openxmlformats.org/officeDocument/2006/relationships" xmlns:p="http://schemas.openxmlformats.org/presentationml/2006/main" showMasterSp="1" showMasterPhAnim="1">
+<p:sld xmlns:a="http://schemas.openxmlformats.org/drawingml/2006/main" xmlns:r="http://schemas.openxmlformats.org/officeDocument/2006/relationships" xmlns:p="http://schemas.openxmlformats.org/presentationml/2006/main">
   <p:cSld>
     <p:spTree>
       <p:nvGrpSpPr>
@@ -5923,7 +6206,9 @@
       <p:sp>
         <p:nvSpPr>
           <p:cNvPr id="268" name="Model Checking with eCFM"/>
-          <p:cNvSpPr txBox="1"/>
+          <p:cNvSpPr txBox="1">
+            <a:spLocks noGrp="1"/>
+          </p:cNvSpPr>
           <p:nvPr>
             <p:ph type="title"/>
           </p:nvPr>
@@ -5937,7 +6222,6 @@
           <a:bodyPr/>
           <a:lstStyle/>
           <a:p>
-            <a:pPr/>
             <a:r>
               <a:t>Model Checking with eCFM </a:t>
             </a:r>
@@ -5948,7 +6232,9 @@
       <p:sp>
         <p:nvSpPr>
           <p:cNvPr id="269" name="Feature liveness - specifies that each system feature should be active in some DAS configuration.…"/>
-          <p:cNvSpPr txBox="1"/>
+          <p:cNvSpPr txBox="1">
+            <a:spLocks noGrp="1"/>
+          </p:cNvSpPr>
           <p:nvPr>
             <p:ph type="body" idx="1"/>
           </p:nvPr>
@@ -5964,7 +6250,7 @@
           <a:p>
             <a:pPr marL="427789" indent="-427789">
               <a:buFontTx/>
-              <a:buAutoNum type="arabicPeriod" startAt="1"/>
+              <a:buAutoNum type="arabicPeriod"/>
             </a:pPr>
             <a:r>
               <a:rPr u="sng"/>
@@ -5977,7 +6263,7 @@
           <a:p>
             <a:pPr marL="427789" indent="-427789">
               <a:buFontTx/>
-              <a:buAutoNum type="arabicPeriod" startAt="1"/>
+              <a:buAutoNum type="arabicPeriod"/>
             </a:pPr>
             <a:r>
               <a:rPr u="sng"/>
@@ -5994,22 +6280,23 @@
   <p:clrMapOvr>
     <a:masterClrMapping/>
   </p:clrMapOvr>
-  <p:transition xmlns:p14="http://schemas.microsoft.com/office/powerpoint/2010/main" spd="med" advClick="1"/>
+  <p:transition spd="med"/>
 </p:sld>
 </file>
 
 <file path=ppt/slides/slide14.xml><?xml version="1.0" encoding="utf-8"?>
-<p:sld xmlns:a="http://schemas.openxmlformats.org/drawingml/2006/main" xmlns:r="http://schemas.openxmlformats.org/officeDocument/2006/relationships" xmlns:p="http://schemas.openxmlformats.org/presentationml/2006/main" showMasterSp="1" showMasterPhAnim="1">
+<p:sld xmlns:a="http://schemas.openxmlformats.org/drawingml/2006/main" xmlns:r="http://schemas.openxmlformats.org/officeDocument/2006/relationships" xmlns:p="http://schemas.openxmlformats.org/presentationml/2006/main">
   <p:cSld>
     <p:bg>
       <p:bgPr>
         <a:blipFill rotWithShape="1">
-          <a:blip r:embed="rId2"/>
-          <a:srcRect l="0" t="0" r="0" b="0"/>
+          <a:blip r:embed="rId2" cstate="print"/>
+          <a:srcRect/>
           <a:stretch>
             <a:fillRect/>
           </a:stretch>
         </a:blipFill>
+        <a:effectLst/>
       </p:bgPr>
     </p:bg>
     <p:spTree>
@@ -6029,7 +6316,9 @@
       <p:sp>
         <p:nvSpPr>
           <p:cNvPr id="271" name="Title 4"/>
-          <p:cNvSpPr txBox="1"/>
+          <p:cNvSpPr txBox="1">
+            <a:spLocks noGrp="1"/>
+          </p:cNvSpPr>
           <p:nvPr>
             <p:ph type="ctrTitle"/>
           </p:nvPr>
@@ -6055,7 +6344,6 @@
             </a:lvl1pPr>
           </a:lstStyle>
           <a:p>
-            <a:pPr/>
             <a:r>
               <a:t>Thank You</a:t>
             </a:r>
@@ -6065,7 +6353,9 @@
       <p:sp>
         <p:nvSpPr>
           <p:cNvPr id="272" name="Subtitle 5"/>
-          <p:cNvSpPr txBox="1"/>
+          <p:cNvSpPr txBox="1">
+            <a:spLocks noGrp="1"/>
+          </p:cNvSpPr>
           <p:nvPr>
             <p:ph type="subTitle" sz="quarter" idx="1"/>
           </p:nvPr>
@@ -6093,6 +6383,7 @@
                 </a:solidFill>
               </a:defRPr>
             </a:pPr>
+            <a:endParaRPr dirty="0"/>
           </a:p>
           <a:p>
             <a:pPr lvl="1" algn="l">
@@ -6106,9 +6397,18 @@
               </a:defRPr>
             </a:pPr>
             <a:r>
-              <a:t>Presented by  : Team 11</a:t>
-            </a:r>
-            <a:endParaRPr sz="2800"/>
+              <a:rPr dirty="0"/>
+              <a:t>Presented </a:t>
+            </a:r>
+            <a:r>
+              <a:rPr dirty="0" smtClean="0"/>
+              <a:t>by: </a:t>
+            </a:r>
+            <a:r>
+              <a:rPr dirty="0"/>
+              <a:t>Team 11</a:t>
+            </a:r>
+            <a:endParaRPr sz="2800" dirty="0"/>
           </a:p>
           <a:p>
             <a:pPr lvl="1" algn="l">
@@ -6122,6 +6422,7 @@
               </a:defRPr>
             </a:pPr>
             <a:r>
+              <a:rPr dirty="0"/>
               <a:t>CS5551 - ASE</a:t>
             </a:r>
           </a:p>
@@ -6132,12 +6433,12 @@
   <p:clrMapOvr>
     <a:masterClrMapping/>
   </p:clrMapOvr>
-  <p:transition xmlns:p14="http://schemas.microsoft.com/office/powerpoint/2010/main" spd="med" advClick="1"/>
+  <p:transition spd="med"/>
 </p:sld>
 </file>
 
 <file path=ppt/slides/slide2.xml><?xml version="1.0" encoding="utf-8"?>
-<p:sld xmlns:a="http://schemas.openxmlformats.org/drawingml/2006/main" xmlns:r="http://schemas.openxmlformats.org/officeDocument/2006/relationships" xmlns:p="http://schemas.openxmlformats.org/presentationml/2006/main" showMasterSp="1" showMasterPhAnim="1">
+<p:sld xmlns:a="http://schemas.openxmlformats.org/drawingml/2006/main" xmlns:r="http://schemas.openxmlformats.org/officeDocument/2006/relationships" xmlns:p="http://schemas.openxmlformats.org/presentationml/2006/main">
   <p:cSld>
     <p:spTree>
       <p:nvGrpSpPr>
@@ -6156,7 +6457,9 @@
       <p:sp>
         <p:nvSpPr>
           <p:cNvPr id="230" name="Title 1"/>
-          <p:cNvSpPr txBox="1"/>
+          <p:cNvSpPr txBox="1">
+            <a:spLocks noGrp="1"/>
+          </p:cNvSpPr>
           <p:nvPr>
             <p:ph type="title"/>
           </p:nvPr>
@@ -6182,7 +6485,6 @@
             </a:lvl1pPr>
           </a:lstStyle>
           <a:p>
-            <a:pPr/>
             <a:r>
               <a:t>Dynamically Adaptable Software</a:t>
             </a:r>
@@ -6192,7 +6494,9 @@
       <p:sp>
         <p:nvSpPr>
           <p:cNvPr id="231" name="Content Placeholder 2"/>
-          <p:cNvSpPr txBox="1"/>
+          <p:cNvSpPr txBox="1">
+            <a:spLocks noGrp="1"/>
+          </p:cNvSpPr>
           <p:nvPr>
             <p:ph type="body" idx="1"/>
           </p:nvPr>
@@ -6231,6 +6535,7 @@
                 <a:srgbClr val="0072BC"/>
               </a:buClr>
             </a:pPr>
+            <a:endParaRPr/>
           </a:p>
           <a:p>
             <a:pPr>
@@ -6254,6 +6559,7 @@
                 <a:srgbClr val="0072BC"/>
               </a:buClr>
             </a:pPr>
+            <a:endParaRPr/>
           </a:p>
           <a:p>
             <a:pPr>
@@ -6275,12 +6581,12 @@
   <p:clrMapOvr>
     <a:masterClrMapping/>
   </p:clrMapOvr>
-  <p:transition xmlns:p14="http://schemas.microsoft.com/office/powerpoint/2010/main" spd="med" advClick="1"/>
+  <p:transition spd="med"/>
 </p:sld>
 </file>
 
 <file path=ppt/slides/slide3.xml><?xml version="1.0" encoding="utf-8"?>
-<p:sld xmlns:a="http://schemas.openxmlformats.org/drawingml/2006/main" xmlns:r="http://schemas.openxmlformats.org/officeDocument/2006/relationships" xmlns:p="http://schemas.openxmlformats.org/presentationml/2006/main" showMasterSp="1" showMasterPhAnim="1">
+<p:sld xmlns:a="http://schemas.openxmlformats.org/drawingml/2006/main" xmlns:r="http://schemas.openxmlformats.org/officeDocument/2006/relationships" xmlns:p="http://schemas.openxmlformats.org/presentationml/2006/main">
   <p:cSld>
     <p:spTree>
       <p:nvGrpSpPr>
@@ -6299,7 +6605,9 @@
       <p:sp>
         <p:nvSpPr>
           <p:cNvPr id="233" name="Title 1"/>
-          <p:cNvSpPr txBox="1"/>
+          <p:cNvSpPr txBox="1">
+            <a:spLocks noGrp="1"/>
+          </p:cNvSpPr>
           <p:nvPr>
             <p:ph type="title"/>
           </p:nvPr>
@@ -6325,17 +6633,24 @@
             </a:lvl1pPr>
           </a:lstStyle>
           <a:p>
-            <a:pPr/>
-            <a:r>
-              <a:t>DSP Modelling</a:t>
-            </a:r>
+            <a:r>
+              <a:rPr dirty="0"/>
+              <a:t>DSP </a:t>
+            </a:r>
+            <a:r>
+              <a:rPr dirty="0" smtClean="0"/>
+              <a:t>Modeling</a:t>
+            </a:r>
+            <a:endParaRPr dirty="0"/>
           </a:p>
         </p:txBody>
       </p:sp>
       <p:sp>
         <p:nvSpPr>
           <p:cNvPr id="234" name="Content Placeholder 2"/>
-          <p:cNvSpPr txBox="1"/>
+          <p:cNvSpPr txBox="1">
+            <a:spLocks noGrp="1"/>
+          </p:cNvSpPr>
           <p:nvPr>
             <p:ph type="body" idx="1"/>
           </p:nvPr>
@@ -6359,6 +6674,7 @@
               </a:buClr>
             </a:pPr>
             <a:r>
+              <a:rPr dirty="0"/>
               <a:t>One of the most effective variable modeling techniques (VMTs) was context-aware feature modeling (CFM)</a:t>
             </a:r>
           </a:p>
@@ -6367,6 +6683,7 @@
               <a:buSzTx/>
               <a:buNone/>
             </a:pPr>
+            <a:endParaRPr dirty="0"/>
           </a:p>
           <a:p>
             <a:pPr>
@@ -6375,7 +6692,28 @@
               </a:buClr>
             </a:pPr>
             <a:r>
-              <a:t>eCFM or extended CFM were created to handle limitations of CFM</a:t>
+              <a:rPr dirty="0" err="1"/>
+              <a:t>eCFM</a:t>
+            </a:r>
+            <a:r>
+              <a:rPr dirty="0"/>
+              <a:t> or extended CFM </a:t>
+            </a:r>
+            <a:r>
+              <a:rPr dirty="0" smtClean="0"/>
+              <a:t>w</a:t>
+            </a:r>
+            <a:r>
+              <a:rPr lang="en-US" dirty="0" smtClean="0"/>
+              <a:t>as</a:t>
+            </a:r>
+            <a:r>
+              <a:rPr dirty="0" smtClean="0"/>
+              <a:t> </a:t>
+            </a:r>
+            <a:r>
+              <a:rPr dirty="0"/>
+              <a:t>created to handle limitations of CFM</a:t>
             </a:r>
           </a:p>
         </p:txBody>
@@ -6385,12 +6723,12 @@
   <p:clrMapOvr>
     <a:masterClrMapping/>
   </p:clrMapOvr>
-  <p:transition xmlns:p14="http://schemas.microsoft.com/office/powerpoint/2010/main" spd="med" advClick="1"/>
+  <p:transition spd="med"/>
 </p:sld>
 </file>
 
 <file path=ppt/slides/slide4.xml><?xml version="1.0" encoding="utf-8"?>
-<p:sld xmlns:a="http://schemas.openxmlformats.org/drawingml/2006/main" xmlns:r="http://schemas.openxmlformats.org/officeDocument/2006/relationships" xmlns:p="http://schemas.openxmlformats.org/presentationml/2006/main" showMasterSp="1" showMasterPhAnim="1">
+<p:sld xmlns:a="http://schemas.openxmlformats.org/drawingml/2006/main" xmlns:r="http://schemas.openxmlformats.org/officeDocument/2006/relationships" xmlns:p="http://schemas.openxmlformats.org/presentationml/2006/main">
   <p:cSld>
     <p:spTree>
       <p:nvGrpSpPr>
@@ -6409,7 +6747,9 @@
       <p:sp>
         <p:nvSpPr>
           <p:cNvPr id="236" name="Title 1"/>
-          <p:cNvSpPr txBox="1"/>
+          <p:cNvSpPr txBox="1">
+            <a:spLocks noGrp="1"/>
+          </p:cNvSpPr>
           <p:nvPr>
             <p:ph type="title"/>
           </p:nvPr>
@@ -6435,7 +6775,6 @@
             </a:lvl1pPr>
           </a:lstStyle>
           <a:p>
-            <a:pPr/>
             <a:r>
               <a:t>Developing eCFM</a:t>
             </a:r>
@@ -6445,7 +6784,9 @@
       <p:sp>
         <p:nvSpPr>
           <p:cNvPr id="237" name="Content Placeholder 2"/>
-          <p:cNvSpPr txBox="1"/>
+          <p:cNvSpPr txBox="1">
+            <a:spLocks noGrp="1"/>
+          </p:cNvSpPr>
           <p:nvPr>
             <p:ph type="body" idx="1"/>
           </p:nvPr>
@@ -6476,6 +6817,7 @@
               <a:defRPr sz="2200"/>
             </a:pPr>
             <a:r>
+              <a:rPr dirty="0"/>
               <a:t>Literature was reviewed to find the main VMTs</a:t>
             </a:r>
           </a:p>
@@ -6492,6 +6834,7 @@
               </a:buClr>
               <a:defRPr sz="2200"/>
             </a:pPr>
+            <a:endParaRPr dirty="0"/>
           </a:p>
           <a:p>
             <a:pPr>
@@ -6507,8 +6850,18 @@
               <a:defRPr sz="2200"/>
             </a:pPr>
             <a:r>
-              <a:t>The VMTs were evaluated to find the top 10</a:t>
-            </a:r>
+              <a:rPr dirty="0"/>
+              <a:t>The VMTs were evaluated to find the top </a:t>
+            </a:r>
+            <a:r>
+              <a:rPr dirty="0" smtClean="0"/>
+              <a:t>10</a:t>
+            </a:r>
+            <a:r>
+              <a:rPr lang="en-US" dirty="0" smtClean="0"/>
+              <a:t> models</a:t>
+            </a:r>
+            <a:endParaRPr dirty="0"/>
           </a:p>
           <a:p>
             <a:pPr>
@@ -6523,6 +6876,7 @@
               </a:buClr>
               <a:defRPr sz="2200"/>
             </a:pPr>
+            <a:endParaRPr dirty="0"/>
           </a:p>
           <a:p>
             <a:pPr>
@@ -6538,6 +6892,7 @@
               <a:defRPr sz="2200"/>
             </a:pPr>
             <a:r>
+              <a:rPr dirty="0"/>
               <a:t>The top 10 were then evaluated based on 12 criteria</a:t>
             </a:r>
           </a:p>
@@ -6554,6 +6909,7 @@
               </a:buClr>
               <a:defRPr sz="2200"/>
             </a:pPr>
+            <a:endParaRPr dirty="0"/>
           </a:p>
           <a:p>
             <a:pPr>
@@ -6569,8 +6925,22 @@
               <a:defRPr sz="2200"/>
             </a:pPr>
             <a:r>
-              <a:t>Tropos Goal Model (TGMC) and CFM were found to be the best</a:t>
-            </a:r>
+              <a:rPr dirty="0" err="1"/>
+              <a:t>Tropos</a:t>
+            </a:r>
+            <a:r>
+              <a:rPr dirty="0"/>
+              <a:t> Goal Model (TGMC) and CFM were found to be the </a:t>
+            </a:r>
+            <a:r>
+              <a:rPr dirty="0" smtClean="0"/>
+              <a:t>best</a:t>
+            </a:r>
+            <a:r>
+              <a:rPr lang="en-US" dirty="0" smtClean="0"/>
+              <a:t> models</a:t>
+            </a:r>
+            <a:endParaRPr dirty="0"/>
           </a:p>
           <a:p>
             <a:pPr marL="0" indent="0">
@@ -6584,6 +6954,7 @@
               <a:buNone/>
               <a:defRPr sz="2200"/>
             </a:pPr>
+            <a:endParaRPr dirty="0"/>
           </a:p>
           <a:p>
             <a:pPr>
@@ -6599,6 +6970,7 @@
               <a:defRPr sz="2200"/>
             </a:pPr>
             <a:r>
+              <a:rPr dirty="0"/>
               <a:t>CFM was found to be more effective, although it had limited expressiveness</a:t>
             </a:r>
           </a:p>
@@ -6615,6 +6987,7 @@
               </a:buClr>
               <a:defRPr sz="2200"/>
             </a:pPr>
+            <a:endParaRPr dirty="0"/>
           </a:p>
           <a:p>
             <a:pPr>
@@ -6630,8 +7003,14 @@
               <a:defRPr sz="2200"/>
             </a:pPr>
             <a:r>
-              <a:t>eCFM or extended CFM were created to handle limitations of CFM</a:t>
-            </a:r>
+              <a:rPr dirty="0" err="1" smtClean="0"/>
+              <a:t>eCFM</a:t>
+            </a:r>
+            <a:r>
+              <a:rPr lang="en-US" dirty="0" smtClean="0"/>
+              <a:t> was created due to the limitations found in CFM</a:t>
+            </a:r>
+            <a:endParaRPr dirty="0"/>
           </a:p>
         </p:txBody>
       </p:sp>
@@ -6640,12 +7019,12 @@
   <p:clrMapOvr>
     <a:masterClrMapping/>
   </p:clrMapOvr>
-  <p:transition xmlns:p14="http://schemas.microsoft.com/office/powerpoint/2010/main" spd="med" advClick="1"/>
+  <p:transition spd="med"/>
 </p:sld>
 </file>
 
 <file path=ppt/slides/slide5.xml><?xml version="1.0" encoding="utf-8"?>
-<p:sld xmlns:a="http://schemas.openxmlformats.org/drawingml/2006/main" xmlns:r="http://schemas.openxmlformats.org/officeDocument/2006/relationships" xmlns:p="http://schemas.openxmlformats.org/presentationml/2006/main" showMasterSp="1" showMasterPhAnim="1">
+<p:sld xmlns:a="http://schemas.openxmlformats.org/drawingml/2006/main" xmlns:r="http://schemas.openxmlformats.org/officeDocument/2006/relationships" xmlns:p="http://schemas.openxmlformats.org/presentationml/2006/main">
   <p:cSld>
     <p:spTree>
       <p:nvGrpSpPr>
@@ -6664,7 +7043,9 @@
       <p:sp>
         <p:nvSpPr>
           <p:cNvPr id="239" name="Title 1"/>
-          <p:cNvSpPr txBox="1"/>
+          <p:cNvSpPr txBox="1">
+            <a:spLocks noGrp="1"/>
+          </p:cNvSpPr>
           <p:nvPr>
             <p:ph type="title"/>
           </p:nvPr>
@@ -6690,7 +7071,6 @@
             </a:lvl1pPr>
           </a:lstStyle>
           <a:p>
-            <a:pPr/>
             <a:r>
               <a:t>Model Checking</a:t>
             </a:r>
@@ -6700,7 +7080,9 @@
       <p:sp>
         <p:nvSpPr>
           <p:cNvPr id="240" name="Content Placeholder 2"/>
-          <p:cNvSpPr txBox="1"/>
+          <p:cNvSpPr txBox="1">
+            <a:spLocks noGrp="1"/>
+          </p:cNvSpPr>
           <p:nvPr>
             <p:ph type="body" idx="1"/>
           </p:nvPr>
@@ -6747,6 +7129,7 @@
               </a:buClr>
               <a:defRPr sz="2200"/>
             </a:pPr>
+            <a:endParaRPr/>
           </a:p>
           <a:p>
             <a:pPr>
@@ -6778,6 +7161,7 @@
               </a:buClr>
               <a:defRPr sz="2200"/>
             </a:pPr>
+            <a:endParaRPr/>
           </a:p>
           <a:p>
             <a:pPr>
@@ -6809,6 +7193,7 @@
               </a:buClr>
               <a:defRPr sz="2200"/>
             </a:pPr>
+            <a:endParaRPr/>
           </a:p>
           <a:p>
             <a:pPr>
@@ -6840,6 +7225,7 @@
               </a:buClr>
               <a:defRPr sz="2200"/>
             </a:pPr>
+            <a:endParaRPr/>
           </a:p>
           <a:p>
             <a:pPr>
@@ -6865,12 +7251,12 @@
   <p:clrMapOvr>
     <a:masterClrMapping/>
   </p:clrMapOvr>
-  <p:transition xmlns:p14="http://schemas.microsoft.com/office/powerpoint/2010/main" spd="med" advClick="1"/>
+  <p:transition spd="med"/>
 </p:sld>
 </file>
 
 <file path=ppt/slides/slide6.xml><?xml version="1.0" encoding="utf-8"?>
-<p:sld xmlns:a="http://schemas.openxmlformats.org/drawingml/2006/main" xmlns:r="http://schemas.openxmlformats.org/officeDocument/2006/relationships" xmlns:p="http://schemas.openxmlformats.org/presentationml/2006/main" showMasterSp="1" showMasterPhAnim="1">
+<p:sld xmlns:a="http://schemas.openxmlformats.org/drawingml/2006/main" xmlns:r="http://schemas.openxmlformats.org/officeDocument/2006/relationships" xmlns:p="http://schemas.openxmlformats.org/presentationml/2006/main">
   <p:cSld>
     <p:spTree>
       <p:nvGrpSpPr>
@@ -6889,7 +7275,9 @@
       <p:sp>
         <p:nvSpPr>
           <p:cNvPr id="242" name="Title 1"/>
-          <p:cNvSpPr txBox="1"/>
+          <p:cNvSpPr txBox="1">
+            <a:spLocks noGrp="1"/>
+          </p:cNvSpPr>
           <p:nvPr>
             <p:ph type="title"/>
           </p:nvPr>
@@ -6915,7 +7303,6 @@
             </a:lvl1pPr>
           </a:lstStyle>
           <a:p>
-            <a:pPr/>
             <a:r>
               <a:t>Approach to model checking DAS</a:t>
             </a:r>
@@ -6925,7 +7312,9 @@
       <p:sp>
         <p:nvSpPr>
           <p:cNvPr id="243" name="Content Placeholder 2"/>
-          <p:cNvSpPr txBox="1"/>
+          <p:cNvSpPr txBox="1">
+            <a:spLocks noGrp="1"/>
+          </p:cNvSpPr>
           <p:nvPr>
             <p:ph type="body" idx="1"/>
           </p:nvPr>
@@ -6958,6 +7347,7 @@
               <a:buNone/>
               <a:defRPr sz="2400"/>
             </a:pPr>
+            <a:endParaRPr/>
           </a:p>
           <a:p>
             <a:pPr marL="0" indent="0">
@@ -7065,7 +7455,7 @@
           <p:nvPr/>
         </p:nvPicPr>
         <p:blipFill>
-          <a:blip r:embed="rId2">
+          <a:blip r:embed="rId2" cstate="print">
             <a:extLst/>
           </a:blip>
           <a:stretch>
@@ -7090,12 +7480,12 @@
   <p:clrMapOvr>
     <a:masterClrMapping/>
   </p:clrMapOvr>
-  <p:transition xmlns:p14="http://schemas.microsoft.com/office/powerpoint/2010/main" spd="med" advClick="1"/>
+  <p:transition spd="med"/>
 </p:sld>
 </file>
 
 <file path=ppt/slides/slide7.xml><?xml version="1.0" encoding="utf-8"?>
-<p:sld xmlns:a="http://schemas.openxmlformats.org/drawingml/2006/main" xmlns:r="http://schemas.openxmlformats.org/officeDocument/2006/relationships" xmlns:p="http://schemas.openxmlformats.org/presentationml/2006/main" showMasterSp="1" showMasterPhAnim="1">
+<p:sld xmlns:a="http://schemas.openxmlformats.org/drawingml/2006/main" xmlns:r="http://schemas.openxmlformats.org/officeDocument/2006/relationships" xmlns:p="http://schemas.openxmlformats.org/presentationml/2006/main">
   <p:cSld>
     <p:spTree>
       <p:nvGrpSpPr>
@@ -7114,7 +7504,9 @@
       <p:sp>
         <p:nvSpPr>
           <p:cNvPr id="246" name="Title 1"/>
-          <p:cNvSpPr txBox="1"/>
+          <p:cNvSpPr txBox="1">
+            <a:spLocks noGrp="1"/>
+          </p:cNvSpPr>
           <p:nvPr>
             <p:ph type="title"/>
           </p:nvPr>
@@ -7140,7 +7532,6 @@
             </a:lvl1pPr>
           </a:lstStyle>
           <a:p>
-            <a:pPr/>
             <a:r>
               <a:t>Approach - Ctd</a:t>
             </a:r>
@@ -7150,7 +7541,9 @@
       <p:sp>
         <p:nvSpPr>
           <p:cNvPr id="247" name="Content Placeholder 2"/>
-          <p:cNvSpPr txBox="1"/>
+          <p:cNvSpPr txBox="1">
+            <a:spLocks noGrp="1"/>
+          </p:cNvSpPr>
           <p:nvPr>
             <p:ph type="body" idx="1"/>
           </p:nvPr>
@@ -7184,6 +7577,7 @@
               </a:buClr>
               <a:defRPr sz="2400"/>
             </a:pPr>
+            <a:endParaRPr/>
           </a:p>
           <a:p>
             <a:pPr marL="0" indent="0">
@@ -7291,7 +7685,7 @@
           <p:nvPr/>
         </p:nvPicPr>
         <p:blipFill>
-          <a:blip r:embed="rId2">
+          <a:blip r:embed="rId2" cstate="print">
             <a:extLst/>
           </a:blip>
           <a:stretch>
@@ -7316,12 +7710,12 @@
   <p:clrMapOvr>
     <a:masterClrMapping/>
   </p:clrMapOvr>
-  <p:transition xmlns:p14="http://schemas.microsoft.com/office/powerpoint/2010/main" spd="med" advClick="1"/>
+  <p:transition spd="med"/>
 </p:sld>
 </file>
 
 <file path=ppt/slides/slide8.xml><?xml version="1.0" encoding="utf-8"?>
-<p:sld xmlns:a="http://schemas.openxmlformats.org/drawingml/2006/main" xmlns:r="http://schemas.openxmlformats.org/officeDocument/2006/relationships" xmlns:p="http://schemas.openxmlformats.org/presentationml/2006/main" showMasterSp="1" showMasterPhAnim="1">
+<p:sld xmlns:a="http://schemas.openxmlformats.org/drawingml/2006/main" xmlns:r="http://schemas.openxmlformats.org/officeDocument/2006/relationships" xmlns:p="http://schemas.openxmlformats.org/presentationml/2006/main">
   <p:cSld>
     <p:spTree>
       <p:nvGrpSpPr>
@@ -7340,7 +7734,9 @@
       <p:sp>
         <p:nvSpPr>
           <p:cNvPr id="250" name="Title 1"/>
-          <p:cNvSpPr txBox="1"/>
+          <p:cNvSpPr txBox="1">
+            <a:spLocks noGrp="1"/>
+          </p:cNvSpPr>
           <p:nvPr>
             <p:ph type="title"/>
           </p:nvPr>
@@ -7366,7 +7762,6 @@
             </a:lvl1pPr>
           </a:lstStyle>
           <a:p>
-            <a:pPr/>
             <a:r>
               <a:t>eCFM – Smart Home</a:t>
             </a:r>
@@ -7382,7 +7777,7 @@
           <p:nvPr/>
         </p:nvPicPr>
         <p:blipFill>
-          <a:blip r:embed="rId2">
+          <a:blip r:embed="rId2" cstate="print">
             <a:extLst/>
           </a:blip>
           <a:stretch>
@@ -7407,12 +7802,12 @@
   <p:clrMapOvr>
     <a:masterClrMapping/>
   </p:clrMapOvr>
-  <p:transition xmlns:p14="http://schemas.microsoft.com/office/powerpoint/2010/main" spd="med" advClick="1"/>
+  <p:transition spd="med"/>
 </p:sld>
 </file>
 
 <file path=ppt/slides/slide9.xml><?xml version="1.0" encoding="utf-8"?>
-<p:sld xmlns:a="http://schemas.openxmlformats.org/drawingml/2006/main" xmlns:r="http://schemas.openxmlformats.org/officeDocument/2006/relationships" xmlns:p="http://schemas.openxmlformats.org/presentationml/2006/main" showMasterSp="1" showMasterPhAnim="1">
+<p:sld xmlns:a="http://schemas.openxmlformats.org/drawingml/2006/main" xmlns:r="http://schemas.openxmlformats.org/officeDocument/2006/relationships" xmlns:p="http://schemas.openxmlformats.org/presentationml/2006/main">
   <p:cSld>
     <p:spTree>
       <p:nvGrpSpPr>
@@ -7431,7 +7826,9 @@
       <p:sp>
         <p:nvSpPr>
           <p:cNvPr id="253" name="Title 1"/>
-          <p:cNvSpPr txBox="1"/>
+          <p:cNvSpPr txBox="1">
+            <a:spLocks noGrp="1"/>
+          </p:cNvSpPr>
           <p:nvPr>
             <p:ph type="title"/>
           </p:nvPr>
@@ -7457,7 +7854,6 @@
             </a:lvl1pPr>
           </a:lstStyle>
           <a:p>
-            <a:pPr/>
             <a:r>
               <a:t>eCFM – Main concepts</a:t>
             </a:r>
@@ -7467,7 +7863,9 @@
       <p:sp>
         <p:nvSpPr>
           <p:cNvPr id="254" name="Content Placeholder 3"/>
-          <p:cNvSpPr txBox="1"/>
+          <p:cNvSpPr txBox="1">
+            <a:spLocks noGrp="1"/>
+          </p:cNvSpPr>
           <p:nvPr>
             <p:ph type="body" idx="1"/>
           </p:nvPr>
@@ -7513,6 +7911,7 @@
               <a:buNone/>
               <a:defRPr sz="2700"/>
             </a:pPr>
+            <a:endParaRPr/>
           </a:p>
           <a:p>
             <a:pPr>
@@ -7543,6 +7942,7 @@
               <a:buNone/>
               <a:defRPr sz="2700"/>
             </a:pPr>
+            <a:endParaRPr/>
           </a:p>
           <a:p>
             <a:pPr>
@@ -7573,6 +7973,7 @@
               <a:buNone/>
               <a:defRPr sz="2700"/>
             </a:pPr>
+            <a:endParaRPr/>
           </a:p>
           <a:p>
             <a:pPr>
@@ -7603,6 +8004,7 @@
               <a:buNone/>
               <a:defRPr sz="2700"/>
             </a:pPr>
+            <a:endParaRPr/>
           </a:p>
           <a:p>
             <a:pPr>
@@ -7628,12 +8030,12 @@
   <p:clrMapOvr>
     <a:masterClrMapping/>
   </p:clrMapOvr>
-  <p:transition xmlns:p14="http://schemas.microsoft.com/office/powerpoint/2010/main" spd="med" advClick="1"/>
+  <p:transition spd="med"/>
 </p:sld>
 </file>
 
 <file path=ppt/theme/theme1.xml><?xml version="1.0" encoding="utf-8"?>
-<a:theme xmlns:a="http://schemas.openxmlformats.org/drawingml/2006/main" xmlns:r="http://schemas.openxmlformats.org/officeDocument/2006/relationships" name="Office Theme">
+<a:theme xmlns:a="http://schemas.openxmlformats.org/drawingml/2006/main" name="Office Theme">
   <a:themeElements>
     <a:clrScheme name="Office Theme">
       <a:dk1>
@@ -7759,7 +8161,7 @@
       <a:effectStyleLst>
         <a:effectStyle>
           <a:effectLst>
-            <a:outerShdw sx="100000" sy="100000" kx="0" ky="0" algn="b" rotWithShape="0" blurRad="38100" dist="23000" dir="5400000">
+            <a:outerShdw blurRad="38100" dist="23000" dir="5400000" rotWithShape="0">
               <a:srgbClr val="000000">
                 <a:alpha val="35000"/>
               </a:srgbClr>
@@ -7768,7 +8170,7 @@
         </a:effectStyle>
         <a:effectStyle>
           <a:effectLst>
-            <a:outerShdw sx="100000" sy="100000" kx="0" ky="0" algn="b" rotWithShape="0" blurRad="38100" dist="23000" dir="5400000">
+            <a:outerShdw blurRad="38100" dist="23000" dir="5400000" rotWithShape="0">
               <a:srgbClr val="000000">
                 <a:alpha val="35000"/>
               </a:srgbClr>
@@ -7777,7 +8179,7 @@
         </a:effectStyle>
         <a:effectStyle>
           <a:effectLst>
-            <a:outerShdw sx="100000" sy="100000" kx="0" ky="0" algn="b" rotWithShape="0" blurRad="38100" dist="20000" dir="5400000">
+            <a:outerShdw blurRad="38100" dist="20000" dir="5400000" rotWithShape="0">
               <a:srgbClr val="000000">
                 <a:alpha val="38000"/>
               </a:srgbClr>
@@ -7851,7 +8253,7 @@
           <a:round/>
         </a:ln>
         <a:effectLst>
-          <a:outerShdw sx="100000" sy="100000" kx="0" ky="0" algn="b" rotWithShape="0" blurRad="38100" dist="23000" dir="5400000">
+          <a:outerShdw blurRad="38100" dist="23000" dir="5400000" rotWithShape="0">
             <a:srgbClr val="000000">
               <a:alpha val="35000"/>
             </a:srgbClr>
@@ -7859,7 +8261,7 @@
         </a:effectLst>
         <a:sp3d/>
       </a:spPr>
-      <a:bodyPr rot="0" spcFirstLastPara="1" vertOverflow="overflow" horzOverflow="overflow" vert="horz" wrap="square" lIns="45719" tIns="45719" rIns="45719" bIns="45719" numCol="1" spcCol="38100" rtlCol="0" anchor="ctr" upright="0">
+      <a:bodyPr rot="0" spcFirstLastPara="1" vertOverflow="overflow" horzOverflow="overflow" vert="horz" wrap="square" lIns="45719" tIns="45719" rIns="45719" bIns="45719" numCol="1" spcCol="38100" rtlCol="0" anchor="ctr">
         <a:spAutoFit/>
       </a:bodyPr>
       <a:lstStyle>
@@ -7878,7 +8280,7 @@
           <a:buFontTx/>
           <a:buNone/>
           <a:tabLst/>
-          <a:defRPr b="0" baseline="0" cap="none" i="0" spc="0" strike="noStrike" sz="1800" u="none" kumimoji="0" normalizeH="0">
+          <a:defRPr kumimoji="0" sz="1800" b="0" i="0" u="none" strike="noStrike" cap="none" spc="0" normalizeH="0" baseline="0">
             <a:ln>
               <a:noFill/>
             </a:ln>
@@ -7908,7 +8310,7 @@
           <a:buFontTx/>
           <a:buNone/>
           <a:tabLst/>
-          <a:defRPr b="0" baseline="0" cap="none" i="0" spc="0" strike="noStrike" sz="1800" u="none" kumimoji="0" normalizeH="0">
+          <a:defRPr kumimoji="0" sz="1800" b="0" i="0" u="none" strike="noStrike" cap="none" spc="0" normalizeH="0" baseline="0">
             <a:ln>
               <a:noFill/>
             </a:ln>
@@ -7934,7 +8336,7 @@
           <a:buFontTx/>
           <a:buNone/>
           <a:tabLst/>
-          <a:defRPr b="0" baseline="0" cap="none" i="0" spc="0" strike="noStrike" sz="1800" u="none" kumimoji="0" normalizeH="0">
+          <a:defRPr kumimoji="0" sz="1800" b="0" i="0" u="none" strike="noStrike" cap="none" spc="0" normalizeH="0" baseline="0">
             <a:ln>
               <a:noFill/>
             </a:ln>
@@ -7960,7 +8362,7 @@
           <a:buFontTx/>
           <a:buNone/>
           <a:tabLst/>
-          <a:defRPr b="0" baseline="0" cap="none" i="0" spc="0" strike="noStrike" sz="1800" u="none" kumimoji="0" normalizeH="0">
+          <a:defRPr kumimoji="0" sz="1800" b="0" i="0" u="none" strike="noStrike" cap="none" spc="0" normalizeH="0" baseline="0">
             <a:ln>
               <a:noFill/>
             </a:ln>
@@ -7986,7 +8388,7 @@
           <a:buFontTx/>
           <a:buNone/>
           <a:tabLst/>
-          <a:defRPr b="0" baseline="0" cap="none" i="0" spc="0" strike="noStrike" sz="1800" u="none" kumimoji="0" normalizeH="0">
+          <a:defRPr kumimoji="0" sz="1800" b="0" i="0" u="none" strike="noStrike" cap="none" spc="0" normalizeH="0" baseline="0">
             <a:ln>
               <a:noFill/>
             </a:ln>
@@ -8012,7 +8414,7 @@
           <a:buFontTx/>
           <a:buNone/>
           <a:tabLst/>
-          <a:defRPr b="0" baseline="0" cap="none" i="0" spc="0" strike="noStrike" sz="1800" u="none" kumimoji="0" normalizeH="0">
+          <a:defRPr kumimoji="0" sz="1800" b="0" i="0" u="none" strike="noStrike" cap="none" spc="0" normalizeH="0" baseline="0">
             <a:ln>
               <a:noFill/>
             </a:ln>
@@ -8038,7 +8440,7 @@
           <a:buFontTx/>
           <a:buNone/>
           <a:tabLst/>
-          <a:defRPr b="0" baseline="0" cap="none" i="0" spc="0" strike="noStrike" sz="1800" u="none" kumimoji="0" normalizeH="0">
+          <a:defRPr kumimoji="0" sz="1800" b="0" i="0" u="none" strike="noStrike" cap="none" spc="0" normalizeH="0" baseline="0">
             <a:ln>
               <a:noFill/>
             </a:ln>
@@ -8064,7 +8466,7 @@
           <a:buFontTx/>
           <a:buNone/>
           <a:tabLst/>
-          <a:defRPr b="0" baseline="0" cap="none" i="0" spc="0" strike="noStrike" sz="1800" u="none" kumimoji="0" normalizeH="0">
+          <a:defRPr kumimoji="0" sz="1800" b="0" i="0" u="none" strike="noStrike" cap="none" spc="0" normalizeH="0" baseline="0">
             <a:ln>
               <a:noFill/>
             </a:ln>
@@ -8090,7 +8492,7 @@
           <a:buFontTx/>
           <a:buNone/>
           <a:tabLst/>
-          <a:defRPr b="0" baseline="0" cap="none" i="0" spc="0" strike="noStrike" sz="1800" u="none" kumimoji="0" normalizeH="0">
+          <a:defRPr kumimoji="0" sz="1800" b="0" i="0" u="none" strike="noStrike" cap="none" spc="0" normalizeH="0" baseline="0">
             <a:ln>
               <a:noFill/>
             </a:ln>
@@ -8116,7 +8518,7 @@
           <a:buFontTx/>
           <a:buNone/>
           <a:tabLst/>
-          <a:defRPr b="0" baseline="0" cap="none" i="0" spc="0" strike="noStrike" sz="1800" u="none" kumimoji="0" normalizeH="0">
+          <a:defRPr kumimoji="0" sz="1800" b="0" i="0" u="none" strike="noStrike" cap="none" spc="0" normalizeH="0" baseline="0">
             <a:ln>
               <a:noFill/>
             </a:ln>
@@ -8129,9 +8531,15 @@
         </a:lvl9pPr>
       </a:lstStyle>
       <a:style>
-        <a:lnRef idx="0"/>
-        <a:fillRef idx="0"/>
-        <a:effectRef idx="0"/>
+        <a:lnRef idx="0">
+          <a:scrgbClr r="0" g="0" b="0"/>
+        </a:lnRef>
+        <a:fillRef idx="0">
+          <a:scrgbClr r="0" g="0" b="0"/>
+        </a:fillRef>
+        <a:effectRef idx="0">
+          <a:scrgbClr r="0" g="0" b="0"/>
+        </a:effectRef>
         <a:fontRef idx="none"/>
       </a:style>
     </a:spDef>
@@ -8146,7 +8554,7 @@
           <a:round/>
         </a:ln>
         <a:effectLst>
-          <a:outerShdw sx="100000" sy="100000" kx="0" ky="0" algn="b" rotWithShape="0" blurRad="38100" dist="20000" dir="5400000">
+          <a:outerShdw blurRad="38100" dist="20000" dir="5400000" rotWithShape="0">
             <a:srgbClr val="000000">
               <a:alpha val="38000"/>
             </a:srgbClr>
@@ -8154,7 +8562,7 @@
         </a:effectLst>
         <a:sp3d/>
       </a:spPr>
-      <a:bodyPr rot="0" spcFirstLastPara="1" vertOverflow="overflow" horzOverflow="overflow" vert="horz" wrap="square" lIns="91439" tIns="45719" rIns="91439" bIns="45719" numCol="1" spcCol="38100" rtlCol="0" anchor="t" upright="0">
+      <a:bodyPr rot="0" spcFirstLastPara="1" vertOverflow="overflow" horzOverflow="overflow" vert="horz" wrap="square" lIns="91439" tIns="45719" rIns="91439" bIns="45719" numCol="1" spcCol="38100" rtlCol="0" anchor="t">
         <a:noAutofit/>
       </a:bodyPr>
       <a:lstStyle>
@@ -8173,7 +8581,7 @@
           <a:buFontTx/>
           <a:buNone/>
           <a:tabLst/>
-          <a:defRPr b="0" baseline="0" cap="none" i="0" spc="0" strike="noStrike" sz="1800" u="none" kumimoji="0" normalizeH="0">
+          <a:defRPr kumimoji="0" sz="1800" b="0" i="0" u="none" strike="noStrike" cap="none" spc="0" normalizeH="0" baseline="0">
             <a:ln>
               <a:noFill/>
             </a:ln>
@@ -8199,7 +8607,7 @@
           <a:buFontTx/>
           <a:buNone/>
           <a:tabLst/>
-          <a:defRPr b="0" baseline="0" cap="none" i="0" spc="0" strike="noStrike" sz="1800" u="none" kumimoji="0" normalizeH="0">
+          <a:defRPr kumimoji="0" sz="1800" b="0" i="0" u="none" strike="noStrike" cap="none" spc="0" normalizeH="0" baseline="0">
             <a:ln>
               <a:noFill/>
             </a:ln>
@@ -8225,7 +8633,7 @@
           <a:buFontTx/>
           <a:buNone/>
           <a:tabLst/>
-          <a:defRPr b="0" baseline="0" cap="none" i="0" spc="0" strike="noStrike" sz="1800" u="none" kumimoji="0" normalizeH="0">
+          <a:defRPr kumimoji="0" sz="1800" b="0" i="0" u="none" strike="noStrike" cap="none" spc="0" normalizeH="0" baseline="0">
             <a:ln>
               <a:noFill/>
             </a:ln>
@@ -8251,7 +8659,7 @@
           <a:buFontTx/>
           <a:buNone/>
           <a:tabLst/>
-          <a:defRPr b="0" baseline="0" cap="none" i="0" spc="0" strike="noStrike" sz="1800" u="none" kumimoji="0" normalizeH="0">
+          <a:defRPr kumimoji="0" sz="1800" b="0" i="0" u="none" strike="noStrike" cap="none" spc="0" normalizeH="0" baseline="0">
             <a:ln>
               <a:noFill/>
             </a:ln>
@@ -8277,7 +8685,7 @@
           <a:buFontTx/>
           <a:buNone/>
           <a:tabLst/>
-          <a:defRPr b="0" baseline="0" cap="none" i="0" spc="0" strike="noStrike" sz="1800" u="none" kumimoji="0" normalizeH="0">
+          <a:defRPr kumimoji="0" sz="1800" b="0" i="0" u="none" strike="noStrike" cap="none" spc="0" normalizeH="0" baseline="0">
             <a:ln>
               <a:noFill/>
             </a:ln>
@@ -8303,7 +8711,7 @@
           <a:buFontTx/>
           <a:buNone/>
           <a:tabLst/>
-          <a:defRPr b="0" baseline="0" cap="none" i="0" spc="0" strike="noStrike" sz="1800" u="none" kumimoji="0" normalizeH="0">
+          <a:defRPr kumimoji="0" sz="1800" b="0" i="0" u="none" strike="noStrike" cap="none" spc="0" normalizeH="0" baseline="0">
             <a:ln>
               <a:noFill/>
             </a:ln>
@@ -8329,7 +8737,7 @@
           <a:buFontTx/>
           <a:buNone/>
           <a:tabLst/>
-          <a:defRPr b="0" baseline="0" cap="none" i="0" spc="0" strike="noStrike" sz="1800" u="none" kumimoji="0" normalizeH="0">
+          <a:defRPr kumimoji="0" sz="1800" b="0" i="0" u="none" strike="noStrike" cap="none" spc="0" normalizeH="0" baseline="0">
             <a:ln>
               <a:noFill/>
             </a:ln>
@@ -8355,7 +8763,7 @@
           <a:buFontTx/>
           <a:buNone/>
           <a:tabLst/>
-          <a:defRPr b="0" baseline="0" cap="none" i="0" spc="0" strike="noStrike" sz="1800" u="none" kumimoji="0" normalizeH="0">
+          <a:defRPr kumimoji="0" sz="1800" b="0" i="0" u="none" strike="noStrike" cap="none" spc="0" normalizeH="0" baseline="0">
             <a:ln>
               <a:noFill/>
             </a:ln>
@@ -8381,7 +8789,7 @@
           <a:buFontTx/>
           <a:buNone/>
           <a:tabLst/>
-          <a:defRPr b="0" baseline="0" cap="none" i="0" spc="0" strike="noStrike" sz="1800" u="none" kumimoji="0" normalizeH="0">
+          <a:defRPr kumimoji="0" sz="1800" b="0" i="0" u="none" strike="noStrike" cap="none" spc="0" normalizeH="0" baseline="0">
             <a:ln>
               <a:noFill/>
             </a:ln>
@@ -8407,7 +8815,7 @@
           <a:buFontTx/>
           <a:buNone/>
           <a:tabLst/>
-          <a:defRPr b="0" baseline="0" cap="none" i="0" spc="0" strike="noStrike" sz="1800" u="none" kumimoji="0" normalizeH="0">
+          <a:defRPr kumimoji="0" sz="1800" b="0" i="0" u="none" strike="noStrike" cap="none" spc="0" normalizeH="0" baseline="0">
             <a:ln>
               <a:noFill/>
             </a:ln>
@@ -8420,9 +8828,15 @@
         </a:lvl9pPr>
       </a:lstStyle>
       <a:style>
-        <a:lnRef idx="0"/>
-        <a:fillRef idx="0"/>
-        <a:effectRef idx="0"/>
+        <a:lnRef idx="0">
+          <a:scrgbClr r="0" g="0" b="0"/>
+        </a:lnRef>
+        <a:fillRef idx="0">
+          <a:scrgbClr r="0" g="0" b="0"/>
+        </a:fillRef>
+        <a:effectRef idx="0">
+          <a:scrgbClr r="0" g="0" b="0"/>
+        </a:effectRef>
         <a:fontRef idx="none"/>
       </a:style>
     </a:lnDef>
@@ -8436,7 +8850,7 @@
         <a:effectLst/>
         <a:sp3d/>
       </a:spPr>
-      <a:bodyPr rot="0" spcFirstLastPara="1" vertOverflow="overflow" horzOverflow="overflow" vert="horz" wrap="square" lIns="45719" tIns="45719" rIns="45719" bIns="45719" numCol="1" spcCol="38100" rtlCol="0" anchor="t" upright="0">
+      <a:bodyPr rot="0" spcFirstLastPara="1" vertOverflow="overflow" horzOverflow="overflow" vert="horz" wrap="square" lIns="45719" tIns="45719" rIns="45719" bIns="45719" numCol="1" spcCol="38100" rtlCol="0" anchor="t">
         <a:spAutoFit/>
       </a:bodyPr>
       <a:lstStyle>
@@ -8455,7 +8869,7 @@
           <a:buFontTx/>
           <a:buNone/>
           <a:tabLst/>
-          <a:defRPr b="0" baseline="0" cap="none" i="0" spc="0" strike="noStrike" sz="1800" u="none" kumimoji="0" normalizeH="0">
+          <a:defRPr kumimoji="0" sz="1800" b="0" i="0" u="none" strike="noStrike" cap="none" spc="0" normalizeH="0" baseline="0">
             <a:ln>
               <a:noFill/>
             </a:ln>
@@ -8485,7 +8899,7 @@
           <a:buFontTx/>
           <a:buNone/>
           <a:tabLst/>
-          <a:defRPr b="0" baseline="0" cap="none" i="0" spc="0" strike="noStrike" sz="1800" u="none" kumimoji="0" normalizeH="0">
+          <a:defRPr kumimoji="0" sz="1800" b="0" i="0" u="none" strike="noStrike" cap="none" spc="0" normalizeH="0" baseline="0">
             <a:ln>
               <a:noFill/>
             </a:ln>
@@ -8511,7 +8925,7 @@
           <a:buFontTx/>
           <a:buNone/>
           <a:tabLst/>
-          <a:defRPr b="0" baseline="0" cap="none" i="0" spc="0" strike="noStrike" sz="1800" u="none" kumimoji="0" normalizeH="0">
+          <a:defRPr kumimoji="0" sz="1800" b="0" i="0" u="none" strike="noStrike" cap="none" spc="0" normalizeH="0" baseline="0">
             <a:ln>
               <a:noFill/>
             </a:ln>
@@ -8537,7 +8951,7 @@
           <a:buFontTx/>
           <a:buNone/>
           <a:tabLst/>
-          <a:defRPr b="0" baseline="0" cap="none" i="0" spc="0" strike="noStrike" sz="1800" u="none" kumimoji="0" normalizeH="0">
+          <a:defRPr kumimoji="0" sz="1800" b="0" i="0" u="none" strike="noStrike" cap="none" spc="0" normalizeH="0" baseline="0">
             <a:ln>
               <a:noFill/>
             </a:ln>
@@ -8563,7 +8977,7 @@
           <a:buFontTx/>
           <a:buNone/>
           <a:tabLst/>
-          <a:defRPr b="0" baseline="0" cap="none" i="0" spc="0" strike="noStrike" sz="1800" u="none" kumimoji="0" normalizeH="0">
+          <a:defRPr kumimoji="0" sz="1800" b="0" i="0" u="none" strike="noStrike" cap="none" spc="0" normalizeH="0" baseline="0">
             <a:ln>
               <a:noFill/>
             </a:ln>
@@ -8589,7 +9003,7 @@
           <a:buFontTx/>
           <a:buNone/>
           <a:tabLst/>
-          <a:defRPr b="0" baseline="0" cap="none" i="0" spc="0" strike="noStrike" sz="1800" u="none" kumimoji="0" normalizeH="0">
+          <a:defRPr kumimoji="0" sz="1800" b="0" i="0" u="none" strike="noStrike" cap="none" spc="0" normalizeH="0" baseline="0">
             <a:ln>
               <a:noFill/>
             </a:ln>
@@ -8615,7 +9029,7 @@
           <a:buFontTx/>
           <a:buNone/>
           <a:tabLst/>
-          <a:defRPr b="0" baseline="0" cap="none" i="0" spc="0" strike="noStrike" sz="1800" u="none" kumimoji="0" normalizeH="0">
+          <a:defRPr kumimoji="0" sz="1800" b="0" i="0" u="none" strike="noStrike" cap="none" spc="0" normalizeH="0" baseline="0">
             <a:ln>
               <a:noFill/>
             </a:ln>
@@ -8641,7 +9055,7 @@
           <a:buFontTx/>
           <a:buNone/>
           <a:tabLst/>
-          <a:defRPr b="0" baseline="0" cap="none" i="0" spc="0" strike="noStrike" sz="1800" u="none" kumimoji="0" normalizeH="0">
+          <a:defRPr kumimoji="0" sz="1800" b="0" i="0" u="none" strike="noStrike" cap="none" spc="0" normalizeH="0" baseline="0">
             <a:ln>
               <a:noFill/>
             </a:ln>
@@ -8667,7 +9081,7 @@
           <a:buFontTx/>
           <a:buNone/>
           <a:tabLst/>
-          <a:defRPr b="0" baseline="0" cap="none" i="0" spc="0" strike="noStrike" sz="1800" u="none" kumimoji="0" normalizeH="0">
+          <a:defRPr kumimoji="0" sz="1800" b="0" i="0" u="none" strike="noStrike" cap="none" spc="0" normalizeH="0" baseline="0">
             <a:ln>
               <a:noFill/>
             </a:ln>
@@ -8693,7 +9107,7 @@
           <a:buFontTx/>
           <a:buNone/>
           <a:tabLst/>
-          <a:defRPr b="0" baseline="0" cap="none" i="0" spc="0" strike="noStrike" sz="1800" u="none" kumimoji="0" normalizeH="0">
+          <a:defRPr kumimoji="0" sz="1800" b="0" i="0" u="none" strike="noStrike" cap="none" spc="0" normalizeH="0" baseline="0">
             <a:ln>
               <a:noFill/>
             </a:ln>
@@ -8706,18 +9120,25 @@
         </a:lvl9pPr>
       </a:lstStyle>
       <a:style>
-        <a:lnRef idx="0"/>
-        <a:fillRef idx="0"/>
-        <a:effectRef idx="0"/>
+        <a:lnRef idx="0">
+          <a:scrgbClr r="0" g="0" b="0"/>
+        </a:lnRef>
+        <a:fillRef idx="0">
+          <a:scrgbClr r="0" g="0" b="0"/>
+        </a:fillRef>
+        <a:effectRef idx="0">
+          <a:scrgbClr r="0" g="0" b="0"/>
+        </a:effectRef>
         <a:fontRef idx="none"/>
       </a:style>
     </a:txDef>
   </a:objectDefaults>
+  <a:extraClrSchemeLst/>
 </a:theme>
 </file>
 
 <file path=ppt/theme/theme2.xml><?xml version="1.0" encoding="utf-8"?>
-<a:theme xmlns:a="http://schemas.openxmlformats.org/drawingml/2006/main" xmlns:r="http://schemas.openxmlformats.org/officeDocument/2006/relationships" name="Office Theme">
+<a:theme xmlns:a="http://schemas.openxmlformats.org/drawingml/2006/main" name="Office Theme">
   <a:themeElements>
     <a:clrScheme name="Office Theme">
       <a:dk1>
@@ -8843,7 +9264,7 @@
       <a:effectStyleLst>
         <a:effectStyle>
           <a:effectLst>
-            <a:outerShdw sx="100000" sy="100000" kx="0" ky="0" algn="b" rotWithShape="0" blurRad="38100" dist="23000" dir="5400000">
+            <a:outerShdw blurRad="38100" dist="23000" dir="5400000" rotWithShape="0">
               <a:srgbClr val="000000">
                 <a:alpha val="35000"/>
               </a:srgbClr>
@@ -8852,7 +9273,7 @@
         </a:effectStyle>
         <a:effectStyle>
           <a:effectLst>
-            <a:outerShdw sx="100000" sy="100000" kx="0" ky="0" algn="b" rotWithShape="0" blurRad="38100" dist="23000" dir="5400000">
+            <a:outerShdw blurRad="38100" dist="23000" dir="5400000" rotWithShape="0">
               <a:srgbClr val="000000">
                 <a:alpha val="35000"/>
               </a:srgbClr>
@@ -8861,7 +9282,7 @@
         </a:effectStyle>
         <a:effectStyle>
           <a:effectLst>
-            <a:outerShdw sx="100000" sy="100000" kx="0" ky="0" algn="b" rotWithShape="0" blurRad="38100" dist="20000" dir="5400000">
+            <a:outerShdw blurRad="38100" dist="20000" dir="5400000" rotWithShape="0">
               <a:srgbClr val="000000">
                 <a:alpha val="38000"/>
               </a:srgbClr>
@@ -8935,7 +9356,7 @@
           <a:round/>
         </a:ln>
         <a:effectLst>
-          <a:outerShdw sx="100000" sy="100000" kx="0" ky="0" algn="b" rotWithShape="0" blurRad="38100" dist="23000" dir="5400000">
+          <a:outerShdw blurRad="38100" dist="23000" dir="5400000" rotWithShape="0">
             <a:srgbClr val="000000">
               <a:alpha val="35000"/>
             </a:srgbClr>
@@ -8943,7 +9364,7 @@
         </a:effectLst>
         <a:sp3d/>
       </a:spPr>
-      <a:bodyPr rot="0" spcFirstLastPara="1" vertOverflow="overflow" horzOverflow="overflow" vert="horz" wrap="square" lIns="45719" tIns="45719" rIns="45719" bIns="45719" numCol="1" spcCol="38100" rtlCol="0" anchor="ctr" upright="0">
+      <a:bodyPr rot="0" spcFirstLastPara="1" vertOverflow="overflow" horzOverflow="overflow" vert="horz" wrap="square" lIns="45719" tIns="45719" rIns="45719" bIns="45719" numCol="1" spcCol="38100" rtlCol="0" anchor="ctr">
         <a:spAutoFit/>
       </a:bodyPr>
       <a:lstStyle>
@@ -8962,7 +9383,7 @@
           <a:buFontTx/>
           <a:buNone/>
           <a:tabLst/>
-          <a:defRPr b="0" baseline="0" cap="none" i="0" spc="0" strike="noStrike" sz="1800" u="none" kumimoji="0" normalizeH="0">
+          <a:defRPr kumimoji="0" sz="1800" b="0" i="0" u="none" strike="noStrike" cap="none" spc="0" normalizeH="0" baseline="0">
             <a:ln>
               <a:noFill/>
             </a:ln>
@@ -8992,7 +9413,7 @@
           <a:buFontTx/>
           <a:buNone/>
           <a:tabLst/>
-          <a:defRPr b="0" baseline="0" cap="none" i="0" spc="0" strike="noStrike" sz="1800" u="none" kumimoji="0" normalizeH="0">
+          <a:defRPr kumimoji="0" sz="1800" b="0" i="0" u="none" strike="noStrike" cap="none" spc="0" normalizeH="0" baseline="0">
             <a:ln>
               <a:noFill/>
             </a:ln>
@@ -9018,7 +9439,7 @@
           <a:buFontTx/>
           <a:buNone/>
           <a:tabLst/>
-          <a:defRPr b="0" baseline="0" cap="none" i="0" spc="0" strike="noStrike" sz="1800" u="none" kumimoji="0" normalizeH="0">
+          <a:defRPr kumimoji="0" sz="1800" b="0" i="0" u="none" strike="noStrike" cap="none" spc="0" normalizeH="0" baseline="0">
             <a:ln>
               <a:noFill/>
             </a:ln>
@@ -9044,7 +9465,7 @@
           <a:buFontTx/>
           <a:buNone/>
           <a:tabLst/>
-          <a:defRPr b="0" baseline="0" cap="none" i="0" spc="0" strike="noStrike" sz="1800" u="none" kumimoji="0" normalizeH="0">
+          <a:defRPr kumimoji="0" sz="1800" b="0" i="0" u="none" strike="noStrike" cap="none" spc="0" normalizeH="0" baseline="0">
             <a:ln>
               <a:noFill/>
             </a:ln>
@@ -9070,7 +9491,7 @@
           <a:buFontTx/>
           <a:buNone/>
           <a:tabLst/>
-          <a:defRPr b="0" baseline="0" cap="none" i="0" spc="0" strike="noStrike" sz="1800" u="none" kumimoji="0" normalizeH="0">
+          <a:defRPr kumimoji="0" sz="1800" b="0" i="0" u="none" strike="noStrike" cap="none" spc="0" normalizeH="0" baseline="0">
             <a:ln>
               <a:noFill/>
             </a:ln>
@@ -9096,7 +9517,7 @@
           <a:buFontTx/>
           <a:buNone/>
           <a:tabLst/>
-          <a:defRPr b="0" baseline="0" cap="none" i="0" spc="0" strike="noStrike" sz="1800" u="none" kumimoji="0" normalizeH="0">
+          <a:defRPr kumimoji="0" sz="1800" b="0" i="0" u="none" strike="noStrike" cap="none" spc="0" normalizeH="0" baseline="0">
             <a:ln>
               <a:noFill/>
             </a:ln>
@@ -9122,7 +9543,7 @@
           <a:buFontTx/>
           <a:buNone/>
           <a:tabLst/>
-          <a:defRPr b="0" baseline="0" cap="none" i="0" spc="0" strike="noStrike" sz="1800" u="none" kumimoji="0" normalizeH="0">
+          <a:defRPr kumimoji="0" sz="1800" b="0" i="0" u="none" strike="noStrike" cap="none" spc="0" normalizeH="0" baseline="0">
             <a:ln>
               <a:noFill/>
             </a:ln>
@@ -9148,7 +9569,7 @@
           <a:buFontTx/>
           <a:buNone/>
           <a:tabLst/>
-          <a:defRPr b="0" baseline="0" cap="none" i="0" spc="0" strike="noStrike" sz="1800" u="none" kumimoji="0" normalizeH="0">
+          <a:defRPr kumimoji="0" sz="1800" b="0" i="0" u="none" strike="noStrike" cap="none" spc="0" normalizeH="0" baseline="0">
             <a:ln>
               <a:noFill/>
             </a:ln>
@@ -9174,7 +9595,7 @@
           <a:buFontTx/>
           <a:buNone/>
           <a:tabLst/>
-          <a:defRPr b="0" baseline="0" cap="none" i="0" spc="0" strike="noStrike" sz="1800" u="none" kumimoji="0" normalizeH="0">
+          <a:defRPr kumimoji="0" sz="1800" b="0" i="0" u="none" strike="noStrike" cap="none" spc="0" normalizeH="0" baseline="0">
             <a:ln>
               <a:noFill/>
             </a:ln>
@@ -9200,7 +9621,7 @@
           <a:buFontTx/>
           <a:buNone/>
           <a:tabLst/>
-          <a:defRPr b="0" baseline="0" cap="none" i="0" spc="0" strike="noStrike" sz="1800" u="none" kumimoji="0" normalizeH="0">
+          <a:defRPr kumimoji="0" sz="1800" b="0" i="0" u="none" strike="noStrike" cap="none" spc="0" normalizeH="0" baseline="0">
             <a:ln>
               <a:noFill/>
             </a:ln>
@@ -9213,9 +9634,15 @@
         </a:lvl9pPr>
       </a:lstStyle>
       <a:style>
-        <a:lnRef idx="0"/>
-        <a:fillRef idx="0"/>
-        <a:effectRef idx="0"/>
+        <a:lnRef idx="0">
+          <a:scrgbClr r="0" g="0" b="0"/>
+        </a:lnRef>
+        <a:fillRef idx="0">
+          <a:scrgbClr r="0" g="0" b="0"/>
+        </a:fillRef>
+        <a:effectRef idx="0">
+          <a:scrgbClr r="0" g="0" b="0"/>
+        </a:effectRef>
         <a:fontRef idx="none"/>
       </a:style>
     </a:spDef>
@@ -9230,7 +9657,7 @@
           <a:round/>
         </a:ln>
         <a:effectLst>
-          <a:outerShdw sx="100000" sy="100000" kx="0" ky="0" algn="b" rotWithShape="0" blurRad="38100" dist="20000" dir="5400000">
+          <a:outerShdw blurRad="38100" dist="20000" dir="5400000" rotWithShape="0">
             <a:srgbClr val="000000">
               <a:alpha val="38000"/>
             </a:srgbClr>
@@ -9238,7 +9665,7 @@
         </a:effectLst>
         <a:sp3d/>
       </a:spPr>
-      <a:bodyPr rot="0" spcFirstLastPara="1" vertOverflow="overflow" horzOverflow="overflow" vert="horz" wrap="square" lIns="91439" tIns="45719" rIns="91439" bIns="45719" numCol="1" spcCol="38100" rtlCol="0" anchor="t" upright="0">
+      <a:bodyPr rot="0" spcFirstLastPara="1" vertOverflow="overflow" horzOverflow="overflow" vert="horz" wrap="square" lIns="91439" tIns="45719" rIns="91439" bIns="45719" numCol="1" spcCol="38100" rtlCol="0" anchor="t">
         <a:noAutofit/>
       </a:bodyPr>
       <a:lstStyle>
@@ -9257,7 +9684,7 @@
           <a:buFontTx/>
           <a:buNone/>
           <a:tabLst/>
-          <a:defRPr b="0" baseline="0" cap="none" i="0" spc="0" strike="noStrike" sz="1800" u="none" kumimoji="0" normalizeH="0">
+          <a:defRPr kumimoji="0" sz="1800" b="0" i="0" u="none" strike="noStrike" cap="none" spc="0" normalizeH="0" baseline="0">
             <a:ln>
               <a:noFill/>
             </a:ln>
@@ -9283,7 +9710,7 @@
           <a:buFontTx/>
           <a:buNone/>
           <a:tabLst/>
-          <a:defRPr b="0" baseline="0" cap="none" i="0" spc="0" strike="noStrike" sz="1800" u="none" kumimoji="0" normalizeH="0">
+          <a:defRPr kumimoji="0" sz="1800" b="0" i="0" u="none" strike="noStrike" cap="none" spc="0" normalizeH="0" baseline="0">
             <a:ln>
               <a:noFill/>
             </a:ln>
@@ -9309,7 +9736,7 @@
           <a:buFontTx/>
           <a:buNone/>
           <a:tabLst/>
-          <a:defRPr b="0" baseline="0" cap="none" i="0" spc="0" strike="noStrike" sz="1800" u="none" kumimoji="0" normalizeH="0">
+          <a:defRPr kumimoji="0" sz="1800" b="0" i="0" u="none" strike="noStrike" cap="none" spc="0" normalizeH="0" baseline="0">
             <a:ln>
               <a:noFill/>
             </a:ln>
@@ -9335,7 +9762,7 @@
           <a:buFontTx/>
           <a:buNone/>
           <a:tabLst/>
-          <a:defRPr b="0" baseline="0" cap="none" i="0" spc="0" strike="noStrike" sz="1800" u="none" kumimoji="0" normalizeH="0">
+          <a:defRPr kumimoji="0" sz="1800" b="0" i="0" u="none" strike="noStrike" cap="none" spc="0" normalizeH="0" baseline="0">
             <a:ln>
               <a:noFill/>
             </a:ln>
@@ -9361,7 +9788,7 @@
           <a:buFontTx/>
           <a:buNone/>
           <a:tabLst/>
-          <a:defRPr b="0" baseline="0" cap="none" i="0" spc="0" strike="noStrike" sz="1800" u="none" kumimoji="0" normalizeH="0">
+          <a:defRPr kumimoji="0" sz="1800" b="0" i="0" u="none" strike="noStrike" cap="none" spc="0" normalizeH="0" baseline="0">
             <a:ln>
               <a:noFill/>
             </a:ln>
@@ -9387,7 +9814,7 @@
           <a:buFontTx/>
           <a:buNone/>
           <a:tabLst/>
-          <a:defRPr b="0" baseline="0" cap="none" i="0" spc="0" strike="noStrike" sz="1800" u="none" kumimoji="0" normalizeH="0">
+          <a:defRPr kumimoji="0" sz="1800" b="0" i="0" u="none" strike="noStrike" cap="none" spc="0" normalizeH="0" baseline="0">
             <a:ln>
               <a:noFill/>
             </a:ln>
@@ -9413,7 +9840,7 @@
           <a:buFontTx/>
           <a:buNone/>
           <a:tabLst/>
-          <a:defRPr b="0" baseline="0" cap="none" i="0" spc="0" strike="noStrike" sz="1800" u="none" kumimoji="0" normalizeH="0">
+          <a:defRPr kumimoji="0" sz="1800" b="0" i="0" u="none" strike="noStrike" cap="none" spc="0" normalizeH="0" baseline="0">
             <a:ln>
               <a:noFill/>
             </a:ln>
@@ -9439,7 +9866,7 @@
           <a:buFontTx/>
           <a:buNone/>
           <a:tabLst/>
-          <a:defRPr b="0" baseline="0" cap="none" i="0" spc="0" strike="noStrike" sz="1800" u="none" kumimoji="0" normalizeH="0">
+          <a:defRPr kumimoji="0" sz="1800" b="0" i="0" u="none" strike="noStrike" cap="none" spc="0" normalizeH="0" baseline="0">
             <a:ln>
               <a:noFill/>
             </a:ln>
@@ -9465,7 +9892,7 @@
           <a:buFontTx/>
           <a:buNone/>
           <a:tabLst/>
-          <a:defRPr b="0" baseline="0" cap="none" i="0" spc="0" strike="noStrike" sz="1800" u="none" kumimoji="0" normalizeH="0">
+          <a:defRPr kumimoji="0" sz="1800" b="0" i="0" u="none" strike="noStrike" cap="none" spc="0" normalizeH="0" baseline="0">
             <a:ln>
               <a:noFill/>
             </a:ln>
@@ -9491,7 +9918,7 @@
           <a:buFontTx/>
           <a:buNone/>
           <a:tabLst/>
-          <a:defRPr b="0" baseline="0" cap="none" i="0" spc="0" strike="noStrike" sz="1800" u="none" kumimoji="0" normalizeH="0">
+          <a:defRPr kumimoji="0" sz="1800" b="0" i="0" u="none" strike="noStrike" cap="none" spc="0" normalizeH="0" baseline="0">
             <a:ln>
               <a:noFill/>
             </a:ln>
@@ -9504,9 +9931,15 @@
         </a:lvl9pPr>
       </a:lstStyle>
       <a:style>
-        <a:lnRef idx="0"/>
-        <a:fillRef idx="0"/>
-        <a:effectRef idx="0"/>
+        <a:lnRef idx="0">
+          <a:scrgbClr r="0" g="0" b="0"/>
+        </a:lnRef>
+        <a:fillRef idx="0">
+          <a:scrgbClr r="0" g="0" b="0"/>
+        </a:fillRef>
+        <a:effectRef idx="0">
+          <a:scrgbClr r="0" g="0" b="0"/>
+        </a:effectRef>
         <a:fontRef idx="none"/>
       </a:style>
     </a:lnDef>
@@ -9520,7 +9953,7 @@
         <a:effectLst/>
         <a:sp3d/>
       </a:spPr>
-      <a:bodyPr rot="0" spcFirstLastPara="1" vertOverflow="overflow" horzOverflow="overflow" vert="horz" wrap="square" lIns="45719" tIns="45719" rIns="45719" bIns="45719" numCol="1" spcCol="38100" rtlCol="0" anchor="t" upright="0">
+      <a:bodyPr rot="0" spcFirstLastPara="1" vertOverflow="overflow" horzOverflow="overflow" vert="horz" wrap="square" lIns="45719" tIns="45719" rIns="45719" bIns="45719" numCol="1" spcCol="38100" rtlCol="0" anchor="t">
         <a:spAutoFit/>
       </a:bodyPr>
       <a:lstStyle>
@@ -9539,7 +9972,7 @@
           <a:buFontTx/>
           <a:buNone/>
           <a:tabLst/>
-          <a:defRPr b="0" baseline="0" cap="none" i="0" spc="0" strike="noStrike" sz="1800" u="none" kumimoji="0" normalizeH="0">
+          <a:defRPr kumimoji="0" sz="1800" b="0" i="0" u="none" strike="noStrike" cap="none" spc="0" normalizeH="0" baseline="0">
             <a:ln>
               <a:noFill/>
             </a:ln>
@@ -9569,7 +10002,7 @@
           <a:buFontTx/>
           <a:buNone/>
           <a:tabLst/>
-          <a:defRPr b="0" baseline="0" cap="none" i="0" spc="0" strike="noStrike" sz="1800" u="none" kumimoji="0" normalizeH="0">
+          <a:defRPr kumimoji="0" sz="1800" b="0" i="0" u="none" strike="noStrike" cap="none" spc="0" normalizeH="0" baseline="0">
             <a:ln>
               <a:noFill/>
             </a:ln>
@@ -9595,7 +10028,7 @@
           <a:buFontTx/>
           <a:buNone/>
           <a:tabLst/>
-          <a:defRPr b="0" baseline="0" cap="none" i="0" spc="0" strike="noStrike" sz="1800" u="none" kumimoji="0" normalizeH="0">
+          <a:defRPr kumimoji="0" sz="1800" b="0" i="0" u="none" strike="noStrike" cap="none" spc="0" normalizeH="0" baseline="0">
             <a:ln>
               <a:noFill/>
             </a:ln>
@@ -9621,7 +10054,7 @@
           <a:buFontTx/>
           <a:buNone/>
           <a:tabLst/>
-          <a:defRPr b="0" baseline="0" cap="none" i="0" spc="0" strike="noStrike" sz="1800" u="none" kumimoji="0" normalizeH="0">
+          <a:defRPr kumimoji="0" sz="1800" b="0" i="0" u="none" strike="noStrike" cap="none" spc="0" normalizeH="0" baseline="0">
             <a:ln>
               <a:noFill/>
             </a:ln>
@@ -9647,7 +10080,7 @@
           <a:buFontTx/>
           <a:buNone/>
           <a:tabLst/>
-          <a:defRPr b="0" baseline="0" cap="none" i="0" spc="0" strike="noStrike" sz="1800" u="none" kumimoji="0" normalizeH="0">
+          <a:defRPr kumimoji="0" sz="1800" b="0" i="0" u="none" strike="noStrike" cap="none" spc="0" normalizeH="0" baseline="0">
             <a:ln>
               <a:noFill/>
             </a:ln>
@@ -9673,7 +10106,7 @@
           <a:buFontTx/>
           <a:buNone/>
           <a:tabLst/>
-          <a:defRPr b="0" baseline="0" cap="none" i="0" spc="0" strike="noStrike" sz="1800" u="none" kumimoji="0" normalizeH="0">
+          <a:defRPr kumimoji="0" sz="1800" b="0" i="0" u="none" strike="noStrike" cap="none" spc="0" normalizeH="0" baseline="0">
             <a:ln>
               <a:noFill/>
             </a:ln>
@@ -9699,7 +10132,7 @@
           <a:buFontTx/>
           <a:buNone/>
           <a:tabLst/>
-          <a:defRPr b="0" baseline="0" cap="none" i="0" spc="0" strike="noStrike" sz="1800" u="none" kumimoji="0" normalizeH="0">
+          <a:defRPr kumimoji="0" sz="1800" b="0" i="0" u="none" strike="noStrike" cap="none" spc="0" normalizeH="0" baseline="0">
             <a:ln>
               <a:noFill/>
             </a:ln>
@@ -9725,7 +10158,7 @@
           <a:buFontTx/>
           <a:buNone/>
           <a:tabLst/>
-          <a:defRPr b="0" baseline="0" cap="none" i="0" spc="0" strike="noStrike" sz="1800" u="none" kumimoji="0" normalizeH="0">
+          <a:defRPr kumimoji="0" sz="1800" b="0" i="0" u="none" strike="noStrike" cap="none" spc="0" normalizeH="0" baseline="0">
             <a:ln>
               <a:noFill/>
             </a:ln>
@@ -9751,7 +10184,7 @@
           <a:buFontTx/>
           <a:buNone/>
           <a:tabLst/>
-          <a:defRPr b="0" baseline="0" cap="none" i="0" spc="0" strike="noStrike" sz="1800" u="none" kumimoji="0" normalizeH="0">
+          <a:defRPr kumimoji="0" sz="1800" b="0" i="0" u="none" strike="noStrike" cap="none" spc="0" normalizeH="0" baseline="0">
             <a:ln>
               <a:noFill/>
             </a:ln>
@@ -9777,7 +10210,7 @@
           <a:buFontTx/>
           <a:buNone/>
           <a:tabLst/>
-          <a:defRPr b="0" baseline="0" cap="none" i="0" spc="0" strike="noStrike" sz="1800" u="none" kumimoji="0" normalizeH="0">
+          <a:defRPr kumimoji="0" sz="1800" b="0" i="0" u="none" strike="noStrike" cap="none" spc="0" normalizeH="0" baseline="0">
             <a:ln>
               <a:noFill/>
             </a:ln>
@@ -9790,12 +10223,19 @@
         </a:lvl9pPr>
       </a:lstStyle>
       <a:style>
-        <a:lnRef idx="0"/>
-        <a:fillRef idx="0"/>
-        <a:effectRef idx="0"/>
+        <a:lnRef idx="0">
+          <a:scrgbClr r="0" g="0" b="0"/>
+        </a:lnRef>
+        <a:fillRef idx="0">
+          <a:scrgbClr r="0" g="0" b="0"/>
+        </a:fillRef>
+        <a:effectRef idx="0">
+          <a:scrgbClr r="0" g="0" b="0"/>
+        </a:effectRef>
         <a:fontRef idx="none"/>
       </a:style>
     </a:txDef>
   </a:objectDefaults>
+  <a:extraClrSchemeLst/>
 </a:theme>
 </file>
--- a/Documentation/DAS_Team11.pptx
+++ b/Documentation/DAS_Team11.pptx
@@ -5577,8 +5577,8 @@
         </p:nvSpPr>
         <p:spPr>
           <a:xfrm>
-            <a:off x="5001382" y="3110230"/>
-            <a:ext cx="2874726" cy="459740"/>
+            <a:off x="5001382" y="3110229"/>
+            <a:ext cx="2874726" cy="459741"/>
           </a:xfrm>
           <a:prstGeom prst="rect">
             <a:avLst/>
@@ -5622,8 +5622,8 @@
         </p:nvSpPr>
         <p:spPr>
           <a:xfrm>
-            <a:off x="5056746" y="4278630"/>
-            <a:ext cx="2763998" cy="459740"/>
+            <a:off x="5056746" y="4278629"/>
+            <a:ext cx="2763998" cy="459741"/>
           </a:xfrm>
           <a:prstGeom prst="rect">
             <a:avLst/>
@@ -5677,7 +5677,7 @@
         </p:blipFill>
         <p:spPr>
           <a:xfrm>
-            <a:off x="2014840" y="2624207"/>
+            <a:off x="1773540" y="2442786"/>
             <a:ext cx="1732381" cy="2916991"/>
           </a:xfrm>
           <a:prstGeom prst="rect">
@@ -5688,6 +5688,58 @@
           </a:ln>
         </p:spPr>
       </p:pic>
+      <p:sp>
+        <p:nvSpPr>
+          <p:cNvPr id="261" name="Reference: https://courses.cs.washington.edu/courses/csep590/03su/Lectures/lecture1.ppt"/>
+          <p:cNvSpPr txBox="1"/>
+          <p:nvPr/>
+        </p:nvSpPr>
+        <p:spPr>
+          <a:xfrm>
+            <a:off x="2029582" y="5561329"/>
+            <a:ext cx="6486263" cy="269241"/>
+          </a:xfrm>
+          <a:prstGeom prst="rect">
+            <a:avLst/>
+          </a:prstGeom>
+          <a:ln w="12700">
+            <a:miter lim="400000"/>
+          </a:ln>
+          <a:extLst>
+            <a:ext uri="{C572A759-6A51-4108-AA02-DFA0A04FC94B}">
+              <ma14:wrappingTextBoxFlag xmlns:ma14="http://schemas.microsoft.com/office/mac/drawingml/2011/main" val="1"/>
+            </a:ext>
+          </a:extLst>
+        </p:spPr>
+        <p:txBody>
+          <a:bodyPr wrap="none" lIns="45719" rIns="45719">
+            <a:spAutoFit/>
+          </a:bodyPr>
+          <a:lstStyle/>
+          <a:p>
+            <a:pPr>
+              <a:defRPr sz="1200"/>
+            </a:pPr>
+            <a:r>
+              <a:t>Reference: </a:t>
+            </a:r>
+            <a:r>
+              <a:rPr>
+                <a:solidFill>
+                  <a:srgbClr val="000016"/>
+                </a:solidFill>
+                <a:uFill>
+                  <a:solidFill>
+                    <a:srgbClr val="0000FF"/>
+                  </a:solidFill>
+                </a:uFill>
+                <a:hlinkClick r:id="rId3" invalidUrl="" action="" tgtFrame="" tooltip="" history="1" highlightClick="0" endSnd="0"/>
+              </a:rPr>
+              <a:t>https://courses.cs.washington.edu/courses/csep590/03su/Lectures/lecture1.ppt</a:t>
+            </a:r>
+          </a:p>
+        </p:txBody>
+      </p:sp>
     </p:spTree>
   </p:cSld>
   <p:clrMapOvr>
@@ -5716,7 +5768,7 @@
       </p:grpSpPr>
       <p:sp>
         <p:nvSpPr>
-          <p:cNvPr id="262" name="Model Checking with eCFM"/>
+          <p:cNvPr id="263" name="Model Checking with eCFM"/>
           <p:cNvSpPr txBox="1"/>
           <p:nvPr>
             <p:ph type="title"/>
@@ -5741,7 +5793,7 @@
       </p:sp>
       <p:sp>
         <p:nvSpPr>
-          <p:cNvPr id="263" name="Engineers created a context evolution model.…"/>
+          <p:cNvPr id="264" name="Engineers created a context evolution model.…"/>
           <p:cNvSpPr txBox="1"/>
           <p:nvPr>
             <p:ph type="body" idx="1"/>
@@ -5803,7 +5855,7 @@
       </p:grpSpPr>
       <p:sp>
         <p:nvSpPr>
-          <p:cNvPr id="265" name="DAS behavioral properties in context of eCFM."/>
+          <p:cNvPr id="266" name="DAS behavioral properties in context of eCFM."/>
           <p:cNvSpPr txBox="1"/>
           <p:nvPr>
             <p:ph type="title"/>
@@ -5832,7 +5884,7 @@
       </p:sp>
       <p:sp>
         <p:nvSpPr>
-          <p:cNvPr id="266" name="Configuration correctness - specifies that each DAS configuration at run time should conform to eCFM rules.…"/>
+          <p:cNvPr id="267" name="Configuration correctness - specifies that each DAS configuration at run time should conform to eCFM rules.…"/>
           <p:cNvSpPr txBox="1"/>
           <p:nvPr>
             <p:ph type="body" idx="1"/>
@@ -5922,7 +5974,7 @@
       </p:grpSpPr>
       <p:sp>
         <p:nvSpPr>
-          <p:cNvPr id="268" name="Model Checking with eCFM"/>
+          <p:cNvPr id="269" name="Model Checking with eCFM"/>
           <p:cNvSpPr txBox="1"/>
           <p:nvPr>
             <p:ph type="title"/>
@@ -5947,7 +5999,7 @@
       </p:sp>
       <p:sp>
         <p:nvSpPr>
-          <p:cNvPr id="269" name="Feature liveness - specifies that each system feature should be active in some DAS configuration.…"/>
+          <p:cNvPr id="270" name="Feature liveness - specifies that each system feature should be active in some DAS configuration.…"/>
           <p:cNvSpPr txBox="1"/>
           <p:nvPr>
             <p:ph type="body" idx="1"/>
@@ -6028,7 +6080,7 @@
       </p:grpSpPr>
       <p:sp>
         <p:nvSpPr>
-          <p:cNvPr id="271" name="Title 4"/>
+          <p:cNvPr id="272" name="Title 4"/>
           <p:cNvSpPr txBox="1"/>
           <p:nvPr>
             <p:ph type="ctrTitle"/>
@@ -6064,7 +6116,7 @@
       </p:sp>
       <p:sp>
         <p:nvSpPr>
-          <p:cNvPr id="272" name="Subtitle 5"/>
+          <p:cNvPr id="273" name="Subtitle 5"/>
           <p:cNvSpPr txBox="1"/>
           <p:nvPr>
             <p:ph type="subTitle" sz="quarter" idx="1"/>
@@ -6453,7 +6505,7 @@
         <p:spPr>
           <a:xfrm>
             <a:off x="457200" y="1243467"/>
-            <a:ext cx="8229600" cy="4525963"/>
+            <a:ext cx="8229600" cy="4525964"/>
           </a:xfrm>
           <a:prstGeom prst="rect">
             <a:avLst/>
@@ -6708,7 +6760,7 @@
         <p:spPr>
           <a:xfrm>
             <a:off x="457200" y="1243467"/>
-            <a:ext cx="8229600" cy="4525963"/>
+            <a:ext cx="8229600" cy="4525964"/>
           </a:xfrm>
           <a:prstGeom prst="rect">
             <a:avLst/>
@@ -6933,7 +6985,7 @@
         <p:spPr>
           <a:xfrm>
             <a:off x="457200" y="1243467"/>
-            <a:ext cx="8229600" cy="4525963"/>
+            <a:ext cx="8229600" cy="4525964"/>
           </a:xfrm>
           <a:prstGeom prst="rect">
             <a:avLst/>
@@ -7158,7 +7210,7 @@
         <p:spPr>
           <a:xfrm>
             <a:off x="457200" y="1243467"/>
-            <a:ext cx="8229600" cy="4525963"/>
+            <a:ext cx="8229600" cy="4525964"/>
           </a:xfrm>
           <a:prstGeom prst="rect">
             <a:avLst/>
